--- a/Schémas et formules mathématiques.pptx
+++ b/Schémas et formules mathématiques.pptx
@@ -10,6 +10,7 @@
     <p:sldId id="259" r:id="rId4"/>
     <p:sldId id="260" r:id="rId5"/>
     <p:sldId id="261" r:id="rId6"/>
+    <p:sldId id="262" r:id="rId7"/>
   </p:sldIdLst>
   <p:sldSz cx="12192000" cy="6858000"/>
   <p:notesSz cx="6858000" cy="9144000"/>
@@ -108,6 +109,11 @@
       </a:defRPr>
     </a:lvl9pPr>
   </p:defaultTextStyle>
+  <p:extLst>
+    <p:ext uri="{EFAFB233-063F-42B5-8137-9DF3F51BA10A}">
+      <p15:sldGuideLst xmlns:p15="http://schemas.microsoft.com/office/powerpoint/2012/main"/>
+    </p:ext>
+  </p:extLst>
 </p:presentation>
 </file>
 
@@ -300,7 +306,7 @@
           <a:p>
             <a:fld id="{8CC8168F-B74C-4525-A6F8-EBA84798C097}" type="datetimeFigureOut">
               <a:rPr lang="fr-FR" smtClean="0"/>
-              <a:t>27/05/2025</a:t>
+              <a:t>31/05/2025</a:t>
             </a:fld>
             <a:endParaRPr lang="fr-FR"/>
           </a:p>
@@ -498,7 +504,7 @@
           <a:p>
             <a:fld id="{8CC8168F-B74C-4525-A6F8-EBA84798C097}" type="datetimeFigureOut">
               <a:rPr lang="fr-FR" smtClean="0"/>
-              <a:t>27/05/2025</a:t>
+              <a:t>31/05/2025</a:t>
             </a:fld>
             <a:endParaRPr lang="fr-FR"/>
           </a:p>
@@ -706,7 +712,7 @@
           <a:p>
             <a:fld id="{8CC8168F-B74C-4525-A6F8-EBA84798C097}" type="datetimeFigureOut">
               <a:rPr lang="fr-FR" smtClean="0"/>
-              <a:t>27/05/2025</a:t>
+              <a:t>31/05/2025</a:t>
             </a:fld>
             <a:endParaRPr lang="fr-FR"/>
           </a:p>
@@ -904,7 +910,7 @@
           <a:p>
             <a:fld id="{8CC8168F-B74C-4525-A6F8-EBA84798C097}" type="datetimeFigureOut">
               <a:rPr lang="fr-FR" smtClean="0"/>
-              <a:t>27/05/2025</a:t>
+              <a:t>31/05/2025</a:t>
             </a:fld>
             <a:endParaRPr lang="fr-FR"/>
           </a:p>
@@ -1179,7 +1185,7 @@
           <a:p>
             <a:fld id="{8CC8168F-B74C-4525-A6F8-EBA84798C097}" type="datetimeFigureOut">
               <a:rPr lang="fr-FR" smtClean="0"/>
-              <a:t>27/05/2025</a:t>
+              <a:t>31/05/2025</a:t>
             </a:fld>
             <a:endParaRPr lang="fr-FR"/>
           </a:p>
@@ -1444,7 +1450,7 @@
           <a:p>
             <a:fld id="{8CC8168F-B74C-4525-A6F8-EBA84798C097}" type="datetimeFigureOut">
               <a:rPr lang="fr-FR" smtClean="0"/>
-              <a:t>27/05/2025</a:t>
+              <a:t>31/05/2025</a:t>
             </a:fld>
             <a:endParaRPr lang="fr-FR"/>
           </a:p>
@@ -1856,7 +1862,7 @@
           <a:p>
             <a:fld id="{8CC8168F-B74C-4525-A6F8-EBA84798C097}" type="datetimeFigureOut">
               <a:rPr lang="fr-FR" smtClean="0"/>
-              <a:t>27/05/2025</a:t>
+              <a:t>31/05/2025</a:t>
             </a:fld>
             <a:endParaRPr lang="fr-FR"/>
           </a:p>
@@ -1997,7 +2003,7 @@
           <a:p>
             <a:fld id="{8CC8168F-B74C-4525-A6F8-EBA84798C097}" type="datetimeFigureOut">
               <a:rPr lang="fr-FR" smtClean="0"/>
-              <a:t>27/05/2025</a:t>
+              <a:t>31/05/2025</a:t>
             </a:fld>
             <a:endParaRPr lang="fr-FR"/>
           </a:p>
@@ -2110,7 +2116,7 @@
           <a:p>
             <a:fld id="{8CC8168F-B74C-4525-A6F8-EBA84798C097}" type="datetimeFigureOut">
               <a:rPr lang="fr-FR" smtClean="0"/>
-              <a:t>27/05/2025</a:t>
+              <a:t>31/05/2025</a:t>
             </a:fld>
             <a:endParaRPr lang="fr-FR"/>
           </a:p>
@@ -2421,7 +2427,7 @@
           <a:p>
             <a:fld id="{8CC8168F-B74C-4525-A6F8-EBA84798C097}" type="datetimeFigureOut">
               <a:rPr lang="fr-FR" smtClean="0"/>
-              <a:t>27/05/2025</a:t>
+              <a:t>31/05/2025</a:t>
             </a:fld>
             <a:endParaRPr lang="fr-FR"/>
           </a:p>
@@ -2709,7 +2715,7 @@
           <a:p>
             <a:fld id="{8CC8168F-B74C-4525-A6F8-EBA84798C097}" type="datetimeFigureOut">
               <a:rPr lang="fr-FR" smtClean="0"/>
-              <a:t>27/05/2025</a:t>
+              <a:t>31/05/2025</a:t>
             </a:fld>
             <a:endParaRPr lang="fr-FR"/>
           </a:p>
@@ -2950,7 +2956,7 @@
           <a:p>
             <a:fld id="{8CC8168F-B74C-4525-A6F8-EBA84798C097}" type="datetimeFigureOut">
               <a:rPr lang="fr-FR" smtClean="0"/>
-              <a:t>27/05/2025</a:t>
+              <a:t>31/05/2025</a:t>
             </a:fld>
             <a:endParaRPr lang="fr-FR"/>
           </a:p>
@@ -3832,8 +3838,8 @@
           </p:txBody>
         </p:sp>
       </p:grpSp>
-      <mc:AlternateContent xmlns:mc="http://schemas.openxmlformats.org/markup-compatibility/2006">
-        <mc:Choice xmlns:a14="http://schemas.microsoft.com/office/drawing/2010/main" Requires="a14">
+      <mc:AlternateContent xmlns:mc="http://schemas.openxmlformats.org/markup-compatibility/2006" xmlns:a14="http://schemas.microsoft.com/office/drawing/2010/main">
+        <mc:Choice Requires="a14">
           <p:sp>
             <p:nvSpPr>
               <p:cNvPr id="30" name="ZoneTexte 29">
@@ -3931,7 +3937,7 @@
             </p:txBody>
           </p:sp>
         </mc:Choice>
-        <mc:Fallback>
+        <mc:Fallback xmlns="">
           <p:sp>
             <p:nvSpPr>
               <p:cNvPr id="30" name="ZoneTexte 29">
@@ -3976,8 +3982,8 @@
           </p:sp>
         </mc:Fallback>
       </mc:AlternateContent>
-      <mc:AlternateContent xmlns:mc="http://schemas.openxmlformats.org/markup-compatibility/2006">
-        <mc:Choice xmlns:a14="http://schemas.microsoft.com/office/drawing/2010/main" Requires="a14">
+      <mc:AlternateContent xmlns:mc="http://schemas.openxmlformats.org/markup-compatibility/2006" xmlns:a14="http://schemas.microsoft.com/office/drawing/2010/main">
+        <mc:Choice Requires="a14">
           <p:sp>
             <p:nvSpPr>
               <p:cNvPr id="31" name="ZoneTexte 30">
@@ -4075,7 +4081,7 @@
             </p:txBody>
           </p:sp>
         </mc:Choice>
-        <mc:Fallback>
+        <mc:Fallback xmlns="">
           <p:sp>
             <p:nvSpPr>
               <p:cNvPr id="31" name="ZoneTexte 30">
@@ -4120,8 +4126,8 @@
           </p:sp>
         </mc:Fallback>
       </mc:AlternateContent>
-      <mc:AlternateContent xmlns:mc="http://schemas.openxmlformats.org/markup-compatibility/2006">
-        <mc:Choice xmlns:a14="http://schemas.microsoft.com/office/drawing/2010/main" Requires="a14">
+      <mc:AlternateContent xmlns:mc="http://schemas.openxmlformats.org/markup-compatibility/2006" xmlns:a14="http://schemas.microsoft.com/office/drawing/2010/main">
+        <mc:Choice Requires="a14">
           <p:sp>
             <p:nvSpPr>
               <p:cNvPr id="32" name="ZoneTexte 31">
@@ -4219,7 +4225,7 @@
             </p:txBody>
           </p:sp>
         </mc:Choice>
-        <mc:Fallback>
+        <mc:Fallback xmlns="">
           <p:sp>
             <p:nvSpPr>
               <p:cNvPr id="32" name="ZoneTexte 31">
@@ -4264,8 +4270,8 @@
           </p:sp>
         </mc:Fallback>
       </mc:AlternateContent>
-      <mc:AlternateContent xmlns:mc="http://schemas.openxmlformats.org/markup-compatibility/2006">
-        <mc:Choice xmlns:a14="http://schemas.microsoft.com/office/drawing/2010/main" Requires="a14">
+      <mc:AlternateContent xmlns:mc="http://schemas.openxmlformats.org/markup-compatibility/2006" xmlns:a14="http://schemas.microsoft.com/office/drawing/2010/main">
+        <mc:Choice Requires="a14">
           <p:sp>
             <p:nvSpPr>
               <p:cNvPr id="33" name="ZoneTexte 32">
@@ -4363,7 +4369,7 @@
             </p:txBody>
           </p:sp>
         </mc:Choice>
-        <mc:Fallback>
+        <mc:Fallback xmlns="">
           <p:sp>
             <p:nvSpPr>
               <p:cNvPr id="33" name="ZoneTexte 32">
@@ -4408,8 +4414,8 @@
           </p:sp>
         </mc:Fallback>
       </mc:AlternateContent>
-      <mc:AlternateContent xmlns:mc="http://schemas.openxmlformats.org/markup-compatibility/2006">
-        <mc:Choice xmlns:a14="http://schemas.microsoft.com/office/drawing/2010/main" Requires="a14">
+      <mc:AlternateContent xmlns:mc="http://schemas.openxmlformats.org/markup-compatibility/2006" xmlns:a14="http://schemas.microsoft.com/office/drawing/2010/main">
+        <mc:Choice Requires="a14">
           <p:sp>
             <p:nvSpPr>
               <p:cNvPr id="34" name="ZoneTexte 33">
@@ -4507,7 +4513,7 @@
             </p:txBody>
           </p:sp>
         </mc:Choice>
-        <mc:Fallback>
+        <mc:Fallback xmlns="">
           <p:sp>
             <p:nvSpPr>
               <p:cNvPr id="34" name="ZoneTexte 33">
@@ -4552,8 +4558,8 @@
           </p:sp>
         </mc:Fallback>
       </mc:AlternateContent>
-      <mc:AlternateContent xmlns:mc="http://schemas.openxmlformats.org/markup-compatibility/2006">
-        <mc:Choice xmlns:a14="http://schemas.microsoft.com/office/drawing/2010/main" Requires="a14">
+      <mc:AlternateContent xmlns:mc="http://schemas.openxmlformats.org/markup-compatibility/2006" xmlns:a14="http://schemas.microsoft.com/office/drawing/2010/main">
+        <mc:Choice Requires="a14">
           <p:sp>
             <p:nvSpPr>
               <p:cNvPr id="35" name="ZoneTexte 34">
@@ -4651,7 +4657,7 @@
             </p:txBody>
           </p:sp>
         </mc:Choice>
-        <mc:Fallback>
+        <mc:Fallback xmlns="">
           <p:sp>
             <p:nvSpPr>
               <p:cNvPr id="35" name="ZoneTexte 34">
@@ -5086,8 +5092,8 @@
           </p:style>
         </p:cxnSp>
       </p:grpSp>
-      <mc:AlternateContent xmlns:mc="http://schemas.openxmlformats.org/markup-compatibility/2006">
-        <mc:Choice xmlns:a14="http://schemas.microsoft.com/office/drawing/2010/main" Requires="a14">
+      <mc:AlternateContent xmlns:mc="http://schemas.openxmlformats.org/markup-compatibility/2006" xmlns:a14="http://schemas.microsoft.com/office/drawing/2010/main">
+        <mc:Choice Requires="a14">
           <p:sp>
             <p:nvSpPr>
               <p:cNvPr id="59" name="ZoneTexte 58">
@@ -5862,7 +5868,7 @@
             </p:txBody>
           </p:sp>
         </mc:Choice>
-        <mc:Fallback>
+        <mc:Fallback xmlns="">
           <p:sp>
             <p:nvSpPr>
               <p:cNvPr id="59" name="ZoneTexte 58">
@@ -5907,8 +5913,8 @@
           </p:sp>
         </mc:Fallback>
       </mc:AlternateContent>
-      <mc:AlternateContent xmlns:mc="http://schemas.openxmlformats.org/markup-compatibility/2006">
-        <mc:Choice xmlns:a14="http://schemas.microsoft.com/office/drawing/2010/main" Requires="a14">
+      <mc:AlternateContent xmlns:mc="http://schemas.openxmlformats.org/markup-compatibility/2006" xmlns:a14="http://schemas.microsoft.com/office/drawing/2010/main">
+        <mc:Choice Requires="a14">
           <p:sp>
             <p:nvSpPr>
               <p:cNvPr id="60" name="ZoneTexte 59">
@@ -6015,7 +6021,7 @@
             </p:txBody>
           </p:sp>
         </mc:Choice>
-        <mc:Fallback>
+        <mc:Fallback xmlns="">
           <p:sp>
             <p:nvSpPr>
               <p:cNvPr id="60" name="ZoneTexte 59">
@@ -6060,8 +6066,8 @@
           </p:sp>
         </mc:Fallback>
       </mc:AlternateContent>
-      <mc:AlternateContent xmlns:mc="http://schemas.openxmlformats.org/markup-compatibility/2006">
-        <mc:Choice xmlns:a14="http://schemas.microsoft.com/office/drawing/2010/main" Requires="a14">
+      <mc:AlternateContent xmlns:mc="http://schemas.openxmlformats.org/markup-compatibility/2006" xmlns:a14="http://schemas.microsoft.com/office/drawing/2010/main">
+        <mc:Choice Requires="a14">
           <p:sp>
             <p:nvSpPr>
               <p:cNvPr id="61" name="ZoneTexte 60">
@@ -6168,7 +6174,7 @@
             </p:txBody>
           </p:sp>
         </mc:Choice>
-        <mc:Fallback>
+        <mc:Fallback xmlns="">
           <p:sp>
             <p:nvSpPr>
               <p:cNvPr id="61" name="ZoneTexte 60">
@@ -6213,8 +6219,8 @@
           </p:sp>
         </mc:Fallback>
       </mc:AlternateContent>
-      <mc:AlternateContent xmlns:mc="http://schemas.openxmlformats.org/markup-compatibility/2006">
-        <mc:Choice xmlns:a14="http://schemas.microsoft.com/office/drawing/2010/main" Requires="a14">
+      <mc:AlternateContent xmlns:mc="http://schemas.openxmlformats.org/markup-compatibility/2006" xmlns:a14="http://schemas.microsoft.com/office/drawing/2010/main">
+        <mc:Choice Requires="a14">
           <p:sp>
             <p:nvSpPr>
               <p:cNvPr id="89" name="ZoneTexte 88">
@@ -6312,7 +6318,7 @@
             </p:txBody>
           </p:sp>
         </mc:Choice>
-        <mc:Fallback>
+        <mc:Fallback xmlns="">
           <p:sp>
             <p:nvSpPr>
               <p:cNvPr id="89" name="ZoneTexte 88">
@@ -6843,8 +6849,8 @@
           </p:txBody>
         </p:sp>
       </p:grpSp>
-      <mc:AlternateContent xmlns:mc="http://schemas.openxmlformats.org/markup-compatibility/2006">
-        <mc:Choice xmlns:a14="http://schemas.microsoft.com/office/drawing/2010/main" Requires="a14">
+      <mc:AlternateContent xmlns:mc="http://schemas.openxmlformats.org/markup-compatibility/2006" xmlns:a14="http://schemas.microsoft.com/office/drawing/2010/main">
+        <mc:Choice Requires="a14">
           <p:sp>
             <p:nvSpPr>
               <p:cNvPr id="141" name="ZoneTexte 140">
@@ -6942,7 +6948,7 @@
             </p:txBody>
           </p:sp>
         </mc:Choice>
-        <mc:Fallback>
+        <mc:Fallback xmlns="">
           <p:sp>
             <p:nvSpPr>
               <p:cNvPr id="141" name="ZoneTexte 140">
@@ -6987,8 +6993,8 @@
           </p:sp>
         </mc:Fallback>
       </mc:AlternateContent>
-      <mc:AlternateContent xmlns:mc="http://schemas.openxmlformats.org/markup-compatibility/2006">
-        <mc:Choice xmlns:a14="http://schemas.microsoft.com/office/drawing/2010/main" Requires="a14">
+      <mc:AlternateContent xmlns:mc="http://schemas.openxmlformats.org/markup-compatibility/2006" xmlns:a14="http://schemas.microsoft.com/office/drawing/2010/main">
+        <mc:Choice Requires="a14">
           <p:sp>
             <p:nvSpPr>
               <p:cNvPr id="142" name="ZoneTexte 141">
@@ -7086,7 +7092,7 @@
             </p:txBody>
           </p:sp>
         </mc:Choice>
-        <mc:Fallback>
+        <mc:Fallback xmlns="">
           <p:sp>
             <p:nvSpPr>
               <p:cNvPr id="142" name="ZoneTexte 141">
@@ -7131,8 +7137,8 @@
           </p:sp>
         </mc:Fallback>
       </mc:AlternateContent>
-      <mc:AlternateContent xmlns:mc="http://schemas.openxmlformats.org/markup-compatibility/2006">
-        <mc:Choice xmlns:a14="http://schemas.microsoft.com/office/drawing/2010/main" Requires="a14">
+      <mc:AlternateContent xmlns:mc="http://schemas.openxmlformats.org/markup-compatibility/2006" xmlns:a14="http://schemas.microsoft.com/office/drawing/2010/main">
+        <mc:Choice Requires="a14">
           <p:sp>
             <p:nvSpPr>
               <p:cNvPr id="145" name="ZoneTexte 144">
@@ -7230,7 +7236,7 @@
             </p:txBody>
           </p:sp>
         </mc:Choice>
-        <mc:Fallback>
+        <mc:Fallback xmlns="">
           <p:sp>
             <p:nvSpPr>
               <p:cNvPr id="145" name="ZoneTexte 144">
@@ -7275,8 +7281,8 @@
           </p:sp>
         </mc:Fallback>
       </mc:AlternateContent>
-      <mc:AlternateContent xmlns:mc="http://schemas.openxmlformats.org/markup-compatibility/2006">
-        <mc:Choice xmlns:a14="http://schemas.microsoft.com/office/drawing/2010/main" Requires="a14">
+      <mc:AlternateContent xmlns:mc="http://schemas.openxmlformats.org/markup-compatibility/2006" xmlns:a14="http://schemas.microsoft.com/office/drawing/2010/main">
+        <mc:Choice Requires="a14">
           <p:sp>
             <p:nvSpPr>
               <p:cNvPr id="146" name="ZoneTexte 145">
@@ -7374,7 +7380,7 @@
             </p:txBody>
           </p:sp>
         </mc:Choice>
-        <mc:Fallback>
+        <mc:Fallback xmlns="">
           <p:sp>
             <p:nvSpPr>
               <p:cNvPr id="146" name="ZoneTexte 145">
@@ -7419,8 +7425,8 @@
           </p:sp>
         </mc:Fallback>
       </mc:AlternateContent>
-      <mc:AlternateContent xmlns:mc="http://schemas.openxmlformats.org/markup-compatibility/2006">
-        <mc:Choice xmlns:a14="http://schemas.microsoft.com/office/drawing/2010/main" Requires="a14">
+      <mc:AlternateContent xmlns:mc="http://schemas.openxmlformats.org/markup-compatibility/2006" xmlns:a14="http://schemas.microsoft.com/office/drawing/2010/main">
+        <mc:Choice Requires="a14">
           <p:sp>
             <p:nvSpPr>
               <p:cNvPr id="147" name="ZoneTexte 146">
@@ -7518,7 +7524,7 @@
             </p:txBody>
           </p:sp>
         </mc:Choice>
-        <mc:Fallback>
+        <mc:Fallback xmlns="">
           <p:sp>
             <p:nvSpPr>
               <p:cNvPr id="147" name="ZoneTexte 146">
@@ -7563,8 +7569,8 @@
           </p:sp>
         </mc:Fallback>
       </mc:AlternateContent>
-      <mc:AlternateContent xmlns:mc="http://schemas.openxmlformats.org/markup-compatibility/2006">
-        <mc:Choice xmlns:a14="http://schemas.microsoft.com/office/drawing/2010/main" Requires="a14">
+      <mc:AlternateContent xmlns:mc="http://schemas.openxmlformats.org/markup-compatibility/2006" xmlns:a14="http://schemas.microsoft.com/office/drawing/2010/main">
+        <mc:Choice Requires="a14">
           <p:sp>
             <p:nvSpPr>
               <p:cNvPr id="267" name="ZoneTexte 266">
@@ -7596,6 +7602,7 @@
                 <a:endParaRPr lang="fr-FR" b="0" dirty="0"/>
               </a:p>
               <a:p>
+                <a:pPr/>
                 <a14:m>
                   <m:oMathPara xmlns:m="http://schemas.openxmlformats.org/officeDocument/2006/math">
                     <m:oMathParaPr>
@@ -7973,6 +7980,7 @@
                 <a:endParaRPr lang="fr-FR" sz="1600" dirty="0"/>
               </a:p>
               <a:p>
+                <a:pPr/>
                 <a14:m>
                   <m:oMathPara xmlns:m="http://schemas.openxmlformats.org/officeDocument/2006/math">
                     <m:oMathParaPr>
@@ -8397,6 +8405,7 @@
                 <a:endParaRPr lang="fr-FR" sz="1600" dirty="0"/>
               </a:p>
               <a:p>
+                <a:pPr/>
                 <a14:m>
                   <m:oMathPara xmlns:m="http://schemas.openxmlformats.org/officeDocument/2006/math">
                     <m:oMathParaPr>
@@ -8755,13 +8764,7 @@
                         <a:rPr lang="fr-FR" sz="1600" b="0" i="1" smtClean="0">
                           <a:latin typeface="Cambria Math" panose="02040503050406030204" pitchFamily="18" charset="0"/>
                         </a:rPr>
-                        <m:t>:</m:t>
-                      </m:r>
-                      <m:r>
-                        <a:rPr lang="fr-FR" sz="1600" b="0" i="1" smtClean="0">
-                          <a:latin typeface="Cambria Math" panose="02040503050406030204" pitchFamily="18" charset="0"/>
-                        </a:rPr>
-                        <m:t> </m:t>
+                        <m:t>: </m:t>
                       </m:r>
                       <m:f>
                         <m:fPr>
@@ -9719,19 +9722,7 @@
                         <a:rPr lang="fr-FR" sz="1600" b="0" i="1" smtClean="0">
                           <a:latin typeface="Cambria Math" panose="02040503050406030204" pitchFamily="18" charset="0"/>
                         </a:rPr>
-                        <m:t>=</m:t>
-                      </m:r>
-                      <m:r>
-                        <a:rPr lang="fr-FR" sz="1600" b="0" i="1" smtClean="0">
-                          <a:latin typeface="Cambria Math" panose="02040503050406030204" pitchFamily="18" charset="0"/>
-                        </a:rPr>
-                        <m:t>−</m:t>
-                      </m:r>
-                      <m:r>
-                        <a:rPr lang="fr-FR" sz="1600" b="0" i="1" smtClean="0">
-                          <a:latin typeface="Cambria Math" panose="02040503050406030204" pitchFamily="18" charset="0"/>
-                        </a:rPr>
-                        <m:t>2 ∗</m:t>
+                        <m:t>=−2 ∗</m:t>
                       </m:r>
                       <m:d>
                         <m:dPr>
@@ -9948,7 +9939,6 @@
                 </a:endParaRPr>
               </a:p>
               <a:p>
-                <a:pPr/>
                 <a:endParaRPr lang="fr-FR" sz="1600" b="0" i="1" dirty="0">
                   <a:latin typeface="Cambria Math" panose="02040503050406030204" pitchFamily="18" charset="0"/>
                 </a:endParaRPr>
@@ -11269,7 +11259,6 @@
                 <a:endParaRPr lang="fr-FR" sz="1600" dirty="0"/>
               </a:p>
               <a:p>
-                <a:pPr/>
                 <a:endParaRPr lang="fr-FR" b="0" i="1" dirty="0">
                   <a:latin typeface="Cambria Math" panose="02040503050406030204" pitchFamily="18" charset="0"/>
                 </a:endParaRPr>
@@ -11299,7 +11288,7 @@
             </p:txBody>
           </p:sp>
         </mc:Choice>
-        <mc:Fallback>
+        <mc:Fallback xmlns="">
           <p:sp>
             <p:nvSpPr>
               <p:cNvPr id="267" name="ZoneTexte 266">
@@ -11880,8 +11869,8 @@
             </p:txBody>
           </p:sp>
         </p:grpSp>
-        <mc:AlternateContent xmlns:mc="http://schemas.openxmlformats.org/markup-compatibility/2006">
-          <mc:Choice xmlns:a14="http://schemas.microsoft.com/office/drawing/2010/main" Requires="a14">
+        <mc:AlternateContent xmlns:mc="http://schemas.openxmlformats.org/markup-compatibility/2006" xmlns:a14="http://schemas.microsoft.com/office/drawing/2010/main">
+          <mc:Choice Requires="a14">
             <p:sp>
               <p:nvSpPr>
                 <p:cNvPr id="50" name="ZoneTexte 49">
@@ -11970,7 +11959,7 @@
               </p:txBody>
             </p:sp>
           </mc:Choice>
-          <mc:Fallback>
+          <mc:Fallback xmlns="">
             <p:sp>
               <p:nvSpPr>
                 <p:cNvPr id="50" name="ZoneTexte 49">
@@ -12015,8 +12004,8 @@
             </p:sp>
           </mc:Fallback>
         </mc:AlternateContent>
-        <mc:AlternateContent xmlns:mc="http://schemas.openxmlformats.org/markup-compatibility/2006">
-          <mc:Choice xmlns:a14="http://schemas.microsoft.com/office/drawing/2010/main" Requires="a14">
+        <mc:AlternateContent xmlns:mc="http://schemas.openxmlformats.org/markup-compatibility/2006" xmlns:a14="http://schemas.microsoft.com/office/drawing/2010/main">
+          <mc:Choice Requires="a14">
             <p:sp>
               <p:nvSpPr>
                 <p:cNvPr id="51" name="ZoneTexte 50">
@@ -12105,7 +12094,7 @@
               </p:txBody>
             </p:sp>
           </mc:Choice>
-          <mc:Fallback>
+          <mc:Fallback xmlns="">
             <p:sp>
               <p:nvSpPr>
                 <p:cNvPr id="51" name="ZoneTexte 50">
@@ -13026,8 +13015,8 @@
             </p:style>
           </p:cxnSp>
         </p:grpSp>
-        <mc:AlternateContent xmlns:mc="http://schemas.openxmlformats.org/markup-compatibility/2006">
-          <mc:Choice xmlns:a14="http://schemas.microsoft.com/office/drawing/2010/main" Requires="a14">
+        <mc:AlternateContent xmlns:mc="http://schemas.openxmlformats.org/markup-compatibility/2006" xmlns:a14="http://schemas.microsoft.com/office/drawing/2010/main">
+          <mc:Choice Requires="a14">
             <p:sp>
               <p:nvSpPr>
                 <p:cNvPr id="54" name="ZoneTexte 53">
@@ -13116,7 +13105,7 @@
               </p:txBody>
             </p:sp>
           </mc:Choice>
-          <mc:Fallback>
+          <mc:Fallback xmlns="">
             <p:sp>
               <p:nvSpPr>
                 <p:cNvPr id="54" name="ZoneTexte 53">
@@ -13161,8 +13150,8 @@
             </p:sp>
           </mc:Fallback>
         </mc:AlternateContent>
-        <mc:AlternateContent xmlns:mc="http://schemas.openxmlformats.org/markup-compatibility/2006">
-          <mc:Choice xmlns:a14="http://schemas.microsoft.com/office/drawing/2010/main" Requires="a14">
+        <mc:AlternateContent xmlns:mc="http://schemas.openxmlformats.org/markup-compatibility/2006" xmlns:a14="http://schemas.microsoft.com/office/drawing/2010/main">
+          <mc:Choice Requires="a14">
             <p:sp>
               <p:nvSpPr>
                 <p:cNvPr id="55" name="ZoneTexte 54">
@@ -13251,7 +13240,7 @@
               </p:txBody>
             </p:sp>
           </mc:Choice>
-          <mc:Fallback>
+          <mc:Fallback xmlns="">
             <p:sp>
               <p:nvSpPr>
                 <p:cNvPr id="55" name="ZoneTexte 54">
@@ -13296,8 +13285,8 @@
             </p:sp>
           </mc:Fallback>
         </mc:AlternateContent>
-        <mc:AlternateContent xmlns:mc="http://schemas.openxmlformats.org/markup-compatibility/2006">
-          <mc:Choice xmlns:a14="http://schemas.microsoft.com/office/drawing/2010/main" Requires="a14">
+        <mc:AlternateContent xmlns:mc="http://schemas.openxmlformats.org/markup-compatibility/2006" xmlns:a14="http://schemas.microsoft.com/office/drawing/2010/main">
+          <mc:Choice Requires="a14">
             <p:sp>
               <p:nvSpPr>
                 <p:cNvPr id="56" name="ZoneTexte 55">
@@ -13386,7 +13375,7 @@
               </p:txBody>
             </p:sp>
           </mc:Choice>
-          <mc:Fallback>
+          <mc:Fallback xmlns="">
             <p:sp>
               <p:nvSpPr>
                 <p:cNvPr id="56" name="ZoneTexte 55">
@@ -13431,8 +13420,8 @@
             </p:sp>
           </mc:Fallback>
         </mc:AlternateContent>
-        <mc:AlternateContent xmlns:mc="http://schemas.openxmlformats.org/markup-compatibility/2006">
-          <mc:Choice xmlns:a14="http://schemas.microsoft.com/office/drawing/2010/main" Requires="a14">
+        <mc:AlternateContent xmlns:mc="http://schemas.openxmlformats.org/markup-compatibility/2006" xmlns:a14="http://schemas.microsoft.com/office/drawing/2010/main">
+          <mc:Choice Requires="a14">
             <p:sp>
               <p:nvSpPr>
                 <p:cNvPr id="57" name="ZoneTexte 56">
@@ -13530,7 +13519,7 @@
               </p:txBody>
             </p:sp>
           </mc:Choice>
-          <mc:Fallback>
+          <mc:Fallback xmlns="">
             <p:sp>
               <p:nvSpPr>
                 <p:cNvPr id="57" name="ZoneTexte 56">
@@ -13575,8 +13564,8 @@
             </p:sp>
           </mc:Fallback>
         </mc:AlternateContent>
-        <mc:AlternateContent xmlns:mc="http://schemas.openxmlformats.org/markup-compatibility/2006">
-          <mc:Choice xmlns:a14="http://schemas.microsoft.com/office/drawing/2010/main" Requires="a14">
+        <mc:AlternateContent xmlns:mc="http://schemas.openxmlformats.org/markup-compatibility/2006" xmlns:a14="http://schemas.microsoft.com/office/drawing/2010/main">
+          <mc:Choice Requires="a14">
             <p:sp>
               <p:nvSpPr>
                 <p:cNvPr id="58" name="ZoneTexte 57">
@@ -13674,7 +13663,7 @@
               </p:txBody>
             </p:sp>
           </mc:Choice>
-          <mc:Fallback>
+          <mc:Fallback xmlns="">
             <p:sp>
               <p:nvSpPr>
                 <p:cNvPr id="58" name="ZoneTexte 57">
@@ -13719,8 +13708,8 @@
             </p:sp>
           </mc:Fallback>
         </mc:AlternateContent>
-        <mc:AlternateContent xmlns:mc="http://schemas.openxmlformats.org/markup-compatibility/2006">
-          <mc:Choice xmlns:a14="http://schemas.microsoft.com/office/drawing/2010/main" Requires="a14">
+        <mc:AlternateContent xmlns:mc="http://schemas.openxmlformats.org/markup-compatibility/2006" xmlns:a14="http://schemas.microsoft.com/office/drawing/2010/main">
+          <mc:Choice Requires="a14">
             <p:sp>
               <p:nvSpPr>
                 <p:cNvPr id="59" name="ZoneTexte 58">
@@ -13809,7 +13798,7 @@
               </p:txBody>
             </p:sp>
           </mc:Choice>
-          <mc:Fallback>
+          <mc:Fallback xmlns="">
             <p:sp>
               <p:nvSpPr>
                 <p:cNvPr id="59" name="ZoneTexte 58">
@@ -13855,8 +13844,8 @@
           </mc:Fallback>
         </mc:AlternateContent>
       </p:grpSp>
-      <mc:AlternateContent xmlns:mc="http://schemas.openxmlformats.org/markup-compatibility/2006">
-        <mc:Choice xmlns:a14="http://schemas.microsoft.com/office/drawing/2010/main" Requires="a14">
+      <mc:AlternateContent xmlns:mc="http://schemas.openxmlformats.org/markup-compatibility/2006" xmlns:a14="http://schemas.microsoft.com/office/drawing/2010/main">
+        <mc:Choice Requires="a14">
           <p:sp>
             <p:nvSpPr>
               <p:cNvPr id="91" name="ZoneTexte 90">
@@ -14631,7 +14620,7 @@
             </p:txBody>
           </p:sp>
         </mc:Choice>
-        <mc:Fallback>
+        <mc:Fallback xmlns="">
           <p:sp>
             <p:nvSpPr>
               <p:cNvPr id="91" name="ZoneTexte 90">
@@ -14676,8 +14665,8 @@
           </p:sp>
         </mc:Fallback>
       </mc:AlternateContent>
-      <mc:AlternateContent xmlns:mc="http://schemas.openxmlformats.org/markup-compatibility/2006">
-        <mc:Choice xmlns:a14="http://schemas.microsoft.com/office/drawing/2010/main" Requires="a14">
+      <mc:AlternateContent xmlns:mc="http://schemas.openxmlformats.org/markup-compatibility/2006" xmlns:a14="http://schemas.microsoft.com/office/drawing/2010/main">
+        <mc:Choice Requires="a14">
           <p:sp>
             <p:nvSpPr>
               <p:cNvPr id="92" name="ZoneTexte 91">
@@ -14709,6 +14698,7 @@
                 <a:endParaRPr lang="fr-FR" sz="1400" b="0" dirty="0"/>
               </a:p>
               <a:p>
+                <a:pPr/>
                 <a14:m>
                   <m:oMathPara xmlns:m="http://schemas.openxmlformats.org/officeDocument/2006/math">
                     <m:oMathParaPr>
@@ -15048,6 +15038,7 @@
                 <a:endParaRPr lang="fr-FR" sz="1400" dirty="0"/>
               </a:p>
               <a:p>
+                <a:pPr/>
                 <a14:m>
                   <m:oMathPara xmlns:m="http://schemas.openxmlformats.org/officeDocument/2006/math">
                     <m:oMathParaPr>
@@ -15450,6 +15441,7 @@
                 <a:endParaRPr lang="fr-FR" sz="1400" dirty="0"/>
               </a:p>
               <a:p>
+                <a:pPr/>
                 <a14:m>
                   <m:oMathPara xmlns:m="http://schemas.openxmlformats.org/officeDocument/2006/math">
                     <m:oMathParaPr>
@@ -16957,7 +16949,6 @@
                 </a:endParaRPr>
               </a:p>
               <a:p>
-                <a:pPr/>
                 <a:endParaRPr lang="fr-FR" sz="1400" b="0" i="1" dirty="0">
                   <a:latin typeface="Cambria Math" panose="02040503050406030204" pitchFamily="18" charset="0"/>
                 </a:endParaRPr>
@@ -17155,23 +17146,28 @@
                             </a:rPr>
                             <m:t>𝑠𝑖𝑧𝑒</m:t>
                           </m:r>
+                          <m:d>
+                            <m:dPr>
+                              <m:ctrlPr>
+                                <a:rPr lang="fr-FR" sz="1400" b="0" i="1" smtClean="0">
+                                  <a:latin typeface="Cambria Math" panose="02040503050406030204" pitchFamily="18" charset="0"/>
+                                </a:rPr>
+                              </m:ctrlPr>
+                            </m:dPr>
+                            <m:e>
+                              <m:r>
+                                <a:rPr lang="fr-FR" sz="1400" b="0" i="1" smtClean="0">
+                                  <a:latin typeface="Cambria Math" panose="02040503050406030204" pitchFamily="18" charset="0"/>
+                                </a:rPr>
+                                <m:t>𝑖</m:t>
+                              </m:r>
+                            </m:e>
+                          </m:d>
                           <m:r>
                             <a:rPr lang="fr-FR" sz="1400" b="0" i="1" smtClean="0">
                               <a:latin typeface="Cambria Math" panose="02040503050406030204" pitchFamily="18" charset="0"/>
                             </a:rPr>
-                            <m:t>(</m:t>
-                          </m:r>
-                          <m:r>
-                            <a:rPr lang="fr-FR" sz="1400" b="0" i="1" smtClean="0">
-                              <a:latin typeface="Cambria Math" panose="02040503050406030204" pitchFamily="18" charset="0"/>
-                            </a:rPr>
-                            <m:t>𝑖</m:t>
-                          </m:r>
-                          <m:r>
-                            <a:rPr lang="fr-FR" sz="1400" b="0" i="1" smtClean="0">
-                              <a:latin typeface="Cambria Math" panose="02040503050406030204" pitchFamily="18" charset="0"/>
-                            </a:rPr>
-                            <m:t>)</m:t>
+                            <m:t>−1</m:t>
                           </m:r>
                         </m:sup>
                         <m:e>
@@ -17983,23 +17979,28 @@
                             </a:rPr>
                             <m:t>𝑠𝑖𝑧𝑒</m:t>
                           </m:r>
+                          <m:d>
+                            <m:dPr>
+                              <m:ctrlPr>
+                                <a:rPr lang="fr-FR" sz="1400" b="0" i="1" smtClean="0">
+                                  <a:latin typeface="Cambria Math" panose="02040503050406030204" pitchFamily="18" charset="0"/>
+                                </a:rPr>
+                              </m:ctrlPr>
+                            </m:dPr>
+                            <m:e>
+                              <m:r>
+                                <a:rPr lang="fr-FR" sz="1400" b="0" i="1" smtClean="0">
+                                  <a:latin typeface="Cambria Math" panose="02040503050406030204" pitchFamily="18" charset="0"/>
+                                </a:rPr>
+                                <m:t>𝑖</m:t>
+                              </m:r>
+                            </m:e>
+                          </m:d>
                           <m:r>
                             <a:rPr lang="fr-FR" sz="1400" b="0" i="1" smtClean="0">
                               <a:latin typeface="Cambria Math" panose="02040503050406030204" pitchFamily="18" charset="0"/>
                             </a:rPr>
-                            <m:t>(</m:t>
-                          </m:r>
-                          <m:r>
-                            <a:rPr lang="fr-FR" sz="1400" b="0" i="1" smtClean="0">
-                              <a:latin typeface="Cambria Math" panose="02040503050406030204" pitchFamily="18" charset="0"/>
-                            </a:rPr>
-                            <m:t>𝑖</m:t>
-                          </m:r>
-                          <m:r>
-                            <a:rPr lang="fr-FR" sz="1400" b="0" i="1" smtClean="0">
-                              <a:latin typeface="Cambria Math" panose="02040503050406030204" pitchFamily="18" charset="0"/>
-                            </a:rPr>
-                            <m:t>)</m:t>
+                            <m:t>−1</m:t>
                           </m:r>
                         </m:sup>
                         <m:e>
@@ -18254,7 +18255,6 @@
                 <a:endParaRPr lang="fr-FR" sz="1400" dirty="0"/>
               </a:p>
               <a:p>
-                <a:pPr/>
                 <a:endParaRPr lang="fr-FR" b="0" i="1" dirty="0">
                   <a:latin typeface="Cambria Math" panose="02040503050406030204" pitchFamily="18" charset="0"/>
                 </a:endParaRPr>
@@ -18284,7 +18284,7 @@
             </p:txBody>
           </p:sp>
         </mc:Choice>
-        <mc:Fallback>
+        <mc:Fallback xmlns="">
           <p:sp>
             <p:nvSpPr>
               <p:cNvPr id="92" name="ZoneTexte 91">
@@ -18420,7 +18420,7 @@
             <p:spPr>
               <a:xfrm>
                 <a:off x="4789170" y="3405363"/>
-                <a:ext cx="2961003" cy="641651"/>
+                <a:ext cx="3116622" cy="1345176"/>
               </a:xfrm>
               <a:prstGeom prst="rect">
                 <a:avLst/>
@@ -18433,6 +18433,7 @@
               </a:bodyPr>
               <a:lstStyle/>
               <a:p>
+                <a:pPr/>
                 <a14:m>
                   <m:oMathPara xmlns:m="http://schemas.openxmlformats.org/officeDocument/2006/math">
                     <m:oMathParaPr>
@@ -18538,87 +18539,271 @@
                         <a:rPr lang="fr-FR" b="0" i="1" smtClean="0">
                           <a:latin typeface="Cambria Math" panose="02040503050406030204" pitchFamily="18" charset="0"/>
                         </a:rPr>
-                        <m:t>=−2 ∗(</m:t>
+                        <m:t>=−2 ∗</m:t>
                       </m:r>
-                      <m:sSub>
-                        <m:sSubPr>
+                      <m:d>
+                        <m:dPr>
                           <m:ctrlPr>
                             <a:rPr lang="fr-FR" b="0" i="1" smtClean="0">
                               <a:latin typeface="Cambria Math" panose="02040503050406030204" pitchFamily="18" charset="0"/>
                             </a:rPr>
                           </m:ctrlPr>
-                        </m:sSubPr>
+                        </m:dPr>
                         <m:e>
+                          <m:sSub>
+                            <m:sSubPr>
+                              <m:ctrlPr>
+                                <a:rPr lang="fr-FR" b="0" i="1" smtClean="0">
+                                  <a:latin typeface="Cambria Math" panose="02040503050406030204" pitchFamily="18" charset="0"/>
+                                </a:rPr>
+                              </m:ctrlPr>
+                            </m:sSubPr>
+                            <m:e>
+                              <m:r>
+                                <a:rPr lang="fr-FR" b="0" i="1" smtClean="0">
+                                  <a:latin typeface="Cambria Math" panose="02040503050406030204" pitchFamily="18" charset="0"/>
+                                </a:rPr>
+                                <m:t>𝑦</m:t>
+                              </m:r>
+                            </m:e>
+                            <m:sub>
+                              <m:r>
+                                <a:rPr lang="fr-FR" b="0" i="1" smtClean="0">
+                                  <a:latin typeface="Cambria Math" panose="02040503050406030204" pitchFamily="18" charset="0"/>
+                                </a:rPr>
+                                <m:t>𝑗</m:t>
+                              </m:r>
+                            </m:sub>
+                          </m:sSub>
                           <m:r>
                             <a:rPr lang="fr-FR" b="0" i="1" smtClean="0">
                               <a:latin typeface="Cambria Math" panose="02040503050406030204" pitchFamily="18" charset="0"/>
                             </a:rPr>
-                            <m:t>𝑦</m:t>
-                          </m:r>
+                            <m:t>−</m:t>
+                          </m:r>
+                          <m:sSubSup>
+                            <m:sSubSupPr>
+                              <m:ctrlPr>
+                                <a:rPr lang="fr-FR" b="0" i="1" smtClean="0">
+                                  <a:latin typeface="Cambria Math" panose="02040503050406030204" pitchFamily="18" charset="0"/>
+                                </a:rPr>
+                              </m:ctrlPr>
+                            </m:sSubSupPr>
+                            <m:e>
+                              <m:r>
+                                <a:rPr lang="fr-FR" b="0" i="1" smtClean="0">
+                                  <a:latin typeface="Cambria Math" panose="02040503050406030204" pitchFamily="18" charset="0"/>
+                                </a:rPr>
+                                <m:t>𝑎</m:t>
+                              </m:r>
+                            </m:e>
+                            <m:sub>
+                              <m:r>
+                                <a:rPr lang="fr-FR" b="0" i="1" smtClean="0">
+                                  <a:latin typeface="Cambria Math" panose="02040503050406030204" pitchFamily="18" charset="0"/>
+                                </a:rPr>
+                                <m:t>𝑗</m:t>
+                              </m:r>
+                            </m:sub>
+                            <m:sup>
+                              <m:r>
+                                <a:rPr lang="fr-FR" b="0" i="1" smtClean="0">
+                                  <a:latin typeface="Cambria Math" panose="02040503050406030204" pitchFamily="18" charset="0"/>
+                                </a:rPr>
+                                <m:t>𝑁</m:t>
+                              </m:r>
+                              <m:r>
+                                <a:rPr lang="fr-FR" b="0" i="1" smtClean="0">
+                                  <a:latin typeface="Cambria Math" panose="02040503050406030204" pitchFamily="18" charset="0"/>
+                                </a:rPr>
+                                <m:t>−1</m:t>
+                              </m:r>
+                            </m:sup>
+                          </m:sSubSup>
                         </m:e>
-                        <m:sub>
-                          <m:r>
-                            <a:rPr lang="fr-FR" b="0" i="1" smtClean="0">
-                              <a:latin typeface="Cambria Math" panose="02040503050406030204" pitchFamily="18" charset="0"/>
-                            </a:rPr>
-                            <m:t>𝑗</m:t>
-                          </m:r>
-                        </m:sub>
-                      </m:sSub>
-                      <m:r>
-                        <a:rPr lang="fr-FR" b="0" i="1" smtClean="0">
-                          <a:latin typeface="Cambria Math" panose="02040503050406030204" pitchFamily="18" charset="0"/>
-                        </a:rPr>
-                        <m:t>−</m:t>
-                      </m:r>
-                      <m:sSubSup>
-                        <m:sSubSupPr>
-                          <m:ctrlPr>
-                            <a:rPr lang="fr-FR" b="0" i="1" smtClean="0">
-                              <a:latin typeface="Cambria Math" panose="02040503050406030204" pitchFamily="18" charset="0"/>
-                            </a:rPr>
-                          </m:ctrlPr>
-                        </m:sSubSupPr>
-                        <m:e>
-                          <m:r>
-                            <a:rPr lang="fr-FR" b="0" i="1" smtClean="0">
-                              <a:latin typeface="Cambria Math" panose="02040503050406030204" pitchFamily="18" charset="0"/>
-                            </a:rPr>
-                            <m:t>𝑎</m:t>
-                          </m:r>
-                        </m:e>
-                        <m:sub>
-                          <m:r>
-                            <a:rPr lang="fr-FR" b="0" i="1" smtClean="0">
-                              <a:latin typeface="Cambria Math" panose="02040503050406030204" pitchFamily="18" charset="0"/>
-                            </a:rPr>
-                            <m:t>𝑗</m:t>
-                          </m:r>
-                        </m:sub>
-                        <m:sup>
-                          <m:r>
-                            <a:rPr lang="fr-FR" b="0" i="1" smtClean="0">
-                              <a:latin typeface="Cambria Math" panose="02040503050406030204" pitchFamily="18" charset="0"/>
-                            </a:rPr>
-                            <m:t>𝑁</m:t>
-                          </m:r>
-                          <m:r>
-                            <a:rPr lang="fr-FR" b="0" i="1" smtClean="0">
-                              <a:latin typeface="Cambria Math" panose="02040503050406030204" pitchFamily="18" charset="0"/>
-                            </a:rPr>
-                            <m:t>−1</m:t>
-                          </m:r>
-                        </m:sup>
-                      </m:sSubSup>
-                      <m:r>
-                        <a:rPr lang="fr-FR" b="0" i="1" smtClean="0">
-                          <a:latin typeface="Cambria Math" panose="02040503050406030204" pitchFamily="18" charset="0"/>
-                        </a:rPr>
-                        <m:t>)</m:t>
-                      </m:r>
+                      </m:d>
                     </m:oMath>
                   </m:oMathPara>
                 </a14:m>
+                <a:endParaRPr lang="fr-FR" b="0" dirty="0"/>
+              </a:p>
+              <a:p>
+                <a:pPr/>
+                <a14:m>
+                  <m:oMath xmlns:m="http://schemas.openxmlformats.org/officeDocument/2006/math">
+                    <m:f>
+                      <m:fPr>
+                        <m:ctrlPr>
+                          <a:rPr lang="fr-FR" i="1" smtClean="0">
+                            <a:latin typeface="Cambria Math" panose="02040503050406030204" pitchFamily="18" charset="0"/>
+                          </a:rPr>
+                        </m:ctrlPr>
+                      </m:fPr>
+                      <m:num>
+                        <m:r>
+                          <a:rPr lang="fr-FR" i="1" smtClean="0">
+                            <a:latin typeface="Cambria Math" panose="02040503050406030204" pitchFamily="18" charset="0"/>
+                          </a:rPr>
+                          <m:t>𝜕</m:t>
+                        </m:r>
+                        <m:sSub>
+                          <m:sSubPr>
+                            <m:ctrlPr>
+                              <a:rPr lang="fr-FR" i="1" smtClean="0">
+                                <a:latin typeface="Cambria Math" panose="02040503050406030204" pitchFamily="18" charset="0"/>
+                              </a:rPr>
+                            </m:ctrlPr>
+                          </m:sSubPr>
+                          <m:e>
+                            <m:r>
+                              <a:rPr lang="fr-FR" b="0" i="1" smtClean="0">
+                                <a:latin typeface="Cambria Math" panose="02040503050406030204" pitchFamily="18" charset="0"/>
+                              </a:rPr>
+                              <m:t>𝐶</m:t>
+                            </m:r>
+                          </m:e>
+                          <m:sub>
+                            <m:r>
+                              <a:rPr lang="fr-FR" b="0" i="1" smtClean="0">
+                                <a:latin typeface="Cambria Math" panose="02040503050406030204" pitchFamily="18" charset="0"/>
+                              </a:rPr>
+                              <m:t>/</m:t>
+                            </m:r>
+                            <m:r>
+                              <a:rPr lang="fr-FR" b="0" i="1" smtClean="0">
+                                <a:latin typeface="Cambria Math" panose="02040503050406030204" pitchFamily="18" charset="0"/>
+                              </a:rPr>
+                              <m:t>𝑖𝑚𝑎𝑔𝑒</m:t>
+                            </m:r>
+                          </m:sub>
+                        </m:sSub>
+                      </m:num>
+                      <m:den>
+                        <m:r>
+                          <a:rPr lang="fr-FR" i="1" smtClean="0">
+                            <a:latin typeface="Cambria Math" panose="02040503050406030204" pitchFamily="18" charset="0"/>
+                          </a:rPr>
+                          <m:t>𝜕</m:t>
+                        </m:r>
+                        <m:sSup>
+                          <m:sSupPr>
+                            <m:ctrlPr>
+                              <a:rPr lang="fr-FR" i="1" smtClean="0">
+                                <a:latin typeface="Cambria Math" panose="02040503050406030204" pitchFamily="18" charset="0"/>
+                              </a:rPr>
+                            </m:ctrlPr>
+                          </m:sSupPr>
+                          <m:e>
+                            <m:r>
+                              <a:rPr lang="fr-FR" b="0" i="1" smtClean="0">
+                                <a:latin typeface="Cambria Math" panose="02040503050406030204" pitchFamily="18" charset="0"/>
+                              </a:rPr>
+                              <m:t>𝐴</m:t>
+                            </m:r>
+                          </m:e>
+                          <m:sup>
+                            <m:r>
+                              <a:rPr lang="fr-FR" b="0" i="1" smtClean="0">
+                                <a:latin typeface="Cambria Math" panose="02040503050406030204" pitchFamily="18" charset="0"/>
+                              </a:rPr>
+                              <m:t>𝑁</m:t>
+                            </m:r>
+                            <m:r>
+                              <a:rPr lang="fr-FR" b="0" i="1" smtClean="0">
+                                <a:latin typeface="Cambria Math" panose="02040503050406030204" pitchFamily="18" charset="0"/>
+                              </a:rPr>
+                              <m:t>−1</m:t>
+                            </m:r>
+                          </m:sup>
+                        </m:sSup>
+                      </m:den>
+                    </m:f>
+                    <m:r>
+                      <a:rPr lang="fr-FR" b="0" i="1" smtClean="0">
+                        <a:latin typeface="Cambria Math" panose="02040503050406030204" pitchFamily="18" charset="0"/>
+                      </a:rPr>
+                      <m:t>=−2 ∗</m:t>
+                    </m:r>
+                    <m:d>
+                      <m:dPr>
+                        <m:ctrlPr>
+                          <a:rPr lang="fr-FR" b="0" i="1" smtClean="0">
+                            <a:latin typeface="Cambria Math" panose="02040503050406030204" pitchFamily="18" charset="0"/>
+                          </a:rPr>
+                        </m:ctrlPr>
+                      </m:dPr>
+                      <m:e>
+                        <m:r>
+                          <a:rPr lang="fr-FR" b="0" i="1" smtClean="0">
+                            <a:latin typeface="Cambria Math" panose="02040503050406030204" pitchFamily="18" charset="0"/>
+                          </a:rPr>
+                          <m:t>𝑦</m:t>
+                        </m:r>
+                        <m:r>
+                          <a:rPr lang="fr-FR" b="0" i="1" smtClean="0">
+                            <a:latin typeface="Cambria Math" panose="02040503050406030204" pitchFamily="18" charset="0"/>
+                          </a:rPr>
+                          <m:t>−</m:t>
+                        </m:r>
+                        <m:sSup>
+                          <m:sSupPr>
+                            <m:ctrlPr>
+                              <a:rPr lang="fr-FR" b="0" i="1" smtClean="0">
+                                <a:latin typeface="Cambria Math" panose="02040503050406030204" pitchFamily="18" charset="0"/>
+                              </a:rPr>
+                            </m:ctrlPr>
+                          </m:sSupPr>
+                          <m:e>
+                            <m:r>
+                              <a:rPr lang="fr-FR" b="0" i="1" smtClean="0">
+                                <a:latin typeface="Cambria Math" panose="02040503050406030204" pitchFamily="18" charset="0"/>
+                              </a:rPr>
+                              <m:t>𝐴</m:t>
+                            </m:r>
+                          </m:e>
+                          <m:sup>
+                            <m:r>
+                              <a:rPr lang="fr-FR" b="0" i="1" smtClean="0">
+                                <a:latin typeface="Cambria Math" panose="02040503050406030204" pitchFamily="18" charset="0"/>
+                              </a:rPr>
+                              <m:t>𝑁</m:t>
+                            </m:r>
+                            <m:r>
+                              <a:rPr lang="fr-FR" b="0" i="1" smtClean="0">
+                                <a:latin typeface="Cambria Math" panose="02040503050406030204" pitchFamily="18" charset="0"/>
+                              </a:rPr>
+                              <m:t>−1</m:t>
+                            </m:r>
+                          </m:sup>
+                        </m:sSup>
+                      </m:e>
+                    </m:d>
+                    <m:r>
+                      <a:rPr lang="fr-FR" b="0" i="1" smtClean="0">
+                        <a:latin typeface="Cambria Math" panose="02040503050406030204" pitchFamily="18" charset="0"/>
+                      </a:rPr>
+                      <m:t> (</m:t>
+                    </m:r>
+                    <m:r>
+                      <a:rPr lang="fr-FR" b="0" i="1" smtClean="0">
+                        <a:latin typeface="Cambria Math" panose="02040503050406030204" pitchFamily="18" charset="0"/>
+                      </a:rPr>
+                      <m:t>𝑙</m:t>
+                    </m:r>
+                    <m:r>
+                      <a:rPr lang="fr-FR" b="0" i="1" smtClean="0">
+                        <a:latin typeface="Cambria Math" panose="02040503050406030204" pitchFamily="18" charset="0"/>
+                      </a:rPr>
+                      <m:t>)</m:t>
+                    </m:r>
+                  </m:oMath>
+                </a14:m>
+                <a:r>
+                  <a:rPr lang="fr-FR" dirty="0"/>
+                  <a:t> </a:t>
+                </a:r>
+              </a:p>
+              <a:p>
                 <a:endParaRPr lang="fr-FR" dirty="0"/>
               </a:p>
             </p:txBody>
@@ -18642,7 +18827,7 @@
             <p:spPr>
               <a:xfrm>
                 <a:off x="4789170" y="3405363"/>
-                <a:ext cx="2961003" cy="641651"/>
+                <a:ext cx="3116622" cy="1345176"/>
               </a:xfrm>
               <a:prstGeom prst="rect">
                 <a:avLst/>
@@ -18650,7 +18835,7 @@
               <a:blipFill>
                 <a:blip r:embed="rId2"/>
                 <a:stretch>
-                  <a:fillRect/>
+                  <a:fillRect l="-196"/>
                 </a:stretch>
               </a:blipFill>
             </p:spPr>
@@ -18699,8 +18884,8 @@
           <a:chExt cx="0" cy="0"/>
         </a:xfrm>
       </p:grpSpPr>
-      <mc:AlternateContent xmlns:mc="http://schemas.openxmlformats.org/markup-compatibility/2006">
-        <mc:Choice xmlns:a14="http://schemas.microsoft.com/office/drawing/2010/main" Requires="a14">
+      <mc:AlternateContent xmlns:mc="http://schemas.openxmlformats.org/markup-compatibility/2006" xmlns:a14="http://schemas.microsoft.com/office/drawing/2010/main">
+        <mc:Choice Requires="a14">
           <p:sp>
             <p:nvSpPr>
               <p:cNvPr id="5" name="ZoneTexte 4">
@@ -18716,7 +18901,7 @@
             <p:spPr>
               <a:xfrm>
                 <a:off x="-304800" y="961905"/>
-                <a:ext cx="6096000" cy="2368854"/>
+                <a:ext cx="6096000" cy="2645853"/>
               </a:xfrm>
               <a:prstGeom prst="rect">
                 <a:avLst/>
@@ -19519,23 +19704,28 @@
                             </a:rPr>
                             <m:t>𝑠𝑖𝑧𝑒</m:t>
                           </m:r>
+                          <m:d>
+                            <m:dPr>
+                              <m:ctrlPr>
+                                <a:rPr lang="fr-FR" sz="1800" b="0" i="1" smtClean="0">
+                                  <a:latin typeface="Cambria Math" panose="02040503050406030204" pitchFamily="18" charset="0"/>
+                                </a:rPr>
+                              </m:ctrlPr>
+                            </m:dPr>
+                            <m:e>
+                              <m:r>
+                                <a:rPr lang="fr-FR" sz="1800" b="0" i="1" smtClean="0">
+                                  <a:latin typeface="Cambria Math" panose="02040503050406030204" pitchFamily="18" charset="0"/>
+                                </a:rPr>
+                                <m:t>𝑖</m:t>
+                              </m:r>
+                            </m:e>
+                          </m:d>
                           <m:r>
                             <a:rPr lang="fr-FR" sz="1800" b="0" i="1" smtClean="0">
                               <a:latin typeface="Cambria Math" panose="02040503050406030204" pitchFamily="18" charset="0"/>
                             </a:rPr>
-                            <m:t>(</m:t>
-                          </m:r>
-                          <m:r>
-                            <a:rPr lang="fr-FR" sz="1800" b="0" i="1" smtClean="0">
-                              <a:latin typeface="Cambria Math" panose="02040503050406030204" pitchFamily="18" charset="0"/>
-                            </a:rPr>
-                            <m:t>𝑖</m:t>
-                          </m:r>
-                          <m:r>
-                            <a:rPr lang="fr-FR" sz="1800" b="0" i="1" smtClean="0">
-                              <a:latin typeface="Cambria Math" panose="02040503050406030204" pitchFamily="18" charset="0"/>
-                            </a:rPr>
-                            <m:t>)</m:t>
+                            <m:t>−1</m:t>
                           </m:r>
                         </m:sup>
                         <m:e>
@@ -19789,10 +19979,13 @@
                 </a14:m>
                 <a:endParaRPr lang="fr-FR" dirty="0"/>
               </a:p>
+              <a:p>
+                <a:endParaRPr lang="fr-FR" dirty="0"/>
+              </a:p>
             </p:txBody>
           </p:sp>
         </mc:Choice>
-        <mc:Fallback>
+        <mc:Fallback xmlns="">
           <p:sp>
             <p:nvSpPr>
               <p:cNvPr id="5" name="ZoneTexte 4">
@@ -19810,7 +20003,7 @@
             <p:spPr>
               <a:xfrm>
                 <a:off x="-304800" y="961905"/>
-                <a:ext cx="6096000" cy="2368854"/>
+                <a:ext cx="6096000" cy="2645853"/>
               </a:xfrm>
               <a:prstGeom prst="rect">
                 <a:avLst/>
@@ -19853,8 +20046,8 @@
             </p:nvSpPr>
             <p:spPr>
               <a:xfrm>
-                <a:off x="5038090" y="1125322"/>
-                <a:ext cx="6765289" cy="394916"/>
+                <a:off x="4997450" y="73762"/>
+                <a:ext cx="6765289" cy="4889608"/>
               </a:xfrm>
               <a:prstGeom prst="rect">
                 <a:avLst/>
@@ -19867,391 +20060,2502 @@
               </a:bodyPr>
               <a:lstStyle/>
               <a:p>
+                <a:endParaRPr lang="fr-FR" sz="1000" dirty="0"/>
+              </a:p>
+              <a:p>
+                <a:endParaRPr lang="x-IV_mathan" i="1" dirty="0">
+                  <a:solidFill>
+                    <a:srgbClr val="44546A"/>
+                  </a:solidFill>
+                  <a:effectLst/>
+                  <a:latin typeface="Cambria Math" panose="02040503050406030204" pitchFamily="18" charset="0"/>
+                  <a:ea typeface="Cambria Math" panose="02040503050406030204" pitchFamily="18" charset="0"/>
+                </a:endParaRPr>
+              </a:p>
+              <a:p>
+                <a14:m>
+                  <m:oMath xmlns:m="http://schemas.openxmlformats.org/officeDocument/2006/math">
+                    <m:borderBox>
+                      <m:borderBoxPr>
+                        <m:ctrlPr>
+                          <a:rPr lang="fr-FR" sz="1800" i="1" smtClean="0">
+                            <a:solidFill>
+                              <a:srgbClr val="44546A"/>
+                            </a:solidFill>
+                            <a:effectLst/>
+                            <a:latin typeface="Cambria Math" panose="02040503050406030204" pitchFamily="18" charset="0"/>
+                          </a:rPr>
+                        </m:ctrlPr>
+                      </m:borderBoxPr>
+                      <m:e>
+                        <m:f>
+                          <m:fPr>
+                            <m:ctrlPr>
+                              <a:rPr lang="fr-FR" sz="1800" i="1">
+                                <a:solidFill>
+                                  <a:srgbClr val="44546A"/>
+                                </a:solidFill>
+                                <a:effectLst/>
+                                <a:latin typeface="Cambria Math" panose="02040503050406030204" pitchFamily="18" charset="0"/>
+                              </a:rPr>
+                            </m:ctrlPr>
+                          </m:fPr>
+                          <m:num>
+                            <m:r>
+                              <a:rPr lang="fr-FR" sz="1800">
+                                <a:solidFill>
+                                  <a:srgbClr val="44546A"/>
+                                </a:solidFill>
+                                <a:effectLst/>
+                                <a:latin typeface="Cambria Math" panose="02040503050406030204" pitchFamily="18" charset="0"/>
+                              </a:rPr>
+                              <m:t>𝜕</m:t>
+                            </m:r>
+                            <m:sSub>
+                              <m:sSubPr>
+                                <m:ctrlPr>
+                                  <a:rPr lang="fr-FR" sz="1800" i="1">
+                                    <a:solidFill>
+                                      <a:srgbClr val="44546A"/>
+                                    </a:solidFill>
+                                    <a:effectLst/>
+                                    <a:latin typeface="Cambria Math" panose="02040503050406030204" pitchFamily="18" charset="0"/>
+                                  </a:rPr>
+                                </m:ctrlPr>
+                              </m:sSubPr>
+                              <m:e>
+                                <m:r>
+                                  <a:rPr lang="fr-FR" sz="1800">
+                                    <a:solidFill>
+                                      <a:srgbClr val="44546A"/>
+                                    </a:solidFill>
+                                    <a:effectLst/>
+                                    <a:latin typeface="Cambria Math" panose="02040503050406030204" pitchFamily="18" charset="0"/>
+                                  </a:rPr>
+                                  <m:t>𝐶</m:t>
+                                </m:r>
+                              </m:e>
+                              <m:sub>
+                                <m:r>
+                                  <a:rPr lang="fr-FR" sz="1800">
+                                    <a:solidFill>
+                                      <a:srgbClr val="44546A"/>
+                                    </a:solidFill>
+                                    <a:effectLst/>
+                                    <a:latin typeface="Cambria Math" panose="02040503050406030204" pitchFamily="18" charset="0"/>
+                                  </a:rPr>
+                                  <m:t>/</m:t>
+                                </m:r>
+                                <m:r>
+                                  <a:rPr lang="fr-FR" sz="1800">
+                                    <a:solidFill>
+                                      <a:srgbClr val="44546A"/>
+                                    </a:solidFill>
+                                    <a:effectLst/>
+                                    <a:latin typeface="Cambria Math" panose="02040503050406030204" pitchFamily="18" charset="0"/>
+                                  </a:rPr>
+                                  <m:t>𝑖𝑚𝑎𝑔𝑒</m:t>
+                                </m:r>
+                              </m:sub>
+                            </m:sSub>
+                          </m:num>
+                          <m:den>
+                            <m:r>
+                              <a:rPr lang="fr-FR" sz="1800">
+                                <a:solidFill>
+                                  <a:srgbClr val="44546A"/>
+                                </a:solidFill>
+                                <a:effectLst/>
+                                <a:latin typeface="Cambria Math" panose="02040503050406030204" pitchFamily="18" charset="0"/>
+                              </a:rPr>
+                              <m:t>𝜕</m:t>
+                            </m:r>
+                            <m:sSup>
+                              <m:sSupPr>
+                                <m:ctrlPr>
+                                  <a:rPr lang="fr-FR" sz="1800" i="1" smtClean="0">
+                                    <a:solidFill>
+                                      <a:srgbClr val="44546A"/>
+                                    </a:solidFill>
+                                    <a:effectLst/>
+                                    <a:latin typeface="Cambria Math" panose="02040503050406030204" pitchFamily="18" charset="0"/>
+                                  </a:rPr>
+                                </m:ctrlPr>
+                              </m:sSupPr>
+                              <m:e>
+                                <m:r>
+                                  <a:rPr lang="fr-FR" sz="1800" b="0" i="1" smtClean="0">
+                                    <a:solidFill>
+                                      <a:srgbClr val="44546A"/>
+                                    </a:solidFill>
+                                    <a:effectLst/>
+                                    <a:latin typeface="Cambria Math" panose="02040503050406030204" pitchFamily="18" charset="0"/>
+                                  </a:rPr>
+                                  <m:t>𝐵</m:t>
+                                </m:r>
+                              </m:e>
+                              <m:sup>
+                                <m:r>
+                                  <a:rPr lang="fr-FR" sz="1800" b="0" i="1" smtClean="0">
+                                    <a:solidFill>
+                                      <a:srgbClr val="44546A"/>
+                                    </a:solidFill>
+                                    <a:effectLst/>
+                                    <a:latin typeface="Cambria Math" panose="02040503050406030204" pitchFamily="18" charset="0"/>
+                                  </a:rPr>
+                                  <m:t>𝑖</m:t>
+                                </m:r>
+                              </m:sup>
+                            </m:sSup>
+                          </m:den>
+                        </m:f>
+                        <m:r>
+                          <a:rPr lang="fr-FR" sz="1800">
+                            <a:solidFill>
+                              <a:srgbClr val="44546A"/>
+                            </a:solidFill>
+                            <a:effectLst/>
+                            <a:latin typeface="Cambria Math" panose="02040503050406030204" pitchFamily="18" charset="0"/>
+                          </a:rPr>
+                          <m:t>=−</m:t>
+                        </m:r>
+                        <m:f>
+                          <m:fPr>
+                            <m:ctrlPr>
+                              <a:rPr lang="fr-FR" sz="1800" i="1">
+                                <a:solidFill>
+                                  <a:srgbClr val="44546A"/>
+                                </a:solidFill>
+                                <a:effectLst/>
+                                <a:latin typeface="Cambria Math" panose="02040503050406030204" pitchFamily="18" charset="0"/>
+                              </a:rPr>
+                            </m:ctrlPr>
+                          </m:fPr>
+                          <m:num>
+                            <m:r>
+                              <a:rPr lang="fr-FR" sz="1800">
+                                <a:solidFill>
+                                  <a:srgbClr val="44546A"/>
+                                </a:solidFill>
+                                <a:effectLst/>
+                                <a:latin typeface="Cambria Math" panose="02040503050406030204" pitchFamily="18" charset="0"/>
+                              </a:rPr>
+                              <m:t>𝜕</m:t>
+                            </m:r>
+                            <m:sSub>
+                              <m:sSubPr>
+                                <m:ctrlPr>
+                                  <a:rPr lang="fr-FR" sz="1800" i="1">
+                                    <a:solidFill>
+                                      <a:srgbClr val="44546A"/>
+                                    </a:solidFill>
+                                    <a:effectLst/>
+                                    <a:latin typeface="Cambria Math" panose="02040503050406030204" pitchFamily="18" charset="0"/>
+                                  </a:rPr>
+                                </m:ctrlPr>
+                              </m:sSubPr>
+                              <m:e>
+                                <m:r>
+                                  <a:rPr lang="fr-FR" sz="1800">
+                                    <a:solidFill>
+                                      <a:srgbClr val="44546A"/>
+                                    </a:solidFill>
+                                    <a:effectLst/>
+                                    <a:latin typeface="Cambria Math" panose="02040503050406030204" pitchFamily="18" charset="0"/>
+                                  </a:rPr>
+                                  <m:t>𝐶</m:t>
+                                </m:r>
+                              </m:e>
+                              <m:sub>
+                                <m:r>
+                                  <a:rPr lang="fr-FR" sz="1800">
+                                    <a:solidFill>
+                                      <a:srgbClr val="44546A"/>
+                                    </a:solidFill>
+                                    <a:effectLst/>
+                                    <a:latin typeface="Cambria Math" panose="02040503050406030204" pitchFamily="18" charset="0"/>
+                                  </a:rPr>
+                                  <m:t>/</m:t>
+                                </m:r>
+                                <m:r>
+                                  <m:rPr>
+                                    <m:sty m:val="p"/>
+                                  </m:rPr>
+                                  <a:rPr lang="fr-FR" sz="1800">
+                                    <a:solidFill>
+                                      <a:srgbClr val="44546A"/>
+                                    </a:solidFill>
+                                    <a:effectLst/>
+                                    <a:latin typeface="Cambria Math" panose="02040503050406030204" pitchFamily="18" charset="0"/>
+                                  </a:rPr>
+                                  <m:t>image</m:t>
+                                </m:r>
+                              </m:sub>
+                            </m:sSub>
+                          </m:num>
+                          <m:den>
+                            <m:r>
+                              <a:rPr lang="fr-FR" sz="1800">
+                                <a:solidFill>
+                                  <a:srgbClr val="44546A"/>
+                                </a:solidFill>
+                                <a:effectLst/>
+                                <a:latin typeface="Cambria Math" panose="02040503050406030204" pitchFamily="18" charset="0"/>
+                              </a:rPr>
+                              <m:t>𝜕</m:t>
+                            </m:r>
+                            <m:sSup>
+                              <m:sSupPr>
+                                <m:ctrlPr>
+                                  <a:rPr lang="fr-FR" sz="1800" i="1" smtClean="0">
+                                    <a:solidFill>
+                                      <a:srgbClr val="44546A"/>
+                                    </a:solidFill>
+                                    <a:effectLst/>
+                                    <a:latin typeface="Cambria Math" panose="02040503050406030204" pitchFamily="18" charset="0"/>
+                                  </a:rPr>
+                                </m:ctrlPr>
+                              </m:sSupPr>
+                              <m:e>
+                                <m:r>
+                                  <a:rPr lang="fr-FR" sz="1800" b="0" i="1" smtClean="0">
+                                    <a:solidFill>
+                                      <a:srgbClr val="44546A"/>
+                                    </a:solidFill>
+                                    <a:effectLst/>
+                                    <a:latin typeface="Cambria Math" panose="02040503050406030204" pitchFamily="18" charset="0"/>
+                                  </a:rPr>
+                                  <m:t>𝐴</m:t>
+                                </m:r>
+                              </m:e>
+                              <m:sup>
+                                <m:r>
+                                  <a:rPr lang="fr-FR" sz="1800" b="0" i="1" smtClean="0">
+                                    <a:solidFill>
+                                      <a:srgbClr val="44546A"/>
+                                    </a:solidFill>
+                                    <a:effectLst/>
+                                    <a:latin typeface="Cambria Math" panose="02040503050406030204" pitchFamily="18" charset="0"/>
+                                  </a:rPr>
+                                  <m:t>𝑖</m:t>
+                                </m:r>
+                              </m:sup>
+                            </m:sSup>
+                          </m:den>
+                        </m:f>
+                        <m:r>
+                          <a:rPr lang="fr-FR" sz="1800">
+                            <a:solidFill>
+                              <a:srgbClr val="44546A"/>
+                            </a:solidFill>
+                            <a:effectLst/>
+                            <a:latin typeface="Cambria Math" panose="02040503050406030204" pitchFamily="18" charset="0"/>
+                          </a:rPr>
+                          <m:t>⊙</m:t>
+                        </m:r>
+                        <m:sSubSup>
+                          <m:sSubSupPr>
+                            <m:ctrlPr>
+                              <a:rPr lang="fr-FR" sz="1800" i="1">
+                                <a:solidFill>
+                                  <a:srgbClr val="44546A"/>
+                                </a:solidFill>
+                                <a:effectLst/>
+                                <a:latin typeface="Cambria Math" panose="02040503050406030204" pitchFamily="18" charset="0"/>
+                              </a:rPr>
+                            </m:ctrlPr>
+                          </m:sSubSupPr>
+                          <m:e>
+                            <m:r>
+                              <a:rPr lang="fr-FR" sz="1800">
+                                <a:solidFill>
+                                  <a:srgbClr val="44546A"/>
+                                </a:solidFill>
+                                <a:effectLst/>
+                                <a:latin typeface="Cambria Math" panose="02040503050406030204" pitchFamily="18" charset="0"/>
+                              </a:rPr>
+                              <m:t>𝑓</m:t>
+                            </m:r>
+                          </m:e>
+                          <m:sub>
+                            <m:r>
+                              <a:rPr lang="fr-FR" sz="1800">
+                                <a:solidFill>
+                                  <a:srgbClr val="44546A"/>
+                                </a:solidFill>
+                                <a:effectLst/>
+                                <a:latin typeface="Cambria Math" panose="02040503050406030204" pitchFamily="18" charset="0"/>
+                              </a:rPr>
+                              <m:t>𝑖</m:t>
+                            </m:r>
+                          </m:sub>
+                          <m:sup>
+                            <m:r>
+                              <a:rPr lang="fr-FR" sz="1800">
+                                <a:solidFill>
+                                  <a:srgbClr val="44546A"/>
+                                </a:solidFill>
+                                <a:effectLst/>
+                                <a:latin typeface="Cambria Math" panose="02040503050406030204" pitchFamily="18" charset="0"/>
+                              </a:rPr>
+                              <m:t>′</m:t>
+                            </m:r>
+                          </m:sup>
+                        </m:sSubSup>
+                        <m:r>
+                          <a:rPr lang="fr-FR" sz="1800">
+                            <a:solidFill>
+                              <a:srgbClr val="44546A"/>
+                            </a:solidFill>
+                            <a:effectLst/>
+                            <a:latin typeface="Cambria Math" panose="02040503050406030204" pitchFamily="18" charset="0"/>
+                          </a:rPr>
+                          <m:t>(</m:t>
+                        </m:r>
+                        <m:sSup>
+                          <m:sSupPr>
+                            <m:ctrlPr>
+                              <a:rPr lang="fr-FR" sz="1800" i="1">
+                                <a:solidFill>
+                                  <a:srgbClr val="44546A"/>
+                                </a:solidFill>
+                                <a:effectLst/>
+                                <a:latin typeface="Cambria Math" panose="02040503050406030204" pitchFamily="18" charset="0"/>
+                              </a:rPr>
+                            </m:ctrlPr>
+                          </m:sSupPr>
+                          <m:e>
+                            <m:r>
+                              <a:rPr lang="fr-FR" sz="1800">
+                                <a:solidFill>
+                                  <a:srgbClr val="44546A"/>
+                                </a:solidFill>
+                                <a:effectLst/>
+                                <a:latin typeface="Cambria Math" panose="02040503050406030204" pitchFamily="18" charset="0"/>
+                              </a:rPr>
+                              <m:t>𝑍</m:t>
+                            </m:r>
+                          </m:e>
+                          <m:sup>
+                            <m:r>
+                              <a:rPr lang="fr-FR" sz="1800">
+                                <a:solidFill>
+                                  <a:srgbClr val="44546A"/>
+                                </a:solidFill>
+                                <a:effectLst/>
+                                <a:latin typeface="Cambria Math" panose="02040503050406030204" pitchFamily="18" charset="0"/>
+                              </a:rPr>
+                              <m:t>𝑖</m:t>
+                            </m:r>
+                          </m:sup>
+                        </m:sSup>
+                        <m:r>
+                          <a:rPr lang="fr-FR" sz="1800">
+                            <a:solidFill>
+                              <a:srgbClr val="44546A"/>
+                            </a:solidFill>
+                            <a:effectLst/>
+                            <a:latin typeface="Cambria Math" panose="02040503050406030204" pitchFamily="18" charset="0"/>
+                          </a:rPr>
+                          <m:t>)</m:t>
+                        </m:r>
+                      </m:e>
+                    </m:borderBox>
+                  </m:oMath>
+                </a14:m>
+                <a:r>
+                  <a:rPr lang="fr-FR" sz="1800" dirty="0">
+                    <a:solidFill>
+                      <a:srgbClr val="44546A"/>
+                    </a:solidFill>
+                    <a:effectLst/>
+                    <a:latin typeface="Cambria Math" panose="02040503050406030204" pitchFamily="18" charset="0"/>
+                  </a:rPr>
+                  <a:t> </a:t>
+                </a:r>
+                <a:endParaRPr lang="x-IV_mathan" i="1" dirty="0">
+                  <a:solidFill>
+                    <a:srgbClr val="44546A"/>
+                  </a:solidFill>
+                  <a:effectLst/>
+                  <a:latin typeface="Cambria Math" panose="02040503050406030204" pitchFamily="18" charset="0"/>
+                  <a:ea typeface="Cambria Math" panose="02040503050406030204" pitchFamily="18" charset="0"/>
+                </a:endParaRPr>
+              </a:p>
+              <a:p>
+                <a:pPr/>
                 <a14:m>
                   <m:oMathPara xmlns:m="http://schemas.openxmlformats.org/officeDocument/2006/math">
                     <m:oMathParaPr>
-                      <m:jc m:val="centerGroup"/>
+                      <m:jc m:val="left"/>
                     </m:oMathParaPr>
                     <m:oMath xmlns:m="http://schemas.openxmlformats.org/officeDocument/2006/math">
-                      <m:r>
-                        <a:rPr lang="fr-FR" sz="1000" b="0" i="1" smtClean="0">
-                          <a:latin typeface="Cambria Math" panose="02040503050406030204" pitchFamily="18" charset="0"/>
-                        </a:rPr>
-                        <m:t>𝑝𝑎𝑟𝑡𝑖𝑎</m:t>
-                      </m:r>
-                      <m:sSub>
-                        <m:sSubPr>
+                      <m:borderBox>
+                        <m:borderBoxPr>
                           <m:ctrlPr>
-                            <a:rPr lang="fr-FR" sz="1000" b="0" i="1" smtClean="0">
-                              <a:latin typeface="Cambria Math" panose="02040503050406030204" pitchFamily="18" charset="0"/>
+                            <a:rPr lang="x-IV_mathan" i="1" smtClean="0">
+                              <a:solidFill>
+                                <a:srgbClr val="44546A"/>
+                              </a:solidFill>
+                              <a:effectLst/>
+                              <a:latin typeface="Cambria Math" panose="02040503050406030204" pitchFamily="18" charset="0"/>
+                              <a:ea typeface="Cambria Math" panose="02040503050406030204" pitchFamily="18" charset="0"/>
                             </a:rPr>
                           </m:ctrlPr>
-                        </m:sSubPr>
+                        </m:borderBoxPr>
                         <m:e>
-                          <m:r>
-                            <a:rPr lang="fr-FR" sz="1000" b="0" i="1" smtClean="0">
-                              <a:latin typeface="Cambria Math" panose="02040503050406030204" pitchFamily="18" charset="0"/>
-                            </a:rPr>
-                            <m:t>𝑙</m:t>
-                          </m:r>
-                        </m:e>
-                        <m:sub>
-                          <m:r>
-                            <a:rPr lang="fr-FR" sz="1000" b="0" i="1" smtClean="0">
-                              <a:latin typeface="Cambria Math" panose="02040503050406030204" pitchFamily="18" charset="0"/>
-                            </a:rPr>
-                            <m:t>𝑑𝑒𝑟𝑖𝑣𝑎𝑡𝑖𝑣𝑒𝑠</m:t>
-                          </m:r>
-                          <m:d>
-                            <m:dPr>
-                              <m:begChr m:val="["/>
-                              <m:endChr m:val="]"/>
+                          <m:f>
+                            <m:fPr>
                               <m:ctrlPr>
-                                <a:rPr lang="fr-FR" sz="1000" b="0" i="1" smtClean="0">
-                                  <a:latin typeface="Cambria Math" panose="02040503050406030204" pitchFamily="18" charset="0"/>
+                                <a:rPr lang="x-IV_mathan" i="1">
+                                  <a:solidFill>
+                                    <a:srgbClr val="44546A"/>
+                                  </a:solidFill>
+                                  <a:effectLst/>
+                                  <a:latin typeface="Cambria Math" panose="02040503050406030204" pitchFamily="18" charset="0"/>
+                                  <a:ea typeface="Cambria Math" panose="02040503050406030204" pitchFamily="18" charset="0"/>
                                 </a:rPr>
                               </m:ctrlPr>
-                            </m:dPr>
-                            <m:e>
-                              <m:r>
-                                <a:rPr lang="fr-FR" sz="1000" b="0" i="1" smtClean="0">
-                                  <a:latin typeface="Cambria Math" panose="02040503050406030204" pitchFamily="18" charset="0"/>
-                                </a:rPr>
-                                <m:t>𝑖</m:t>
-                              </m:r>
-                            </m:e>
-                          </m:d>
-                          <m:d>
-                            <m:dPr>
-                              <m:begChr m:val="["/>
-                              <m:endChr m:val="]"/>
-                              <m:ctrlPr>
-                                <a:rPr lang="fr-FR" sz="1000" b="0" i="1" smtClean="0">
-                                  <a:latin typeface="Cambria Math" panose="02040503050406030204" pitchFamily="18" charset="0"/>
-                                </a:rPr>
-                              </m:ctrlPr>
-                            </m:dPr>
-                            <m:e>
-                              <m:r>
-                                <a:rPr lang="fr-FR" sz="1000" b="0" i="1" smtClean="0">
-                                  <a:latin typeface="Cambria Math" panose="02040503050406030204" pitchFamily="18" charset="0"/>
-                                </a:rPr>
-                                <m:t>:</m:t>
-                              </m:r>
-                            </m:e>
-                          </m:d>
-                          <m:d>
-                            <m:dPr>
-                              <m:begChr m:val="["/>
-                              <m:endChr m:val="]"/>
-                              <m:ctrlPr>
-                                <a:rPr lang="fr-FR" sz="1000" b="0" i="1" smtClean="0">
-                                  <a:latin typeface="Cambria Math" panose="02040503050406030204" pitchFamily="18" charset="0"/>
-                                </a:rPr>
-                              </m:ctrlPr>
-                            </m:dPr>
-                            <m:e>
-                              <m:r>
-                                <a:rPr lang="fr-FR" sz="1000" b="0" i="1" smtClean="0">
-                                  <a:latin typeface="Cambria Math" panose="02040503050406030204" pitchFamily="18" charset="0"/>
-                                </a:rPr>
-                                <m:t>0</m:t>
-                              </m:r>
-                            </m:e>
-                          </m:d>
-                        </m:sub>
-                      </m:sSub>
-                      <m:r>
-                        <a:rPr lang="fr-FR" sz="1000" b="0" i="1" smtClean="0">
-                          <a:latin typeface="Cambria Math" panose="02040503050406030204" pitchFamily="18" charset="0"/>
-                        </a:rPr>
-                        <m:t>=</m:t>
-                      </m:r>
-                      <m:r>
-                        <a:rPr lang="fr-FR" sz="1000" b="0" i="1" smtClean="0">
-                          <a:latin typeface="Cambria Math" panose="02040503050406030204" pitchFamily="18" charset="0"/>
-                        </a:rPr>
-                        <m:t>𝑝𝑎𝑟𝑡𝑖𝑎</m:t>
-                      </m:r>
-                      <m:sSub>
-                        <m:sSubPr>
-                          <m:ctrlPr>
-                            <a:rPr lang="fr-FR" sz="1000" b="0" i="1" smtClean="0">
-                              <a:latin typeface="Cambria Math" panose="02040503050406030204" pitchFamily="18" charset="0"/>
-                            </a:rPr>
-                          </m:ctrlPr>
-                        </m:sSubPr>
-                        <m:e>
-                          <m:r>
-                            <a:rPr lang="fr-FR" sz="1000" b="0" i="1" smtClean="0">
-                              <a:latin typeface="Cambria Math" panose="02040503050406030204" pitchFamily="18" charset="0"/>
-                            </a:rPr>
-                            <m:t>𝑙</m:t>
-                          </m:r>
-                        </m:e>
-                        <m:sub>
-                          <m:r>
-                            <a:rPr lang="fr-FR" sz="1000" b="0" i="1" smtClean="0">
-                              <a:latin typeface="Cambria Math" panose="02040503050406030204" pitchFamily="18" charset="0"/>
-                            </a:rPr>
-                            <m:t>𝑑𝑒𝑟𝑖𝑣𝑎𝑡𝑖𝑣𝑒𝑠</m:t>
-                          </m:r>
-                          <m:d>
-                            <m:dPr>
-                              <m:begChr m:val="["/>
-                              <m:endChr m:val="]"/>
-                              <m:ctrlPr>
-                                <a:rPr lang="fr-FR" sz="1000" b="0" i="1" smtClean="0">
-                                  <a:latin typeface="Cambria Math" panose="02040503050406030204" pitchFamily="18" charset="0"/>
-                                </a:rPr>
-                              </m:ctrlPr>
-                            </m:dPr>
-                            <m:e>
-                              <m:r>
-                                <a:rPr lang="fr-FR" sz="1000" b="0" i="1" smtClean="0">
-                                  <a:latin typeface="Cambria Math" panose="02040503050406030204" pitchFamily="18" charset="0"/>
-                                </a:rPr>
-                                <m:t>𝑖</m:t>
-                              </m:r>
-                            </m:e>
-                          </m:d>
-                          <m:d>
-                            <m:dPr>
-                              <m:begChr m:val="["/>
-                              <m:endChr m:val="]"/>
-                              <m:ctrlPr>
-                                <a:rPr lang="fr-FR" sz="1000" b="0" i="1" smtClean="0">
-                                  <a:latin typeface="Cambria Math" panose="02040503050406030204" pitchFamily="18" charset="0"/>
-                                </a:rPr>
-                              </m:ctrlPr>
-                            </m:dPr>
-                            <m:e>
-                              <m:r>
-                                <a:rPr lang="fr-FR" sz="1000" b="0" i="1" smtClean="0">
-                                  <a:latin typeface="Cambria Math" panose="02040503050406030204" pitchFamily="18" charset="0"/>
-                                </a:rPr>
-                                <m:t>:</m:t>
-                              </m:r>
-                            </m:e>
-                          </m:d>
-                          <m:d>
-                            <m:dPr>
-                              <m:begChr m:val="["/>
-                              <m:endChr m:val="]"/>
-                              <m:ctrlPr>
-                                <a:rPr lang="fr-FR" sz="1000" b="0" i="1" smtClean="0">
-                                  <a:latin typeface="Cambria Math" panose="02040503050406030204" pitchFamily="18" charset="0"/>
-                                </a:rPr>
-                              </m:ctrlPr>
-                            </m:dPr>
-                            <m:e>
-                              <m:r>
-                                <a:rPr lang="fr-FR" sz="1000" b="0" i="1" smtClean="0">
-                                  <a:latin typeface="Cambria Math" panose="02040503050406030204" pitchFamily="18" charset="0"/>
-                                </a:rPr>
-                                <m:t>2</m:t>
-                              </m:r>
-                            </m:e>
-                          </m:d>
-                        </m:sub>
-                      </m:sSub>
-                      <m:r>
-                        <a:rPr lang="fr-FR" sz="1000" b="0" i="1" smtClean="0">
-                          <a:latin typeface="Cambria Math" panose="02040503050406030204" pitchFamily="18" charset="0"/>
-                        </a:rPr>
-                        <m:t>−</m:t>
-                      </m:r>
-                      <m:r>
-                        <a:rPr lang="fr-FR" sz="1000" b="0" i="1" smtClean="0">
-                          <a:latin typeface="Cambria Math" panose="02040503050406030204" pitchFamily="18" charset="0"/>
-                        </a:rPr>
-                        <m:t>𝑔𝑒</m:t>
-                      </m:r>
-                      <m:sSub>
-                        <m:sSubPr>
-                          <m:ctrlPr>
-                            <a:rPr lang="fr-FR" sz="1000" b="0" i="1" smtClean="0">
-                              <a:latin typeface="Cambria Math" panose="02040503050406030204" pitchFamily="18" charset="0"/>
-                            </a:rPr>
-                          </m:ctrlPr>
-                        </m:sSubPr>
-                        <m:e>
-                          <m:r>
-                            <a:rPr lang="fr-FR" sz="1000" b="0" i="1" smtClean="0">
-                              <a:latin typeface="Cambria Math" panose="02040503050406030204" pitchFamily="18" charset="0"/>
-                            </a:rPr>
-                            <m:t>𝑡</m:t>
-                          </m:r>
-                        </m:e>
-                        <m:sub>
-                          <m:r>
-                            <a:rPr lang="fr-FR" sz="1000" b="0" i="1" smtClean="0">
-                              <a:latin typeface="Cambria Math" panose="02040503050406030204" pitchFamily="18" charset="0"/>
-                            </a:rPr>
-                            <m:t>𝑑𝑒𝑟𝑖𝑣𝑎𝑡𝑖𝑣𝑒</m:t>
-                          </m:r>
-                          <m:d>
-                            <m:dPr>
-                              <m:ctrlPr>
-                                <a:rPr lang="fr-FR" sz="1000" b="0" i="1" smtClean="0">
-                                  <a:latin typeface="Cambria Math" panose="02040503050406030204" pitchFamily="18" charset="0"/>
-                                </a:rPr>
-                              </m:ctrlPr>
-                            </m:dPr>
-                            <m:e>
-                              <m:r>
-                                <a:rPr lang="fr-FR" sz="1000" b="0" i="1" smtClean="0">
-                                  <a:latin typeface="Cambria Math" panose="02040503050406030204" pitchFamily="18" charset="0"/>
-                                </a:rPr>
-                                <m:t>𝑖</m:t>
-                              </m:r>
-                            </m:e>
-                          </m:d>
-                          <m:d>
-                            <m:dPr>
-                              <m:ctrlPr>
-                                <a:rPr lang="fr-FR" sz="1000" b="0" i="1" smtClean="0">
-                                  <a:latin typeface="Cambria Math" panose="02040503050406030204" pitchFamily="18" charset="0"/>
-                                </a:rPr>
-                              </m:ctrlPr>
-                            </m:dPr>
-                            <m:e>
-                              <m:r>
-                                <a:rPr lang="fr-FR" sz="1000" b="0" i="1" smtClean="0">
-                                  <a:latin typeface="Cambria Math" panose="02040503050406030204" pitchFamily="18" charset="0"/>
-                                </a:rPr>
-                                <m:t>𝑝𝑟</m:t>
+                            </m:fPr>
+                            <m:num>
+                              <m:r>
+                                <a:rPr lang="x-IV_mathan">
+                                  <a:solidFill>
+                                    <a:srgbClr val="44546A"/>
+                                  </a:solidFill>
+                                  <a:effectLst/>
+                                  <a:latin typeface="Cambria Math" panose="02040503050406030204" pitchFamily="18" charset="0"/>
+                                  <a:ea typeface="Cambria Math" panose="02040503050406030204" pitchFamily="18" charset="0"/>
+                                </a:rPr>
+                                <m:t>𝜕</m:t>
                               </m:r>
                               <m:sSub>
                                 <m:sSubPr>
                                   <m:ctrlPr>
-                                    <a:rPr lang="fr-FR" sz="1000" b="0" i="1" smtClean="0">
+                                    <a:rPr lang="x-IV_mathan" i="1">
+                                      <a:solidFill>
+                                        <a:srgbClr val="44546A"/>
+                                      </a:solidFill>
+                                      <a:effectLst/>
+                                      <a:latin typeface="Cambria Math" panose="02040503050406030204" pitchFamily="18" charset="0"/>
+                                      <a:ea typeface="Cambria Math" panose="02040503050406030204" pitchFamily="18" charset="0"/>
+                                    </a:rPr>
+                                  </m:ctrlPr>
+                                </m:sSubPr>
+                                <m:e>
+                                  <m:r>
+                                    <a:rPr lang="x-IV_mathan">
+                                      <a:solidFill>
+                                        <a:srgbClr val="44546A"/>
+                                      </a:solidFill>
+                                      <a:effectLst/>
+                                      <a:latin typeface="Cambria Math" panose="02040503050406030204" pitchFamily="18" charset="0"/>
+                                      <a:ea typeface="Cambria Math" panose="02040503050406030204" pitchFamily="18" charset="0"/>
+                                    </a:rPr>
+                                    <m:t>𝐶</m:t>
+                                  </m:r>
+                                </m:e>
+                                <m:sub>
+                                  <m:r>
+                                    <a:rPr lang="x-IV_mathan">
+                                      <a:solidFill>
+                                        <a:srgbClr val="44546A"/>
+                                      </a:solidFill>
+                                      <a:effectLst/>
+                                      <a:latin typeface="Cambria Math" panose="02040503050406030204" pitchFamily="18" charset="0"/>
+                                      <a:ea typeface="Cambria Math" panose="02040503050406030204" pitchFamily="18" charset="0"/>
+                                    </a:rPr>
+                                    <m:t>/</m:t>
+                                  </m:r>
+                                  <m:r>
+                                    <a:rPr lang="x-IV_mathan">
+                                      <a:solidFill>
+                                        <a:srgbClr val="44546A"/>
+                                      </a:solidFill>
+                                      <a:effectLst/>
+                                      <a:latin typeface="Cambria Math" panose="02040503050406030204" pitchFamily="18" charset="0"/>
+                                      <a:ea typeface="Cambria Math" panose="02040503050406030204" pitchFamily="18" charset="0"/>
+                                    </a:rPr>
+                                    <m:t>𝑖𝑚𝑎𝑔𝑒</m:t>
+                                  </m:r>
+                                </m:sub>
+                              </m:sSub>
+                            </m:num>
+                            <m:den>
+                              <m:r>
+                                <a:rPr lang="x-IV_mathan">
+                                  <a:solidFill>
+                                    <a:srgbClr val="44546A"/>
+                                  </a:solidFill>
+                                  <a:effectLst/>
+                                  <a:latin typeface="Cambria Math" panose="02040503050406030204" pitchFamily="18" charset="0"/>
+                                  <a:ea typeface="Cambria Math" panose="02040503050406030204" pitchFamily="18" charset="0"/>
+                                </a:rPr>
+                                <m:t>𝜕</m:t>
+                              </m:r>
+                              <m:sSup>
+                                <m:sSupPr>
+                                  <m:ctrlPr>
+                                    <a:rPr lang="x-IV_mathan" i="1" smtClean="0">
+                                      <a:solidFill>
+                                        <a:srgbClr val="44546A"/>
+                                      </a:solidFill>
+                                      <a:effectLst/>
+                                      <a:latin typeface="Cambria Math" panose="02040503050406030204" pitchFamily="18" charset="0"/>
+                                      <a:ea typeface="Cambria Math" panose="02040503050406030204" pitchFamily="18" charset="0"/>
+                                    </a:rPr>
+                                  </m:ctrlPr>
+                                </m:sSupPr>
+                                <m:e>
+                                  <m:r>
+                                    <a:rPr lang="fr-FR" b="0" i="1" smtClean="0">
+                                      <a:solidFill>
+                                        <a:srgbClr val="44546A"/>
+                                      </a:solidFill>
+                                      <a:effectLst/>
+                                      <a:latin typeface="Cambria Math" panose="02040503050406030204" pitchFamily="18" charset="0"/>
+                                      <a:ea typeface="Cambria Math" panose="02040503050406030204" pitchFamily="18" charset="0"/>
+                                    </a:rPr>
+                                    <m:t>𝑊</m:t>
+                                  </m:r>
+                                </m:e>
+                                <m:sup>
+                                  <m:r>
+                                    <a:rPr lang="fr-FR" b="0" i="1" smtClean="0">
+                                      <a:solidFill>
+                                        <a:srgbClr val="44546A"/>
+                                      </a:solidFill>
+                                      <a:effectLst/>
+                                      <a:latin typeface="Cambria Math" panose="02040503050406030204" pitchFamily="18" charset="0"/>
+                                      <a:ea typeface="Cambria Math" panose="02040503050406030204" pitchFamily="18" charset="0"/>
+                                    </a:rPr>
+                                    <m:t>𝑖</m:t>
+                                  </m:r>
+                                </m:sup>
+                              </m:sSup>
+                            </m:den>
+                          </m:f>
+                          <m:r>
+                            <a:rPr lang="x-IV_mathan">
+                              <a:solidFill>
+                                <a:srgbClr val="44546A"/>
+                              </a:solidFill>
+                              <a:effectLst/>
+                              <a:latin typeface="Cambria Math" panose="02040503050406030204" pitchFamily="18" charset="0"/>
+                              <a:ea typeface="Cambria Math" panose="02040503050406030204" pitchFamily="18" charset="0"/>
+                            </a:rPr>
+                            <m:t>=−</m:t>
+                          </m:r>
+                          <m:f>
+                            <m:fPr>
+                              <m:ctrlPr>
+                                <a:rPr lang="x-IV_mathan" i="1">
+                                  <a:solidFill>
+                                    <a:srgbClr val="44546A"/>
+                                  </a:solidFill>
+                                  <a:effectLst/>
+                                  <a:latin typeface="Cambria Math" panose="02040503050406030204" pitchFamily="18" charset="0"/>
+                                  <a:ea typeface="Cambria Math" panose="02040503050406030204" pitchFamily="18" charset="0"/>
+                                </a:rPr>
+                              </m:ctrlPr>
+                            </m:fPr>
+                            <m:num>
+                              <m:r>
+                                <a:rPr lang="x-IV_mathan">
+                                  <a:solidFill>
+                                    <a:srgbClr val="44546A"/>
+                                  </a:solidFill>
+                                  <a:effectLst/>
+                                  <a:latin typeface="Cambria Math" panose="02040503050406030204" pitchFamily="18" charset="0"/>
+                                  <a:ea typeface="Cambria Math" panose="02040503050406030204" pitchFamily="18" charset="0"/>
+                                </a:rPr>
+                                <m:t>𝜕</m:t>
+                              </m:r>
+                              <m:sSub>
+                                <m:sSubPr>
+                                  <m:ctrlPr>
+                                    <a:rPr lang="x-IV_mathan" i="1">
+                                      <a:solidFill>
+                                        <a:srgbClr val="44546A"/>
+                                      </a:solidFill>
+                                      <a:effectLst/>
+                                      <a:latin typeface="Cambria Math" panose="02040503050406030204" pitchFamily="18" charset="0"/>
+                                      <a:ea typeface="Cambria Math" panose="02040503050406030204" pitchFamily="18" charset="0"/>
+                                    </a:rPr>
+                                  </m:ctrlPr>
+                                </m:sSubPr>
+                                <m:e>
+                                  <m:r>
+                                    <a:rPr lang="x-IV_mathan">
+                                      <a:solidFill>
+                                        <a:srgbClr val="44546A"/>
+                                      </a:solidFill>
+                                      <a:effectLst/>
+                                      <a:latin typeface="Cambria Math" panose="02040503050406030204" pitchFamily="18" charset="0"/>
+                                      <a:ea typeface="Cambria Math" panose="02040503050406030204" pitchFamily="18" charset="0"/>
+                                    </a:rPr>
+                                    <m:t>𝐶</m:t>
+                                  </m:r>
+                                </m:e>
+                                <m:sub>
+                                  <m:r>
+                                    <a:rPr lang="x-IV_mathan">
+                                      <a:solidFill>
+                                        <a:srgbClr val="44546A"/>
+                                      </a:solidFill>
+                                      <a:effectLst/>
+                                      <a:latin typeface="Cambria Math" panose="02040503050406030204" pitchFamily="18" charset="0"/>
+                                      <a:ea typeface="Cambria Math" panose="02040503050406030204" pitchFamily="18" charset="0"/>
+                                    </a:rPr>
+                                    <m:t>/</m:t>
+                                  </m:r>
+                                  <m:r>
+                                    <m:rPr>
+                                      <m:sty m:val="p"/>
+                                    </m:rPr>
+                                    <a:rPr lang="x-IV_mathan">
+                                      <a:solidFill>
+                                        <a:srgbClr val="44546A"/>
+                                      </a:solidFill>
+                                      <a:effectLst/>
+                                      <a:latin typeface="Cambria Math" panose="02040503050406030204" pitchFamily="18" charset="0"/>
+                                      <a:ea typeface="Cambria Math" panose="02040503050406030204" pitchFamily="18" charset="0"/>
+                                    </a:rPr>
+                                    <m:t>image</m:t>
+                                  </m:r>
+                                </m:sub>
+                              </m:sSub>
+                            </m:num>
+                            <m:den>
+                              <m:r>
+                                <a:rPr lang="x-IV_mathan">
+                                  <a:solidFill>
+                                    <a:srgbClr val="44546A"/>
+                                  </a:solidFill>
+                                  <a:effectLst/>
+                                  <a:latin typeface="Cambria Math" panose="02040503050406030204" pitchFamily="18" charset="0"/>
+                                  <a:ea typeface="Cambria Math" panose="02040503050406030204" pitchFamily="18" charset="0"/>
+                                </a:rPr>
+                                <m:t>𝜕</m:t>
+                              </m:r>
+                              <m:sSup>
+                                <m:sSupPr>
+                                  <m:ctrlPr>
+                                    <a:rPr lang="x-IV_mathan" i="1" smtClean="0">
+                                      <a:solidFill>
+                                        <a:srgbClr val="44546A"/>
+                                      </a:solidFill>
+                                      <a:effectLst/>
+                                      <a:latin typeface="Cambria Math" panose="02040503050406030204" pitchFamily="18" charset="0"/>
+                                      <a:ea typeface="Cambria Math" panose="02040503050406030204" pitchFamily="18" charset="0"/>
+                                    </a:rPr>
+                                  </m:ctrlPr>
+                                </m:sSupPr>
+                                <m:e>
+                                  <m:r>
+                                    <a:rPr lang="fr-FR" b="0" i="1" smtClean="0">
+                                      <a:solidFill>
+                                        <a:srgbClr val="44546A"/>
+                                      </a:solidFill>
+                                      <a:effectLst/>
+                                      <a:latin typeface="Cambria Math" panose="02040503050406030204" pitchFamily="18" charset="0"/>
+                                      <a:ea typeface="Cambria Math" panose="02040503050406030204" pitchFamily="18" charset="0"/>
+                                    </a:rPr>
+                                    <m:t>𝐵</m:t>
+                                  </m:r>
+                                </m:e>
+                                <m:sup>
+                                  <m:r>
+                                    <a:rPr lang="fr-FR" b="0" i="1" smtClean="0">
+                                      <a:solidFill>
+                                        <a:srgbClr val="44546A"/>
+                                      </a:solidFill>
+                                      <a:effectLst/>
+                                      <a:latin typeface="Cambria Math" panose="02040503050406030204" pitchFamily="18" charset="0"/>
+                                      <a:ea typeface="Cambria Math" panose="02040503050406030204" pitchFamily="18" charset="0"/>
+                                    </a:rPr>
+                                    <m:t>𝑖</m:t>
+                                  </m:r>
+                                </m:sup>
+                              </m:sSup>
+                            </m:den>
+                          </m:f>
+                          <m:r>
+                            <a:rPr lang="x-IV_mathan">
+                              <a:solidFill>
+                                <a:srgbClr val="44546A"/>
+                              </a:solidFill>
+                              <a:effectLst/>
+                              <a:latin typeface="Cambria Math" panose="02040503050406030204" pitchFamily="18" charset="0"/>
+                              <a:ea typeface="Cambria Math" panose="02040503050406030204" pitchFamily="18" charset="0"/>
+                            </a:rPr>
+                            <m:t>∗</m:t>
+                          </m:r>
+                          <m:sSup>
+                            <m:sSupPr>
+                              <m:ctrlPr>
+                                <a:rPr lang="x-IV_mathan" i="1">
+                                  <a:solidFill>
+                                    <a:srgbClr val="44546A"/>
+                                  </a:solidFill>
+                                  <a:effectLst/>
+                                  <a:latin typeface="Cambria Math" panose="02040503050406030204" pitchFamily="18" charset="0"/>
+                                  <a:ea typeface="Cambria Math" panose="02040503050406030204" pitchFamily="18" charset="0"/>
+                                </a:rPr>
+                              </m:ctrlPr>
+                            </m:sSupPr>
+                            <m:e>
+                              <m:d>
+                                <m:dPr>
+                                  <m:ctrlPr>
+                                    <a:rPr lang="x-IV_mathan" i="1">
+                                      <a:solidFill>
+                                        <a:srgbClr val="44546A"/>
+                                      </a:solidFill>
+                                      <a:effectLst/>
+                                      <a:latin typeface="Cambria Math" panose="02040503050406030204" pitchFamily="18" charset="0"/>
+                                      <a:ea typeface="Cambria Math" panose="02040503050406030204" pitchFamily="18" charset="0"/>
+                                    </a:rPr>
+                                  </m:ctrlPr>
+                                </m:dPr>
+                                <m:e>
+                                  <m:sSup>
+                                    <m:sSupPr>
+                                      <m:ctrlPr>
+                                        <a:rPr lang="x-IV_mathan" i="1">
+                                          <a:solidFill>
+                                            <a:srgbClr val="44546A"/>
+                                          </a:solidFill>
+                                          <a:effectLst/>
+                                          <a:latin typeface="Cambria Math" panose="02040503050406030204" pitchFamily="18" charset="0"/>
+                                          <a:ea typeface="Cambria Math" panose="02040503050406030204" pitchFamily="18" charset="0"/>
+                                        </a:rPr>
+                                      </m:ctrlPr>
+                                    </m:sSupPr>
+                                    <m:e>
+                                      <m:r>
+                                        <a:rPr lang="x-IV_mathan">
+                                          <a:solidFill>
+                                            <a:srgbClr val="44546A"/>
+                                          </a:solidFill>
+                                          <a:effectLst/>
+                                          <a:latin typeface="Cambria Math" panose="02040503050406030204" pitchFamily="18" charset="0"/>
+                                          <a:ea typeface="Cambria Math" panose="02040503050406030204" pitchFamily="18" charset="0"/>
+                                        </a:rPr>
+                                        <m:t>𝐴</m:t>
+                                      </m:r>
+                                    </m:e>
+                                    <m:sup>
+                                      <m:r>
+                                        <a:rPr lang="x-IV_mathan">
+                                          <a:solidFill>
+                                            <a:srgbClr val="44546A"/>
+                                          </a:solidFill>
+                                          <a:effectLst/>
+                                          <a:latin typeface="Cambria Math" panose="02040503050406030204" pitchFamily="18" charset="0"/>
+                                          <a:ea typeface="Cambria Math" panose="02040503050406030204" pitchFamily="18" charset="0"/>
+                                        </a:rPr>
+                                        <m:t>𝑖</m:t>
+                                      </m:r>
+                                      <m:r>
+                                        <a:rPr lang="x-IV_mathan">
+                                          <a:solidFill>
+                                            <a:srgbClr val="44546A"/>
+                                          </a:solidFill>
+                                          <a:effectLst/>
+                                          <a:latin typeface="Cambria Math" panose="02040503050406030204" pitchFamily="18" charset="0"/>
+                                          <a:ea typeface="Cambria Math" panose="02040503050406030204" pitchFamily="18" charset="0"/>
+                                        </a:rPr>
+                                        <m:t>−1</m:t>
+                                      </m:r>
+                                    </m:sup>
+                                  </m:sSup>
+                                </m:e>
+                              </m:d>
+                            </m:e>
+                            <m:sup>
+                              <m:r>
+                                <a:rPr lang="x-IV_mathan">
+                                  <a:solidFill>
+                                    <a:srgbClr val="44546A"/>
+                                  </a:solidFill>
+                                  <a:effectLst/>
+                                  <a:latin typeface="Cambria Math" panose="02040503050406030204" pitchFamily="18" charset="0"/>
+                                  <a:ea typeface="Cambria Math" panose="02040503050406030204" pitchFamily="18" charset="0"/>
+                                </a:rPr>
+                                <m:t>𝑇</m:t>
+                              </m:r>
+                            </m:sup>
+                          </m:sSup>
+                        </m:e>
+                      </m:borderBox>
+                    </m:oMath>
+                  </m:oMathPara>
+                </a14:m>
+                <a:endParaRPr lang="fr-FR" dirty="0">
+                  <a:latin typeface="Cambria Math" panose="02040503050406030204" pitchFamily="18" charset="0"/>
+                  <a:ea typeface="Cambria Math" panose="02040503050406030204" pitchFamily="18" charset="0"/>
+                </a:endParaRPr>
+              </a:p>
+              <a:p>
+                <a:pPr/>
+                <a14:m>
+                  <m:oMathPara xmlns:m="http://schemas.openxmlformats.org/officeDocument/2006/math">
+                    <m:oMathParaPr>
+                      <m:jc m:val="left"/>
+                    </m:oMathParaPr>
+                    <m:oMath xmlns:m="http://schemas.openxmlformats.org/officeDocument/2006/math">
+                      <m:borderBox>
+                        <m:borderBoxPr>
+                          <m:ctrlPr>
+                            <a:rPr lang="fr-FR" sz="1800" i="1">
+                              <a:solidFill>
+                                <a:srgbClr val="44546A"/>
+                              </a:solidFill>
+                              <a:effectLst/>
+                              <a:latin typeface="Cambria Math" panose="02040503050406030204" pitchFamily="18" charset="0"/>
+                            </a:rPr>
+                          </m:ctrlPr>
+                        </m:borderBoxPr>
+                        <m:e>
+                          <m:f>
+                            <m:fPr>
+                              <m:ctrlPr>
+                                <a:rPr lang="fr-FR" sz="1800" i="1">
+                                  <a:solidFill>
+                                    <a:srgbClr val="44546A"/>
+                                  </a:solidFill>
+                                  <a:effectLst/>
+                                  <a:latin typeface="Cambria Math" panose="02040503050406030204" pitchFamily="18" charset="0"/>
+                                </a:rPr>
+                              </m:ctrlPr>
+                            </m:fPr>
+                            <m:num>
+                              <m:r>
+                                <a:rPr lang="fr-FR" sz="1800">
+                                  <a:solidFill>
+                                    <a:srgbClr val="44546A"/>
+                                  </a:solidFill>
+                                  <a:effectLst/>
+                                  <a:latin typeface="Cambria Math" panose="02040503050406030204" pitchFamily="18" charset="0"/>
+                                </a:rPr>
+                                <m:t>𝜕</m:t>
+                              </m:r>
+                              <m:sSub>
+                                <m:sSubPr>
+                                  <m:ctrlPr>
+                                    <a:rPr lang="fr-FR" sz="1800" i="1">
+                                      <a:solidFill>
+                                        <a:srgbClr val="44546A"/>
+                                      </a:solidFill>
+                                      <a:effectLst/>
                                       <a:latin typeface="Cambria Math" panose="02040503050406030204" pitchFamily="18" charset="0"/>
                                     </a:rPr>
                                   </m:ctrlPr>
                                 </m:sSubPr>
                                 <m:e>
                                   <m:r>
-                                    <a:rPr lang="fr-FR" sz="1000" b="0" i="1" smtClean="0">
+                                    <a:rPr lang="fr-FR" sz="1800">
+                                      <a:solidFill>
+                                        <a:srgbClr val="44546A"/>
+                                      </a:solidFill>
+                                      <a:effectLst/>
                                       <a:latin typeface="Cambria Math" panose="02040503050406030204" pitchFamily="18" charset="0"/>
                                     </a:rPr>
-                                    <m:t>𝑒</m:t>
+                                    <m:t>𝐶</m:t>
                                   </m:r>
                                 </m:e>
                                 <m:sub>
                                   <m:r>
-                                    <a:rPr lang="fr-FR" sz="1000" b="0" i="1" smtClean="0">
+                                    <a:rPr lang="fr-FR" sz="1800">
+                                      <a:solidFill>
+                                        <a:srgbClr val="44546A"/>
+                                      </a:solidFill>
+                                      <a:effectLst/>
                                       <a:latin typeface="Cambria Math" panose="02040503050406030204" pitchFamily="18" charset="0"/>
                                     </a:rPr>
-                                    <m:t>𝑎𝑐𝑡𝑖𝑣𝑎𝑡𝑖𝑜</m:t>
+                                    <m:t>/</m:t>
                                   </m:r>
-                                  <m:sSub>
-                                    <m:sSubPr>
+                                  <m:r>
+                                    <a:rPr lang="fr-FR" sz="1800">
+                                      <a:solidFill>
+                                        <a:srgbClr val="44546A"/>
+                                      </a:solidFill>
+                                      <a:effectLst/>
+                                      <a:latin typeface="Cambria Math" panose="02040503050406030204" pitchFamily="18" charset="0"/>
+                                    </a:rPr>
+                                    <m:t>𝑖𝑚𝑎𝑔𝑒</m:t>
+                                  </m:r>
+                                </m:sub>
+                              </m:sSub>
+                            </m:num>
+                            <m:den>
+                              <m:r>
+                                <a:rPr lang="fr-FR" sz="1800">
+                                  <a:solidFill>
+                                    <a:srgbClr val="44546A"/>
+                                  </a:solidFill>
+                                  <a:effectLst/>
+                                  <a:latin typeface="Cambria Math" panose="02040503050406030204" pitchFamily="18" charset="0"/>
+                                </a:rPr>
+                                <m:t>𝜕</m:t>
+                              </m:r>
+                              <m:sSup>
+                                <m:sSupPr>
+                                  <m:ctrlPr>
+                                    <a:rPr lang="fr-FR" sz="1800" i="1" smtClean="0">
+                                      <a:solidFill>
+                                        <a:srgbClr val="44546A"/>
+                                      </a:solidFill>
+                                      <a:effectLst/>
+                                      <a:latin typeface="Cambria Math" panose="02040503050406030204" pitchFamily="18" charset="0"/>
+                                    </a:rPr>
+                                  </m:ctrlPr>
+                                </m:sSupPr>
+                                <m:e>
+                                  <m:r>
+                                    <a:rPr lang="fr-FR" sz="1800" b="0" i="1" smtClean="0">
+                                      <a:solidFill>
+                                        <a:srgbClr val="44546A"/>
+                                      </a:solidFill>
+                                      <a:effectLst/>
+                                      <a:latin typeface="Cambria Math" panose="02040503050406030204" pitchFamily="18" charset="0"/>
+                                    </a:rPr>
+                                    <m:t>𝐴</m:t>
+                                  </m:r>
+                                </m:e>
+                                <m:sup>
+                                  <m:r>
+                                    <a:rPr lang="fr-FR" sz="1800" b="0" i="1" smtClean="0">
+                                      <a:solidFill>
+                                        <a:srgbClr val="44546A"/>
+                                      </a:solidFill>
+                                      <a:effectLst/>
+                                      <a:latin typeface="Cambria Math" panose="02040503050406030204" pitchFamily="18" charset="0"/>
+                                    </a:rPr>
+                                    <m:t>𝑖</m:t>
+                                  </m:r>
+                                  <m:r>
+                                    <a:rPr lang="fr-FR" sz="1800" b="0" i="1" smtClean="0">
+                                      <a:solidFill>
+                                        <a:srgbClr val="44546A"/>
+                                      </a:solidFill>
+                                      <a:effectLst/>
+                                      <a:latin typeface="Cambria Math" panose="02040503050406030204" pitchFamily="18" charset="0"/>
+                                    </a:rPr>
+                                    <m:t>−1</m:t>
+                                  </m:r>
+                                </m:sup>
+                              </m:sSup>
+                            </m:den>
+                          </m:f>
+                          <m:r>
+                            <a:rPr lang="fr-FR" sz="1800">
+                              <a:solidFill>
+                                <a:srgbClr val="44546A"/>
+                              </a:solidFill>
+                              <a:effectLst/>
+                              <a:latin typeface="Cambria Math" panose="02040503050406030204" pitchFamily="18" charset="0"/>
+                            </a:rPr>
+                            <m:t>=</m:t>
+                          </m:r>
+                          <m:sSup>
+                            <m:sSupPr>
+                              <m:ctrlPr>
+                                <a:rPr lang="fr-FR" sz="1800" i="1">
+                                  <a:solidFill>
+                                    <a:srgbClr val="44546A"/>
+                                  </a:solidFill>
+                                  <a:effectLst/>
+                                  <a:latin typeface="Cambria Math" panose="02040503050406030204" pitchFamily="18" charset="0"/>
+                                </a:rPr>
+                              </m:ctrlPr>
+                            </m:sSupPr>
+                            <m:e>
+                              <m:d>
+                                <m:dPr>
+                                  <m:ctrlPr>
+                                    <a:rPr lang="fr-FR" sz="1800" i="1">
+                                      <a:solidFill>
+                                        <a:srgbClr val="44546A"/>
+                                      </a:solidFill>
+                                      <a:effectLst/>
+                                      <a:latin typeface="Cambria Math" panose="02040503050406030204" pitchFamily="18" charset="0"/>
+                                    </a:rPr>
+                                  </m:ctrlPr>
+                                </m:dPr>
+                                <m:e>
+                                  <m:sSup>
+                                    <m:sSupPr>
                                       <m:ctrlPr>
-                                        <a:rPr lang="fr-FR" sz="1000" b="0" i="1" smtClean="0">
+                                        <a:rPr lang="fr-FR" sz="1800" i="1">
+                                          <a:solidFill>
+                                            <a:srgbClr val="44546A"/>
+                                          </a:solidFill>
+                                          <a:effectLst/>
                                           <a:latin typeface="Cambria Math" panose="02040503050406030204" pitchFamily="18" charset="0"/>
                                         </a:rPr>
                                       </m:ctrlPr>
-                                    </m:sSubPr>
+                                    </m:sSupPr>
                                     <m:e>
                                       <m:r>
-                                        <a:rPr lang="fr-FR" sz="1000" b="0" i="1" smtClean="0">
+                                        <a:rPr lang="fr-FR" sz="1800">
+                                          <a:solidFill>
+                                            <a:srgbClr val="44546A"/>
+                                          </a:solidFill>
+                                          <a:effectLst/>
                                           <a:latin typeface="Cambria Math" panose="02040503050406030204" pitchFamily="18" charset="0"/>
                                         </a:rPr>
-                                        <m:t>𝑛</m:t>
+                                        <m:t>𝑊</m:t>
                                       </m:r>
                                     </m:e>
-                                    <m:sub>
+                                    <m:sup>
                                       <m:r>
-                                        <a:rPr lang="fr-FR" sz="1000" b="0" i="1" smtClean="0">
-                                          <a:latin typeface="Cambria Math" panose="02040503050406030204" pitchFamily="18" charset="0"/>
-                                        </a:rPr>
-                                        <m:t>𝑣𝑎𝑙𝑢𝑒</m:t>
-                                      </m:r>
-                                      <m:r>
-                                        <a:rPr lang="fr-FR" sz="1000" b="0" i="1" smtClean="0">
-                                          <a:latin typeface="Cambria Math" panose="02040503050406030204" pitchFamily="18" charset="0"/>
-                                        </a:rPr>
-                                        <m:t>_</m:t>
-                                      </m:r>
-                                      <m:r>
-                                        <a:rPr lang="fr-FR" sz="1000" b="0" i="1" smtClean="0">
+                                        <a:rPr lang="fr-FR" sz="1800">
+                                          <a:solidFill>
+                                            <a:srgbClr val="44546A"/>
+                                          </a:solidFill>
+                                          <a:effectLst/>
                                           <a:latin typeface="Cambria Math" panose="02040503050406030204" pitchFamily="18" charset="0"/>
                                         </a:rPr>
                                         <m:t>𝑖</m:t>
                                       </m:r>
-                                    </m:sub>
-                                  </m:sSub>
+                                    </m:sup>
+                                  </m:sSup>
+                                </m:e>
+                              </m:d>
+                            </m:e>
+                            <m:sup>
+                              <m:r>
+                                <a:rPr lang="fr-FR" sz="1800">
+                                  <a:solidFill>
+                                    <a:srgbClr val="44546A"/>
+                                  </a:solidFill>
+                                  <a:effectLst/>
+                                  <a:latin typeface="Cambria Math" panose="02040503050406030204" pitchFamily="18" charset="0"/>
+                                </a:rPr>
+                                <m:t>𝑇</m:t>
+                              </m:r>
+                            </m:sup>
+                          </m:sSup>
+                          <m:r>
+                            <a:rPr lang="fr-FR" sz="1800">
+                              <a:solidFill>
+                                <a:srgbClr val="44546A"/>
+                              </a:solidFill>
+                              <a:effectLst/>
+                              <a:latin typeface="Cambria Math" panose="02040503050406030204" pitchFamily="18" charset="0"/>
+                            </a:rPr>
+                            <m:t>∗</m:t>
+                          </m:r>
+                          <m:f>
+                            <m:fPr>
+                              <m:ctrlPr>
+                                <a:rPr lang="fr-FR" sz="1800" i="1">
+                                  <a:solidFill>
+                                    <a:srgbClr val="44546A"/>
+                                  </a:solidFill>
+                                  <a:effectLst/>
+                                  <a:latin typeface="Cambria Math" panose="02040503050406030204" pitchFamily="18" charset="0"/>
+                                </a:rPr>
+                              </m:ctrlPr>
+                            </m:fPr>
+                            <m:num>
+                              <m:r>
+                                <a:rPr lang="fr-FR" sz="1800">
+                                  <a:solidFill>
+                                    <a:srgbClr val="44546A"/>
+                                  </a:solidFill>
+                                  <a:effectLst/>
+                                  <a:latin typeface="Cambria Math" panose="02040503050406030204" pitchFamily="18" charset="0"/>
+                                </a:rPr>
+                                <m:t>𝜕</m:t>
+                              </m:r>
+                              <m:sSub>
+                                <m:sSubPr>
+                                  <m:ctrlPr>
+                                    <a:rPr lang="fr-FR" sz="1800" i="1">
+                                      <a:solidFill>
+                                        <a:srgbClr val="44546A"/>
+                                      </a:solidFill>
+                                      <a:effectLst/>
+                                      <a:latin typeface="Cambria Math" panose="02040503050406030204" pitchFamily="18" charset="0"/>
+                                    </a:rPr>
+                                  </m:ctrlPr>
+                                </m:sSubPr>
+                                <m:e>
+                                  <m:r>
+                                    <a:rPr lang="fr-FR" sz="1800">
+                                      <a:solidFill>
+                                        <a:srgbClr val="44546A"/>
+                                      </a:solidFill>
+                                      <a:effectLst/>
+                                      <a:latin typeface="Cambria Math" panose="02040503050406030204" pitchFamily="18" charset="0"/>
+                                    </a:rPr>
+                                    <m:t>𝐶</m:t>
+                                  </m:r>
+                                </m:e>
+                                <m:sub>
+                                  <m:r>
+                                    <a:rPr lang="fr-FR" sz="1800">
+                                      <a:solidFill>
+                                        <a:srgbClr val="44546A"/>
+                                      </a:solidFill>
+                                      <a:effectLst/>
+                                      <a:latin typeface="Cambria Math" panose="02040503050406030204" pitchFamily="18" charset="0"/>
+                                    </a:rPr>
+                                    <m:t>/</m:t>
+                                  </m:r>
+                                  <m:r>
+                                    <m:rPr>
+                                      <m:sty m:val="p"/>
+                                    </m:rPr>
+                                    <a:rPr lang="fr-FR" sz="1800">
+                                      <a:solidFill>
+                                        <a:srgbClr val="44546A"/>
+                                      </a:solidFill>
+                                      <a:effectLst/>
+                                      <a:latin typeface="Cambria Math" panose="02040503050406030204" pitchFamily="18" charset="0"/>
+                                    </a:rPr>
+                                    <m:t>image</m:t>
+                                  </m:r>
                                 </m:sub>
                               </m:sSub>
-                            </m:e>
-                          </m:d>
-                        </m:sub>
-                      </m:sSub>
+                            </m:num>
+                            <m:den>
+                              <m:r>
+                                <a:rPr lang="fr-FR" sz="1800">
+                                  <a:solidFill>
+                                    <a:srgbClr val="44546A"/>
+                                  </a:solidFill>
+                                  <a:effectLst/>
+                                  <a:latin typeface="Cambria Math" panose="02040503050406030204" pitchFamily="18" charset="0"/>
+                                </a:rPr>
+                                <m:t>𝜕</m:t>
+                              </m:r>
+                              <m:sSup>
+                                <m:sSupPr>
+                                  <m:ctrlPr>
+                                    <a:rPr lang="fr-FR" sz="1800" i="1" smtClean="0">
+                                      <a:solidFill>
+                                        <a:srgbClr val="44546A"/>
+                                      </a:solidFill>
+                                      <a:effectLst/>
+                                      <a:latin typeface="Cambria Math" panose="02040503050406030204" pitchFamily="18" charset="0"/>
+                                    </a:rPr>
+                                  </m:ctrlPr>
+                                </m:sSupPr>
+                                <m:e>
+                                  <m:r>
+                                    <a:rPr lang="fr-FR" sz="1800" b="0" i="1" smtClean="0">
+                                      <a:solidFill>
+                                        <a:srgbClr val="44546A"/>
+                                      </a:solidFill>
+                                      <a:effectLst/>
+                                      <a:latin typeface="Cambria Math" panose="02040503050406030204" pitchFamily="18" charset="0"/>
+                                    </a:rPr>
+                                    <m:t>𝐵</m:t>
+                                  </m:r>
+                                </m:e>
+                                <m:sup>
+                                  <m:r>
+                                    <a:rPr lang="fr-FR" sz="1800" b="0" i="1" smtClean="0">
+                                      <a:solidFill>
+                                        <a:srgbClr val="44546A"/>
+                                      </a:solidFill>
+                                      <a:effectLst/>
+                                      <a:latin typeface="Cambria Math" panose="02040503050406030204" pitchFamily="18" charset="0"/>
+                                    </a:rPr>
+                                    <m:t>𝑖</m:t>
+                                  </m:r>
+                                </m:sup>
+                              </m:sSup>
+                            </m:den>
+                          </m:f>
+                        </m:e>
+                      </m:borderBox>
                     </m:oMath>
                   </m:oMathPara>
                 </a14:m>
-                <a:endParaRPr lang="fr-FR" sz="1000" b="0" dirty="0"/>
+                <a:endParaRPr lang="fr-FR" sz="1800" dirty="0">
+                  <a:solidFill>
+                    <a:srgbClr val="44546A"/>
+                  </a:solidFill>
+                  <a:effectLst/>
+                  <a:latin typeface="Cambria Math" panose="02040503050406030204" pitchFamily="18" charset="0"/>
+                </a:endParaRPr>
               </a:p>
               <a:p>
+                <a:pPr/>
+                <a:endParaRPr lang="fr-FR" dirty="0">
+                  <a:solidFill>
+                    <a:srgbClr val="44546A"/>
+                  </a:solidFill>
+                  <a:latin typeface="Cambria Math" panose="02040503050406030204" pitchFamily="18" charset="0"/>
+                </a:endParaRPr>
+              </a:p>
+              <a:p>
+                <a:pPr/>
                 <a14:m>
                   <m:oMath xmlns:m="http://schemas.openxmlformats.org/officeDocument/2006/math">
-                    <m:r>
-                      <a:rPr lang="fr-FR" sz="1000" b="0" i="1" smtClean="0">
-                        <a:latin typeface="Cambria Math" panose="02040503050406030204" pitchFamily="18" charset="0"/>
-                      </a:rPr>
-                      <m:t>𝑝𝑟𝑒</m:t>
-                    </m:r>
-                    <m:r>
-                      <a:rPr lang="fr-FR" sz="1000" b="0" i="1" smtClean="0">
-                        <a:latin typeface="Cambria Math" panose="02040503050406030204" pitchFamily="18" charset="0"/>
-                      </a:rPr>
-                      <m:t>_</m:t>
-                    </m:r>
-                    <m:r>
-                      <a:rPr lang="fr-FR" sz="1000" b="0" i="1" smtClean="0">
-                        <a:latin typeface="Cambria Math" panose="02040503050406030204" pitchFamily="18" charset="0"/>
-                      </a:rPr>
-                      <m:t>𝑎𝑐𝑡𝑖𝑣𝑎𝑡𝑖𝑜𝑛</m:t>
-                    </m:r>
-                    <m:r>
-                      <a:rPr lang="fr-FR" sz="1000" b="0" i="1" smtClean="0">
-                        <a:latin typeface="Cambria Math" panose="02040503050406030204" pitchFamily="18" charset="0"/>
-                      </a:rPr>
-                      <m:t>_</m:t>
-                    </m:r>
-                    <m:r>
-                      <a:rPr lang="fr-FR" sz="1000" b="0" i="1" smtClean="0">
-                        <a:latin typeface="Cambria Math" panose="02040503050406030204" pitchFamily="18" charset="0"/>
-                      </a:rPr>
-                      <m:t>𝑣𝑎𝑙𝑢</m:t>
-                    </m:r>
+                    <m:borderBox>
+                      <m:borderBoxPr>
+                        <m:ctrlPr>
+                          <a:rPr lang="fr-FR" sz="1800" i="1" smtClean="0">
+                            <a:solidFill>
+                              <a:srgbClr val="44546A"/>
+                            </a:solidFill>
+                            <a:effectLst/>
+                            <a:latin typeface="Cambria Math" panose="02040503050406030204" pitchFamily="18" charset="0"/>
+                          </a:rPr>
+                        </m:ctrlPr>
+                      </m:borderBoxPr>
+                      <m:e>
+                        <m:f>
+                          <m:fPr>
+                            <m:ctrlPr>
+                              <a:rPr lang="fr-FR" sz="1800" i="1">
+                                <a:solidFill>
+                                  <a:srgbClr val="44546A"/>
+                                </a:solidFill>
+                                <a:effectLst/>
+                                <a:latin typeface="Cambria Math" panose="02040503050406030204" pitchFamily="18" charset="0"/>
+                              </a:rPr>
+                            </m:ctrlPr>
+                          </m:fPr>
+                          <m:num>
+                            <m:r>
+                              <a:rPr lang="fr-FR" sz="1800">
+                                <a:solidFill>
+                                  <a:srgbClr val="44546A"/>
+                                </a:solidFill>
+                                <a:effectLst/>
+                                <a:latin typeface="Cambria Math" panose="02040503050406030204" pitchFamily="18" charset="0"/>
+                              </a:rPr>
+                              <m:t>𝜕</m:t>
+                            </m:r>
+                            <m:sSub>
+                              <m:sSubPr>
+                                <m:ctrlPr>
+                                  <a:rPr lang="fr-FR" sz="1800" i="1">
+                                    <a:solidFill>
+                                      <a:srgbClr val="44546A"/>
+                                    </a:solidFill>
+                                    <a:effectLst/>
+                                    <a:latin typeface="Cambria Math" panose="02040503050406030204" pitchFamily="18" charset="0"/>
+                                  </a:rPr>
+                                </m:ctrlPr>
+                              </m:sSubPr>
+                              <m:e>
+                                <m:r>
+                                  <a:rPr lang="fr-FR" sz="1800">
+                                    <a:solidFill>
+                                      <a:srgbClr val="44546A"/>
+                                    </a:solidFill>
+                                    <a:effectLst/>
+                                    <a:latin typeface="Cambria Math" panose="02040503050406030204" pitchFamily="18" charset="0"/>
+                                  </a:rPr>
+                                  <m:t>𝐶</m:t>
+                                </m:r>
+                              </m:e>
+                              <m:sub>
+                                <m:r>
+                                  <a:rPr lang="fr-FR" sz="1800">
+                                    <a:solidFill>
+                                      <a:srgbClr val="44546A"/>
+                                    </a:solidFill>
+                                    <a:effectLst/>
+                                    <a:latin typeface="Cambria Math" panose="02040503050406030204" pitchFamily="18" charset="0"/>
+                                  </a:rPr>
+                                  <m:t>/</m:t>
+                                </m:r>
+                                <m:r>
+                                  <a:rPr lang="fr-FR" sz="1800">
+                                    <a:solidFill>
+                                      <a:srgbClr val="44546A"/>
+                                    </a:solidFill>
+                                    <a:effectLst/>
+                                    <a:latin typeface="Cambria Math" panose="02040503050406030204" pitchFamily="18" charset="0"/>
+                                  </a:rPr>
+                                  <m:t>𝑖𝑚𝑎𝑔𝑒</m:t>
+                                </m:r>
+                              </m:sub>
+                            </m:sSub>
+                          </m:num>
+                          <m:den>
+                            <m:r>
+                              <a:rPr lang="fr-FR" sz="1800">
+                                <a:solidFill>
+                                  <a:srgbClr val="44546A"/>
+                                </a:solidFill>
+                                <a:effectLst/>
+                                <a:latin typeface="Cambria Math" panose="02040503050406030204" pitchFamily="18" charset="0"/>
+                              </a:rPr>
+                              <m:t>𝜕</m:t>
+                            </m:r>
+                            <m:sSup>
+                              <m:sSupPr>
+                                <m:ctrlPr>
+                                  <a:rPr lang="fr-FR" sz="1800" i="1" smtClean="0">
+                                    <a:solidFill>
+                                      <a:srgbClr val="44546A"/>
+                                    </a:solidFill>
+                                    <a:effectLst/>
+                                    <a:latin typeface="Cambria Math" panose="02040503050406030204" pitchFamily="18" charset="0"/>
+                                  </a:rPr>
+                                </m:ctrlPr>
+                              </m:sSupPr>
+                              <m:e>
+                                <m:r>
+                                  <a:rPr lang="fr-FR" sz="1800" b="0" i="1" smtClean="0">
+                                    <a:solidFill>
+                                      <a:srgbClr val="44546A"/>
+                                    </a:solidFill>
+                                    <a:effectLst/>
+                                    <a:latin typeface="Cambria Math" panose="02040503050406030204" pitchFamily="18" charset="0"/>
+                                  </a:rPr>
+                                  <m:t>𝐵</m:t>
+                                </m:r>
+                              </m:e>
+                              <m:sup>
+                                <m:r>
+                                  <a:rPr lang="fr-FR" sz="1800" b="0" i="1" smtClean="0">
+                                    <a:solidFill>
+                                      <a:srgbClr val="44546A"/>
+                                    </a:solidFill>
+                                    <a:effectLst/>
+                                    <a:latin typeface="Cambria Math" panose="02040503050406030204" pitchFamily="18" charset="0"/>
+                                  </a:rPr>
+                                  <m:t>𝑖</m:t>
+                                </m:r>
+                              </m:sup>
+                            </m:sSup>
+                          </m:den>
+                        </m:f>
+                        <m:r>
+                          <a:rPr lang="fr-FR" sz="1800">
+                            <a:solidFill>
+                              <a:srgbClr val="44546A"/>
+                            </a:solidFill>
+                            <a:effectLst/>
+                            <a:latin typeface="Cambria Math" panose="02040503050406030204" pitchFamily="18" charset="0"/>
+                          </a:rPr>
+                          <m:t>=−</m:t>
+                        </m:r>
+                        <m:f>
+                          <m:fPr>
+                            <m:ctrlPr>
+                              <a:rPr lang="fr-FR" sz="1800" i="1">
+                                <a:solidFill>
+                                  <a:srgbClr val="44546A"/>
+                                </a:solidFill>
+                                <a:effectLst/>
+                                <a:latin typeface="Cambria Math" panose="02040503050406030204" pitchFamily="18" charset="0"/>
+                              </a:rPr>
+                            </m:ctrlPr>
+                          </m:fPr>
+                          <m:num>
+                            <m:r>
+                              <a:rPr lang="fr-FR" sz="1800">
+                                <a:solidFill>
+                                  <a:srgbClr val="44546A"/>
+                                </a:solidFill>
+                                <a:effectLst/>
+                                <a:latin typeface="Cambria Math" panose="02040503050406030204" pitchFamily="18" charset="0"/>
+                              </a:rPr>
+                              <m:t>𝜕</m:t>
+                            </m:r>
+                            <m:sSub>
+                              <m:sSubPr>
+                                <m:ctrlPr>
+                                  <a:rPr lang="fr-FR" sz="1800" i="1">
+                                    <a:solidFill>
+                                      <a:srgbClr val="44546A"/>
+                                    </a:solidFill>
+                                    <a:effectLst/>
+                                    <a:latin typeface="Cambria Math" panose="02040503050406030204" pitchFamily="18" charset="0"/>
+                                  </a:rPr>
+                                </m:ctrlPr>
+                              </m:sSubPr>
+                              <m:e>
+                                <m:r>
+                                  <a:rPr lang="fr-FR" sz="1800">
+                                    <a:solidFill>
+                                      <a:srgbClr val="44546A"/>
+                                    </a:solidFill>
+                                    <a:effectLst/>
+                                    <a:latin typeface="Cambria Math" panose="02040503050406030204" pitchFamily="18" charset="0"/>
+                                  </a:rPr>
+                                  <m:t>𝐶</m:t>
+                                </m:r>
+                              </m:e>
+                              <m:sub>
+                                <m:r>
+                                  <a:rPr lang="fr-FR" sz="1800" b="0" i="1" smtClean="0">
+                                    <a:solidFill>
+                                      <a:srgbClr val="44546A"/>
+                                    </a:solidFill>
+                                    <a:effectLst/>
+                                    <a:latin typeface="Cambria Math" panose="02040503050406030204" pitchFamily="18" charset="0"/>
+                                  </a:rPr>
+                                  <m:t>/</m:t>
+                                </m:r>
+                                <m:r>
+                                  <a:rPr lang="fr-FR" sz="1800" b="0" i="1" smtClean="0">
+                                    <a:solidFill>
+                                      <a:srgbClr val="44546A"/>
+                                    </a:solidFill>
+                                    <a:effectLst/>
+                                    <a:latin typeface="Cambria Math" panose="02040503050406030204" pitchFamily="18" charset="0"/>
+                                  </a:rPr>
+                                  <m:t>𝑖𝑚𝑎𝑔𝑒</m:t>
+                                </m:r>
+                              </m:sub>
+                            </m:sSub>
+                          </m:num>
+                          <m:den>
+                            <m:r>
+                              <a:rPr lang="fr-FR" sz="1800">
+                                <a:solidFill>
+                                  <a:srgbClr val="44546A"/>
+                                </a:solidFill>
+                                <a:effectLst/>
+                                <a:latin typeface="Cambria Math" panose="02040503050406030204" pitchFamily="18" charset="0"/>
+                              </a:rPr>
+                              <m:t>𝜕</m:t>
+                            </m:r>
+                            <m:sSup>
+                              <m:sSupPr>
+                                <m:ctrlPr>
+                                  <a:rPr lang="fr-FR" sz="1800" i="1" smtClean="0">
+                                    <a:solidFill>
+                                      <a:srgbClr val="44546A"/>
+                                    </a:solidFill>
+                                    <a:effectLst/>
+                                    <a:latin typeface="Cambria Math" panose="02040503050406030204" pitchFamily="18" charset="0"/>
+                                  </a:rPr>
+                                </m:ctrlPr>
+                              </m:sSupPr>
+                              <m:e>
+                                <m:r>
+                                  <a:rPr lang="fr-FR" sz="1800" b="0" i="1" smtClean="0">
+                                    <a:solidFill>
+                                      <a:srgbClr val="44546A"/>
+                                    </a:solidFill>
+                                    <a:effectLst/>
+                                    <a:latin typeface="Cambria Math" panose="02040503050406030204" pitchFamily="18" charset="0"/>
+                                  </a:rPr>
+                                  <m:t>𝐴</m:t>
+                                </m:r>
+                              </m:e>
+                              <m:sup>
+                                <m:r>
+                                  <a:rPr lang="fr-FR" sz="1800" b="0" i="1" smtClean="0">
+                                    <a:solidFill>
+                                      <a:srgbClr val="44546A"/>
+                                    </a:solidFill>
+                                    <a:effectLst/>
+                                    <a:latin typeface="Cambria Math" panose="02040503050406030204" pitchFamily="18" charset="0"/>
+                                  </a:rPr>
+                                  <m:t>𝑖</m:t>
+                                </m:r>
+                              </m:sup>
+                            </m:sSup>
+                          </m:den>
+                        </m:f>
+                        <m:r>
+                          <a:rPr lang="fr-FR" sz="1800">
+                            <a:solidFill>
+                              <a:srgbClr val="44546A"/>
+                            </a:solidFill>
+                            <a:effectLst/>
+                            <a:latin typeface="Cambria Math" panose="02040503050406030204" pitchFamily="18" charset="0"/>
+                          </a:rPr>
+                          <m:t>⊙</m:t>
+                        </m:r>
+                        <m:sSubSup>
+                          <m:sSubSupPr>
+                            <m:ctrlPr>
+                              <a:rPr lang="fr-FR" sz="1800" i="1">
+                                <a:solidFill>
+                                  <a:srgbClr val="44546A"/>
+                                </a:solidFill>
+                                <a:effectLst/>
+                                <a:latin typeface="Cambria Math" panose="02040503050406030204" pitchFamily="18" charset="0"/>
+                              </a:rPr>
+                            </m:ctrlPr>
+                          </m:sSubSupPr>
+                          <m:e>
+                            <m:r>
+                              <a:rPr lang="fr-FR" sz="1800">
+                                <a:solidFill>
+                                  <a:srgbClr val="44546A"/>
+                                </a:solidFill>
+                                <a:effectLst/>
+                                <a:latin typeface="Cambria Math" panose="02040503050406030204" pitchFamily="18" charset="0"/>
+                              </a:rPr>
+                              <m:t>𝑓</m:t>
+                            </m:r>
+                          </m:e>
+                          <m:sub>
+                            <m:r>
+                              <a:rPr lang="fr-FR" sz="1800">
+                                <a:solidFill>
+                                  <a:srgbClr val="44546A"/>
+                                </a:solidFill>
+                                <a:effectLst/>
+                                <a:latin typeface="Cambria Math" panose="02040503050406030204" pitchFamily="18" charset="0"/>
+                              </a:rPr>
+                              <m:t>𝑖</m:t>
+                            </m:r>
+                          </m:sub>
+                          <m:sup>
+                            <m:r>
+                              <a:rPr lang="fr-FR" sz="1800">
+                                <a:solidFill>
+                                  <a:srgbClr val="44546A"/>
+                                </a:solidFill>
+                                <a:effectLst/>
+                                <a:latin typeface="Cambria Math" panose="02040503050406030204" pitchFamily="18" charset="0"/>
+                              </a:rPr>
+                              <m:t>′</m:t>
+                            </m:r>
+                          </m:sup>
+                        </m:sSubSup>
+                        <m:d>
+                          <m:dPr>
+                            <m:ctrlPr>
+                              <a:rPr lang="fr-FR" sz="1800" i="1">
+                                <a:solidFill>
+                                  <a:srgbClr val="44546A"/>
+                                </a:solidFill>
+                                <a:effectLst/>
+                                <a:latin typeface="Cambria Math" panose="02040503050406030204" pitchFamily="18" charset="0"/>
+                              </a:rPr>
+                            </m:ctrlPr>
+                          </m:dPr>
+                          <m:e>
+                            <m:sSup>
+                              <m:sSupPr>
+                                <m:ctrlPr>
+                                  <a:rPr lang="fr-FR" sz="1800" i="1">
+                                    <a:solidFill>
+                                      <a:srgbClr val="44546A"/>
+                                    </a:solidFill>
+                                    <a:effectLst/>
+                                    <a:latin typeface="Cambria Math" panose="02040503050406030204" pitchFamily="18" charset="0"/>
+                                  </a:rPr>
+                                </m:ctrlPr>
+                              </m:sSupPr>
+                              <m:e>
+                                <m:r>
+                                  <a:rPr lang="fr-FR" sz="1800">
+                                    <a:solidFill>
+                                      <a:srgbClr val="44546A"/>
+                                    </a:solidFill>
+                                    <a:effectLst/>
+                                    <a:latin typeface="Cambria Math" panose="02040503050406030204" pitchFamily="18" charset="0"/>
+                                  </a:rPr>
+                                  <m:t>𝑍</m:t>
+                                </m:r>
+                              </m:e>
+                              <m:sup>
+                                <m:r>
+                                  <a:rPr lang="fr-FR" sz="1800">
+                                    <a:solidFill>
+                                      <a:srgbClr val="44546A"/>
+                                    </a:solidFill>
+                                    <a:effectLst/>
+                                    <a:latin typeface="Cambria Math" panose="02040503050406030204" pitchFamily="18" charset="0"/>
+                                  </a:rPr>
+                                  <m:t>𝑖</m:t>
+                                </m:r>
+                              </m:sup>
+                            </m:sSup>
+                          </m:e>
+                        </m:d>
+                        <m:r>
+                          <a:rPr lang="fr-FR" sz="1800" b="0" i="1" smtClean="0">
+                            <a:solidFill>
+                              <a:srgbClr val="44546A"/>
+                            </a:solidFill>
+                            <a:effectLst/>
+                            <a:latin typeface="Cambria Math" panose="02040503050406030204" pitchFamily="18" charset="0"/>
+                          </a:rPr>
+                          <m:t> (</m:t>
+                        </m:r>
+                        <m:r>
+                          <a:rPr lang="fr-FR" sz="1800" b="0" i="1" smtClean="0">
+                            <a:solidFill>
+                              <a:srgbClr val="44546A"/>
+                            </a:solidFill>
+                            <a:effectLst/>
+                            <a:latin typeface="Cambria Math" panose="02040503050406030204" pitchFamily="18" charset="0"/>
+                          </a:rPr>
+                          <m:t>𝑙</m:t>
+                        </m:r>
+                        <m:r>
+                          <a:rPr lang="fr-FR" sz="1800" b="0" i="1" smtClean="0">
+                            <a:solidFill>
+                              <a:srgbClr val="44546A"/>
+                            </a:solidFill>
+                            <a:effectLst/>
+                            <a:latin typeface="Cambria Math" panose="02040503050406030204" pitchFamily="18" charset="0"/>
+                          </a:rPr>
+                          <m:t>)</m:t>
+                        </m:r>
+                      </m:e>
+                    </m:borderBox>
                   </m:oMath>
                 </a14:m>
                 <a:r>
-                  <a:rPr lang="fr-FR" sz="1000" dirty="0" err="1"/>
-                  <a:t>e_i</a:t>
+                  <a:rPr lang="fr-FR" sz="1800" dirty="0">
+                    <a:solidFill>
+                      <a:srgbClr val="44546A"/>
+                    </a:solidFill>
+                    <a:effectLst/>
+                    <a:latin typeface="Cambria Math" panose="02040503050406030204" pitchFamily="18" charset="0"/>
+                  </a:rPr>
+                  <a:t> </a:t>
                 </a:r>
-                <a:r>
-                  <a:rPr lang="fr-FR" sz="1000" dirty="0"/>
-                  <a:t> = </a:t>
-                </a:r>
-                <a:r>
-                  <a:rPr lang="fr-FR" sz="1000" dirty="0" err="1"/>
-                  <a:t>pre_activation_value</a:t>
-                </a:r>
-                <a:r>
-                  <a:rPr lang="fr-FR" sz="1000" dirty="0"/>
-                  <a:t>(biais= variables[i][:][0] , </a:t>
-                </a:r>
-                <a:r>
-                  <a:rPr lang="fr-FR" sz="1000" dirty="0" err="1"/>
-                  <a:t>weights</a:t>
-                </a:r>
-                <a:r>
-                  <a:rPr lang="fr-FR" sz="1000" dirty="0"/>
-                  <a:t>=variables[i][:][1], values=variables[i][:][2])</a:t>
-                </a:r>
+                <a:endParaRPr lang="x-IV_mathan" i="1" dirty="0">
+                  <a:solidFill>
+                    <a:srgbClr val="44546A"/>
+                  </a:solidFill>
+                  <a:effectLst/>
+                  <a:latin typeface="Cambria Math" panose="02040503050406030204" pitchFamily="18" charset="0"/>
+                  <a:ea typeface="Cambria Math" panose="02040503050406030204" pitchFamily="18" charset="0"/>
+                </a:endParaRPr>
+              </a:p>
+              <a:p>
+                <a:pPr/>
+                <a14:m>
+                  <m:oMathPara xmlns:m="http://schemas.openxmlformats.org/officeDocument/2006/math">
+                    <m:oMathParaPr>
+                      <m:jc m:val="left"/>
+                    </m:oMathParaPr>
+                    <m:oMath xmlns:m="http://schemas.openxmlformats.org/officeDocument/2006/math">
+                      <m:borderBox>
+                        <m:borderBoxPr>
+                          <m:ctrlPr>
+                            <a:rPr lang="x-IV_mathan" i="1" smtClean="0">
+                              <a:solidFill>
+                                <a:srgbClr val="44546A"/>
+                              </a:solidFill>
+                              <a:effectLst/>
+                              <a:latin typeface="Cambria Math" panose="02040503050406030204" pitchFamily="18" charset="0"/>
+                              <a:ea typeface="Cambria Math" panose="02040503050406030204" pitchFamily="18" charset="0"/>
+                            </a:rPr>
+                          </m:ctrlPr>
+                        </m:borderBoxPr>
+                        <m:e>
+                          <m:f>
+                            <m:fPr>
+                              <m:ctrlPr>
+                                <a:rPr lang="x-IV_mathan" i="1">
+                                  <a:solidFill>
+                                    <a:srgbClr val="44546A"/>
+                                  </a:solidFill>
+                                  <a:effectLst/>
+                                  <a:latin typeface="Cambria Math" panose="02040503050406030204" pitchFamily="18" charset="0"/>
+                                  <a:ea typeface="Cambria Math" panose="02040503050406030204" pitchFamily="18" charset="0"/>
+                                </a:rPr>
+                              </m:ctrlPr>
+                            </m:fPr>
+                            <m:num>
+                              <m:r>
+                                <a:rPr lang="x-IV_mathan">
+                                  <a:solidFill>
+                                    <a:srgbClr val="44546A"/>
+                                  </a:solidFill>
+                                  <a:effectLst/>
+                                  <a:latin typeface="Cambria Math" panose="02040503050406030204" pitchFamily="18" charset="0"/>
+                                  <a:ea typeface="Cambria Math" panose="02040503050406030204" pitchFamily="18" charset="0"/>
+                                </a:rPr>
+                                <m:t>𝜕</m:t>
+                              </m:r>
+                              <m:sSub>
+                                <m:sSubPr>
+                                  <m:ctrlPr>
+                                    <a:rPr lang="x-IV_mathan" i="1">
+                                      <a:solidFill>
+                                        <a:srgbClr val="44546A"/>
+                                      </a:solidFill>
+                                      <a:effectLst/>
+                                      <a:latin typeface="Cambria Math" panose="02040503050406030204" pitchFamily="18" charset="0"/>
+                                      <a:ea typeface="Cambria Math" panose="02040503050406030204" pitchFamily="18" charset="0"/>
+                                    </a:rPr>
+                                  </m:ctrlPr>
+                                </m:sSubPr>
+                                <m:e>
+                                  <m:r>
+                                    <a:rPr lang="x-IV_mathan">
+                                      <a:solidFill>
+                                        <a:srgbClr val="44546A"/>
+                                      </a:solidFill>
+                                      <a:effectLst/>
+                                      <a:latin typeface="Cambria Math" panose="02040503050406030204" pitchFamily="18" charset="0"/>
+                                      <a:ea typeface="Cambria Math" panose="02040503050406030204" pitchFamily="18" charset="0"/>
+                                    </a:rPr>
+                                    <m:t>𝐶</m:t>
+                                  </m:r>
+                                </m:e>
+                                <m:sub>
+                                  <m:r>
+                                    <a:rPr lang="x-IV_mathan">
+                                      <a:solidFill>
+                                        <a:srgbClr val="44546A"/>
+                                      </a:solidFill>
+                                      <a:effectLst/>
+                                      <a:latin typeface="Cambria Math" panose="02040503050406030204" pitchFamily="18" charset="0"/>
+                                      <a:ea typeface="Cambria Math" panose="02040503050406030204" pitchFamily="18" charset="0"/>
+                                    </a:rPr>
+                                    <m:t>/</m:t>
+                                  </m:r>
+                                  <m:r>
+                                    <a:rPr lang="x-IV_mathan">
+                                      <a:solidFill>
+                                        <a:srgbClr val="44546A"/>
+                                      </a:solidFill>
+                                      <a:effectLst/>
+                                      <a:latin typeface="Cambria Math" panose="02040503050406030204" pitchFamily="18" charset="0"/>
+                                      <a:ea typeface="Cambria Math" panose="02040503050406030204" pitchFamily="18" charset="0"/>
+                                    </a:rPr>
+                                    <m:t>𝑖𝑚𝑎𝑔𝑒</m:t>
+                                  </m:r>
+                                </m:sub>
+                              </m:sSub>
+                            </m:num>
+                            <m:den>
+                              <m:r>
+                                <a:rPr lang="x-IV_mathan">
+                                  <a:solidFill>
+                                    <a:srgbClr val="44546A"/>
+                                  </a:solidFill>
+                                  <a:effectLst/>
+                                  <a:latin typeface="Cambria Math" panose="02040503050406030204" pitchFamily="18" charset="0"/>
+                                  <a:ea typeface="Cambria Math" panose="02040503050406030204" pitchFamily="18" charset="0"/>
+                                </a:rPr>
+                                <m:t>𝜕</m:t>
+                              </m:r>
+                              <m:sSup>
+                                <m:sSupPr>
+                                  <m:ctrlPr>
+                                    <a:rPr lang="x-IV_mathan" i="1" smtClean="0">
+                                      <a:solidFill>
+                                        <a:srgbClr val="44546A"/>
+                                      </a:solidFill>
+                                      <a:effectLst/>
+                                      <a:latin typeface="Cambria Math" panose="02040503050406030204" pitchFamily="18" charset="0"/>
+                                      <a:ea typeface="Cambria Math" panose="02040503050406030204" pitchFamily="18" charset="0"/>
+                                    </a:rPr>
+                                  </m:ctrlPr>
+                                </m:sSupPr>
+                                <m:e>
+                                  <m:r>
+                                    <a:rPr lang="fr-FR" b="0" i="1" smtClean="0">
+                                      <a:solidFill>
+                                        <a:srgbClr val="44546A"/>
+                                      </a:solidFill>
+                                      <a:effectLst/>
+                                      <a:latin typeface="Cambria Math" panose="02040503050406030204" pitchFamily="18" charset="0"/>
+                                      <a:ea typeface="Cambria Math" panose="02040503050406030204" pitchFamily="18" charset="0"/>
+                                    </a:rPr>
+                                    <m:t>𝑊</m:t>
+                                  </m:r>
+                                </m:e>
+                                <m:sup>
+                                  <m:r>
+                                    <a:rPr lang="fr-FR" b="0" i="1" smtClean="0">
+                                      <a:solidFill>
+                                        <a:srgbClr val="44546A"/>
+                                      </a:solidFill>
+                                      <a:effectLst/>
+                                      <a:latin typeface="Cambria Math" panose="02040503050406030204" pitchFamily="18" charset="0"/>
+                                      <a:ea typeface="Cambria Math" panose="02040503050406030204" pitchFamily="18" charset="0"/>
+                                    </a:rPr>
+                                    <m:t>𝑖</m:t>
+                                  </m:r>
+                                </m:sup>
+                              </m:sSup>
+                            </m:den>
+                          </m:f>
+                          <m:r>
+                            <a:rPr lang="x-IV_mathan">
+                              <a:solidFill>
+                                <a:srgbClr val="44546A"/>
+                              </a:solidFill>
+                              <a:effectLst/>
+                              <a:latin typeface="Cambria Math" panose="02040503050406030204" pitchFamily="18" charset="0"/>
+                              <a:ea typeface="Cambria Math" panose="02040503050406030204" pitchFamily="18" charset="0"/>
+                            </a:rPr>
+                            <m:t>=−</m:t>
+                          </m:r>
+                          <m:sSup>
+                            <m:sSupPr>
+                              <m:ctrlPr>
+                                <a:rPr lang="x-IV_mathan" i="1">
+                                  <a:solidFill>
+                                    <a:srgbClr val="44546A"/>
+                                  </a:solidFill>
+                                  <a:latin typeface="Cambria Math" panose="02040503050406030204" pitchFamily="18" charset="0"/>
+                                  <a:ea typeface="Cambria Math" panose="02040503050406030204" pitchFamily="18" charset="0"/>
+                                </a:rPr>
+                              </m:ctrlPr>
+                            </m:sSupPr>
+                            <m:e>
+                              <m:d>
+                                <m:dPr>
+                                  <m:ctrlPr>
+                                    <a:rPr lang="x-IV_mathan" i="1">
+                                      <a:solidFill>
+                                        <a:srgbClr val="44546A"/>
+                                      </a:solidFill>
+                                      <a:latin typeface="Cambria Math" panose="02040503050406030204" pitchFamily="18" charset="0"/>
+                                      <a:ea typeface="Cambria Math" panose="02040503050406030204" pitchFamily="18" charset="0"/>
+                                    </a:rPr>
+                                  </m:ctrlPr>
+                                </m:dPr>
+                                <m:e>
+                                  <m:sSup>
+                                    <m:sSupPr>
+                                      <m:ctrlPr>
+                                        <a:rPr lang="x-IV_mathan" i="1">
+                                          <a:solidFill>
+                                            <a:srgbClr val="44546A"/>
+                                          </a:solidFill>
+                                          <a:latin typeface="Cambria Math" panose="02040503050406030204" pitchFamily="18" charset="0"/>
+                                          <a:ea typeface="Cambria Math" panose="02040503050406030204" pitchFamily="18" charset="0"/>
+                                        </a:rPr>
+                                      </m:ctrlPr>
+                                    </m:sSupPr>
+                                    <m:e>
+                                      <m:r>
+                                        <a:rPr lang="x-IV_mathan">
+                                          <a:solidFill>
+                                            <a:srgbClr val="44546A"/>
+                                          </a:solidFill>
+                                          <a:latin typeface="Cambria Math" panose="02040503050406030204" pitchFamily="18" charset="0"/>
+                                          <a:ea typeface="Cambria Math" panose="02040503050406030204" pitchFamily="18" charset="0"/>
+                                        </a:rPr>
+                                        <m:t>𝐴</m:t>
+                                      </m:r>
+                                    </m:e>
+                                    <m:sup>
+                                      <m:r>
+                                        <a:rPr lang="x-IV_mathan">
+                                          <a:solidFill>
+                                            <a:srgbClr val="44546A"/>
+                                          </a:solidFill>
+                                          <a:latin typeface="Cambria Math" panose="02040503050406030204" pitchFamily="18" charset="0"/>
+                                          <a:ea typeface="Cambria Math" panose="02040503050406030204" pitchFamily="18" charset="0"/>
+                                        </a:rPr>
+                                        <m:t>𝑖</m:t>
+                                      </m:r>
+                                      <m:r>
+                                        <a:rPr lang="x-IV_mathan">
+                                          <a:solidFill>
+                                            <a:srgbClr val="44546A"/>
+                                          </a:solidFill>
+                                          <a:latin typeface="Cambria Math" panose="02040503050406030204" pitchFamily="18" charset="0"/>
+                                          <a:ea typeface="Cambria Math" panose="02040503050406030204" pitchFamily="18" charset="0"/>
+                                        </a:rPr>
+                                        <m:t>−1</m:t>
+                                      </m:r>
+                                    </m:sup>
+                                  </m:sSup>
+                                </m:e>
+                              </m:d>
+                            </m:e>
+                            <m:sup>
+                              <m:r>
+                                <a:rPr lang="x-IV_mathan">
+                                  <a:solidFill>
+                                    <a:srgbClr val="44546A"/>
+                                  </a:solidFill>
+                                  <a:latin typeface="Cambria Math" panose="02040503050406030204" pitchFamily="18" charset="0"/>
+                                  <a:ea typeface="Cambria Math" panose="02040503050406030204" pitchFamily="18" charset="0"/>
+                                </a:rPr>
+                                <m:t>𝑇</m:t>
+                              </m:r>
+                            </m:sup>
+                          </m:sSup>
+                          <m:r>
+                            <a:rPr lang="fr-FR" b="0" i="1" smtClean="0">
+                              <a:solidFill>
+                                <a:srgbClr val="44546A"/>
+                              </a:solidFill>
+                              <a:effectLst/>
+                              <a:latin typeface="Cambria Math" panose="02040503050406030204" pitchFamily="18" charset="0"/>
+                              <a:ea typeface="Cambria Math" panose="02040503050406030204" pitchFamily="18" charset="0"/>
+                            </a:rPr>
+                            <m:t>∗</m:t>
+                          </m:r>
+                          <m:f>
+                            <m:fPr>
+                              <m:ctrlPr>
+                                <a:rPr lang="x-IV_mathan" i="1">
+                                  <a:solidFill>
+                                    <a:srgbClr val="44546A"/>
+                                  </a:solidFill>
+                                  <a:effectLst/>
+                                  <a:latin typeface="Cambria Math" panose="02040503050406030204" pitchFamily="18" charset="0"/>
+                                  <a:ea typeface="Cambria Math" panose="02040503050406030204" pitchFamily="18" charset="0"/>
+                                </a:rPr>
+                              </m:ctrlPr>
+                            </m:fPr>
+                            <m:num>
+                              <m:r>
+                                <a:rPr lang="x-IV_mathan">
+                                  <a:solidFill>
+                                    <a:srgbClr val="44546A"/>
+                                  </a:solidFill>
+                                  <a:effectLst/>
+                                  <a:latin typeface="Cambria Math" panose="02040503050406030204" pitchFamily="18" charset="0"/>
+                                  <a:ea typeface="Cambria Math" panose="02040503050406030204" pitchFamily="18" charset="0"/>
+                                </a:rPr>
+                                <m:t>𝜕</m:t>
+                              </m:r>
+                              <m:sSub>
+                                <m:sSubPr>
+                                  <m:ctrlPr>
+                                    <a:rPr lang="x-IV_mathan" i="1">
+                                      <a:solidFill>
+                                        <a:srgbClr val="44546A"/>
+                                      </a:solidFill>
+                                      <a:effectLst/>
+                                      <a:latin typeface="Cambria Math" panose="02040503050406030204" pitchFamily="18" charset="0"/>
+                                      <a:ea typeface="Cambria Math" panose="02040503050406030204" pitchFamily="18" charset="0"/>
+                                    </a:rPr>
+                                  </m:ctrlPr>
+                                </m:sSubPr>
+                                <m:e>
+                                  <m:r>
+                                    <a:rPr lang="x-IV_mathan">
+                                      <a:solidFill>
+                                        <a:srgbClr val="44546A"/>
+                                      </a:solidFill>
+                                      <a:effectLst/>
+                                      <a:latin typeface="Cambria Math" panose="02040503050406030204" pitchFamily="18" charset="0"/>
+                                      <a:ea typeface="Cambria Math" panose="02040503050406030204" pitchFamily="18" charset="0"/>
+                                    </a:rPr>
+                                    <m:t>𝐶</m:t>
+                                  </m:r>
+                                </m:e>
+                                <m:sub>
+                                  <m:r>
+                                    <a:rPr lang="fr-FR" b="0" i="1" smtClean="0">
+                                      <a:solidFill>
+                                        <a:srgbClr val="44546A"/>
+                                      </a:solidFill>
+                                      <a:effectLst/>
+                                      <a:latin typeface="Cambria Math" panose="02040503050406030204" pitchFamily="18" charset="0"/>
+                                      <a:ea typeface="Cambria Math" panose="02040503050406030204" pitchFamily="18" charset="0"/>
+                                    </a:rPr>
+                                    <m:t>/</m:t>
+                                  </m:r>
+                                  <m:r>
+                                    <a:rPr lang="fr-FR" b="0" i="1" smtClean="0">
+                                      <a:solidFill>
+                                        <a:srgbClr val="44546A"/>
+                                      </a:solidFill>
+                                      <a:effectLst/>
+                                      <a:latin typeface="Cambria Math" panose="02040503050406030204" pitchFamily="18" charset="0"/>
+                                      <a:ea typeface="Cambria Math" panose="02040503050406030204" pitchFamily="18" charset="0"/>
+                                    </a:rPr>
+                                    <m:t>𝑖𝑚𝑎𝑔𝑒</m:t>
+                                  </m:r>
+                                </m:sub>
+                              </m:sSub>
+                            </m:num>
+                            <m:den>
+                              <m:r>
+                                <a:rPr lang="x-IV_mathan">
+                                  <a:solidFill>
+                                    <a:srgbClr val="44546A"/>
+                                  </a:solidFill>
+                                  <a:effectLst/>
+                                  <a:latin typeface="Cambria Math" panose="02040503050406030204" pitchFamily="18" charset="0"/>
+                                  <a:ea typeface="Cambria Math" panose="02040503050406030204" pitchFamily="18" charset="0"/>
+                                </a:rPr>
+                                <m:t>𝜕</m:t>
+                              </m:r>
+                              <m:sSup>
+                                <m:sSupPr>
+                                  <m:ctrlPr>
+                                    <a:rPr lang="x-IV_mathan" i="1" smtClean="0">
+                                      <a:solidFill>
+                                        <a:srgbClr val="44546A"/>
+                                      </a:solidFill>
+                                      <a:effectLst/>
+                                      <a:latin typeface="Cambria Math" panose="02040503050406030204" pitchFamily="18" charset="0"/>
+                                      <a:ea typeface="Cambria Math" panose="02040503050406030204" pitchFamily="18" charset="0"/>
+                                    </a:rPr>
+                                  </m:ctrlPr>
+                                </m:sSupPr>
+                                <m:e>
+                                  <m:r>
+                                    <a:rPr lang="fr-FR" b="0" i="1" smtClean="0">
+                                      <a:solidFill>
+                                        <a:srgbClr val="44546A"/>
+                                      </a:solidFill>
+                                      <a:effectLst/>
+                                      <a:latin typeface="Cambria Math" panose="02040503050406030204" pitchFamily="18" charset="0"/>
+                                      <a:ea typeface="Cambria Math" panose="02040503050406030204" pitchFamily="18" charset="0"/>
+                                    </a:rPr>
+                                    <m:t>𝐵</m:t>
+                                  </m:r>
+                                </m:e>
+                                <m:sup>
+                                  <m:r>
+                                    <a:rPr lang="fr-FR" b="0" i="1" smtClean="0">
+                                      <a:solidFill>
+                                        <a:srgbClr val="44546A"/>
+                                      </a:solidFill>
+                                      <a:effectLst/>
+                                      <a:latin typeface="Cambria Math" panose="02040503050406030204" pitchFamily="18" charset="0"/>
+                                      <a:ea typeface="Cambria Math" panose="02040503050406030204" pitchFamily="18" charset="0"/>
+                                    </a:rPr>
+                                    <m:t>𝑖</m:t>
+                                  </m:r>
+                                </m:sup>
+                              </m:sSup>
+                            </m:den>
+                          </m:f>
+                          <m:r>
+                            <a:rPr lang="fr-FR" b="0" i="1" smtClean="0">
+                              <a:solidFill>
+                                <a:srgbClr val="44546A"/>
+                              </a:solidFill>
+                              <a:effectLst/>
+                              <a:latin typeface="Cambria Math" panose="02040503050406030204" pitchFamily="18" charset="0"/>
+                              <a:ea typeface="Cambria Math" panose="02040503050406030204" pitchFamily="18" charset="0"/>
+                            </a:rPr>
+                            <m:t> (</m:t>
+                          </m:r>
+                          <m:r>
+                            <a:rPr lang="fr-FR" b="0" i="1" smtClean="0">
+                              <a:solidFill>
+                                <a:srgbClr val="44546A"/>
+                              </a:solidFill>
+                              <a:effectLst/>
+                              <a:latin typeface="Cambria Math" panose="02040503050406030204" pitchFamily="18" charset="0"/>
+                              <a:ea typeface="Cambria Math" panose="02040503050406030204" pitchFamily="18" charset="0"/>
+                            </a:rPr>
+                            <m:t>𝑙</m:t>
+                          </m:r>
+                          <m:r>
+                            <a:rPr lang="fr-FR" b="0" i="1" smtClean="0">
+                              <a:solidFill>
+                                <a:srgbClr val="44546A"/>
+                              </a:solidFill>
+                              <a:effectLst/>
+                              <a:latin typeface="Cambria Math" panose="02040503050406030204" pitchFamily="18" charset="0"/>
+                              <a:ea typeface="Cambria Math" panose="02040503050406030204" pitchFamily="18" charset="0"/>
+                            </a:rPr>
+                            <m:t>)</m:t>
+                          </m:r>
+                        </m:e>
+                      </m:borderBox>
+                    </m:oMath>
+                  </m:oMathPara>
+                </a14:m>
+                <a:endParaRPr lang="fr-FR" sz="1800" dirty="0">
+                  <a:solidFill>
+                    <a:srgbClr val="44546A"/>
+                  </a:solidFill>
+                  <a:effectLst/>
+                  <a:latin typeface="Cambria Math" panose="02040503050406030204" pitchFamily="18" charset="0"/>
+                </a:endParaRPr>
+              </a:p>
+              <a:p>
+                <a:pPr/>
+                <a14:m>
+                  <m:oMathPara xmlns:m="http://schemas.openxmlformats.org/officeDocument/2006/math">
+                    <m:oMathParaPr>
+                      <m:jc m:val="left"/>
+                    </m:oMathParaPr>
+                    <m:oMath xmlns:m="http://schemas.openxmlformats.org/officeDocument/2006/math">
+                      <m:borderBox>
+                        <m:borderBoxPr>
+                          <m:ctrlPr>
+                            <a:rPr lang="fr-FR" sz="1800" i="1" smtClean="0">
+                              <a:solidFill>
+                                <a:srgbClr val="44546A"/>
+                              </a:solidFill>
+                              <a:effectLst/>
+                              <a:latin typeface="Cambria Math" panose="02040503050406030204" pitchFamily="18" charset="0"/>
+                            </a:rPr>
+                          </m:ctrlPr>
+                        </m:borderBoxPr>
+                        <m:e>
+                          <m:f>
+                            <m:fPr>
+                              <m:ctrlPr>
+                                <a:rPr lang="fr-FR" sz="1800" i="1">
+                                  <a:solidFill>
+                                    <a:srgbClr val="44546A"/>
+                                  </a:solidFill>
+                                  <a:effectLst/>
+                                  <a:latin typeface="Cambria Math" panose="02040503050406030204" pitchFamily="18" charset="0"/>
+                                </a:rPr>
+                              </m:ctrlPr>
+                            </m:fPr>
+                            <m:num>
+                              <m:r>
+                                <a:rPr lang="fr-FR" sz="1800">
+                                  <a:solidFill>
+                                    <a:srgbClr val="44546A"/>
+                                  </a:solidFill>
+                                  <a:effectLst/>
+                                  <a:latin typeface="Cambria Math" panose="02040503050406030204" pitchFamily="18" charset="0"/>
+                                </a:rPr>
+                                <m:t>𝜕</m:t>
+                              </m:r>
+                              <m:sSub>
+                                <m:sSubPr>
+                                  <m:ctrlPr>
+                                    <a:rPr lang="fr-FR" sz="1800" i="1">
+                                      <a:solidFill>
+                                        <a:srgbClr val="44546A"/>
+                                      </a:solidFill>
+                                      <a:effectLst/>
+                                      <a:latin typeface="Cambria Math" panose="02040503050406030204" pitchFamily="18" charset="0"/>
+                                    </a:rPr>
+                                  </m:ctrlPr>
+                                </m:sSubPr>
+                                <m:e>
+                                  <m:r>
+                                    <a:rPr lang="fr-FR" sz="1800">
+                                      <a:solidFill>
+                                        <a:srgbClr val="44546A"/>
+                                      </a:solidFill>
+                                      <a:effectLst/>
+                                      <a:latin typeface="Cambria Math" panose="02040503050406030204" pitchFamily="18" charset="0"/>
+                                    </a:rPr>
+                                    <m:t>𝐶</m:t>
+                                  </m:r>
+                                </m:e>
+                                <m:sub>
+                                  <m:r>
+                                    <a:rPr lang="fr-FR" sz="1800">
+                                      <a:solidFill>
+                                        <a:srgbClr val="44546A"/>
+                                      </a:solidFill>
+                                      <a:effectLst/>
+                                      <a:latin typeface="Cambria Math" panose="02040503050406030204" pitchFamily="18" charset="0"/>
+                                    </a:rPr>
+                                    <m:t>/</m:t>
+                                  </m:r>
+                                  <m:r>
+                                    <a:rPr lang="fr-FR" sz="1800">
+                                      <a:solidFill>
+                                        <a:srgbClr val="44546A"/>
+                                      </a:solidFill>
+                                      <a:effectLst/>
+                                      <a:latin typeface="Cambria Math" panose="02040503050406030204" pitchFamily="18" charset="0"/>
+                                    </a:rPr>
+                                    <m:t>𝑖𝑚𝑎𝑔𝑒</m:t>
+                                  </m:r>
+                                </m:sub>
+                              </m:sSub>
+                            </m:num>
+                            <m:den>
+                              <m:r>
+                                <a:rPr lang="fr-FR" sz="1800">
+                                  <a:solidFill>
+                                    <a:srgbClr val="44546A"/>
+                                  </a:solidFill>
+                                  <a:effectLst/>
+                                  <a:latin typeface="Cambria Math" panose="02040503050406030204" pitchFamily="18" charset="0"/>
+                                </a:rPr>
+                                <m:t>𝜕</m:t>
+                              </m:r>
+                              <m:sSup>
+                                <m:sSupPr>
+                                  <m:ctrlPr>
+                                    <a:rPr lang="fr-FR" sz="1800" i="1" smtClean="0">
+                                      <a:solidFill>
+                                        <a:srgbClr val="44546A"/>
+                                      </a:solidFill>
+                                      <a:effectLst/>
+                                      <a:latin typeface="Cambria Math" panose="02040503050406030204" pitchFamily="18" charset="0"/>
+                                    </a:rPr>
+                                  </m:ctrlPr>
+                                </m:sSupPr>
+                                <m:e>
+                                  <m:r>
+                                    <a:rPr lang="fr-FR" sz="1800" b="0" i="1" smtClean="0">
+                                      <a:solidFill>
+                                        <a:srgbClr val="44546A"/>
+                                      </a:solidFill>
+                                      <a:effectLst/>
+                                      <a:latin typeface="Cambria Math" panose="02040503050406030204" pitchFamily="18" charset="0"/>
+                                    </a:rPr>
+                                    <m:t>𝐴</m:t>
+                                  </m:r>
+                                </m:e>
+                                <m:sup>
+                                  <m:r>
+                                    <a:rPr lang="fr-FR" sz="1800" b="0" i="1" smtClean="0">
+                                      <a:solidFill>
+                                        <a:srgbClr val="44546A"/>
+                                      </a:solidFill>
+                                      <a:effectLst/>
+                                      <a:latin typeface="Cambria Math" panose="02040503050406030204" pitchFamily="18" charset="0"/>
+                                    </a:rPr>
+                                    <m:t>𝑖</m:t>
+                                  </m:r>
+                                  <m:r>
+                                    <a:rPr lang="fr-FR" sz="1800" b="0" i="1" smtClean="0">
+                                      <a:solidFill>
+                                        <a:srgbClr val="44546A"/>
+                                      </a:solidFill>
+                                      <a:effectLst/>
+                                      <a:latin typeface="Cambria Math" panose="02040503050406030204" pitchFamily="18" charset="0"/>
+                                    </a:rPr>
+                                    <m:t>−1</m:t>
+                                  </m:r>
+                                </m:sup>
+                              </m:sSup>
+                            </m:den>
+                          </m:f>
+                          <m:r>
+                            <a:rPr lang="fr-FR" sz="1800">
+                              <a:solidFill>
+                                <a:srgbClr val="44546A"/>
+                              </a:solidFill>
+                              <a:effectLst/>
+                              <a:latin typeface="Cambria Math" panose="02040503050406030204" pitchFamily="18" charset="0"/>
+                            </a:rPr>
+                            <m:t>=</m:t>
+                          </m:r>
+                          <m:f>
+                            <m:fPr>
+                              <m:ctrlPr>
+                                <a:rPr lang="fr-FR" sz="1800" i="1">
+                                  <a:solidFill>
+                                    <a:srgbClr val="44546A"/>
+                                  </a:solidFill>
+                                  <a:effectLst/>
+                                  <a:latin typeface="Cambria Math" panose="02040503050406030204" pitchFamily="18" charset="0"/>
+                                </a:rPr>
+                              </m:ctrlPr>
+                            </m:fPr>
+                            <m:num>
+                              <m:r>
+                                <a:rPr lang="fr-FR" sz="1800">
+                                  <a:solidFill>
+                                    <a:srgbClr val="44546A"/>
+                                  </a:solidFill>
+                                  <a:effectLst/>
+                                  <a:latin typeface="Cambria Math" panose="02040503050406030204" pitchFamily="18" charset="0"/>
+                                </a:rPr>
+                                <m:t>𝜕</m:t>
+                              </m:r>
+                              <m:sSub>
+                                <m:sSubPr>
+                                  <m:ctrlPr>
+                                    <a:rPr lang="fr-FR" sz="1800" i="1">
+                                      <a:solidFill>
+                                        <a:srgbClr val="44546A"/>
+                                      </a:solidFill>
+                                      <a:effectLst/>
+                                      <a:latin typeface="Cambria Math" panose="02040503050406030204" pitchFamily="18" charset="0"/>
+                                    </a:rPr>
+                                  </m:ctrlPr>
+                                </m:sSubPr>
+                                <m:e>
+                                  <m:r>
+                                    <a:rPr lang="fr-FR" sz="1800">
+                                      <a:solidFill>
+                                        <a:srgbClr val="44546A"/>
+                                      </a:solidFill>
+                                      <a:effectLst/>
+                                      <a:latin typeface="Cambria Math" panose="02040503050406030204" pitchFamily="18" charset="0"/>
+                                    </a:rPr>
+                                    <m:t>𝐶</m:t>
+                                  </m:r>
+                                </m:e>
+                                <m:sub>
+                                  <m:r>
+                                    <a:rPr lang="fr-FR" sz="1800">
+                                      <a:solidFill>
+                                        <a:srgbClr val="44546A"/>
+                                      </a:solidFill>
+                                      <a:effectLst/>
+                                      <a:latin typeface="Cambria Math" panose="02040503050406030204" pitchFamily="18" charset="0"/>
+                                    </a:rPr>
+                                    <m:t>/</m:t>
+                                  </m:r>
+                                  <m:r>
+                                    <m:rPr>
+                                      <m:sty m:val="p"/>
+                                    </m:rPr>
+                                    <a:rPr lang="fr-FR" sz="1800">
+                                      <a:solidFill>
+                                        <a:srgbClr val="44546A"/>
+                                      </a:solidFill>
+                                      <a:effectLst/>
+                                      <a:latin typeface="Cambria Math" panose="02040503050406030204" pitchFamily="18" charset="0"/>
+                                    </a:rPr>
+                                    <m:t>image</m:t>
+                                  </m:r>
+                                </m:sub>
+                              </m:sSub>
+                            </m:num>
+                            <m:den>
+                              <m:r>
+                                <a:rPr lang="fr-FR" sz="1800">
+                                  <a:solidFill>
+                                    <a:srgbClr val="44546A"/>
+                                  </a:solidFill>
+                                  <a:effectLst/>
+                                  <a:latin typeface="Cambria Math" panose="02040503050406030204" pitchFamily="18" charset="0"/>
+                                </a:rPr>
+                                <m:t>𝜕</m:t>
+                              </m:r>
+                              <m:sSup>
+                                <m:sSupPr>
+                                  <m:ctrlPr>
+                                    <a:rPr lang="fr-FR" sz="1800" i="1" smtClean="0">
+                                      <a:solidFill>
+                                        <a:srgbClr val="44546A"/>
+                                      </a:solidFill>
+                                      <a:effectLst/>
+                                      <a:latin typeface="Cambria Math" panose="02040503050406030204" pitchFamily="18" charset="0"/>
+                                    </a:rPr>
+                                  </m:ctrlPr>
+                                </m:sSupPr>
+                                <m:e>
+                                  <m:r>
+                                    <a:rPr lang="fr-FR" sz="1800" b="0" i="1" smtClean="0">
+                                      <a:solidFill>
+                                        <a:srgbClr val="44546A"/>
+                                      </a:solidFill>
+                                      <a:effectLst/>
+                                      <a:latin typeface="Cambria Math" panose="02040503050406030204" pitchFamily="18" charset="0"/>
+                                    </a:rPr>
+                                    <m:t>𝐵</m:t>
+                                  </m:r>
+                                </m:e>
+                                <m:sup>
+                                  <m:r>
+                                    <a:rPr lang="fr-FR" sz="1800" b="0" i="1" smtClean="0">
+                                      <a:solidFill>
+                                        <a:srgbClr val="44546A"/>
+                                      </a:solidFill>
+                                      <a:effectLst/>
+                                      <a:latin typeface="Cambria Math" panose="02040503050406030204" pitchFamily="18" charset="0"/>
+                                    </a:rPr>
+                                    <m:t>𝑖</m:t>
+                                  </m:r>
+                                </m:sup>
+                              </m:sSup>
+                            </m:den>
+                          </m:f>
+                          <m:r>
+                            <a:rPr lang="fr-FR" sz="1800" b="0" i="1" smtClean="0">
+                              <a:solidFill>
+                                <a:srgbClr val="44546A"/>
+                              </a:solidFill>
+                              <a:effectLst/>
+                              <a:latin typeface="Cambria Math" panose="02040503050406030204" pitchFamily="18" charset="0"/>
+                            </a:rPr>
+                            <m:t>∗</m:t>
+                          </m:r>
+                          <m:sSup>
+                            <m:sSupPr>
+                              <m:ctrlPr>
+                                <a:rPr lang="fr-FR" sz="1800" b="0" i="1" smtClean="0">
+                                  <a:solidFill>
+                                    <a:srgbClr val="44546A"/>
+                                  </a:solidFill>
+                                  <a:effectLst/>
+                                  <a:latin typeface="Cambria Math" panose="02040503050406030204" pitchFamily="18" charset="0"/>
+                                </a:rPr>
+                              </m:ctrlPr>
+                            </m:sSupPr>
+                            <m:e>
+                              <m:r>
+                                <a:rPr lang="fr-FR" sz="1800" b="0" i="1" smtClean="0">
+                                  <a:solidFill>
+                                    <a:srgbClr val="44546A"/>
+                                  </a:solidFill>
+                                  <a:effectLst/>
+                                  <a:latin typeface="Cambria Math" panose="02040503050406030204" pitchFamily="18" charset="0"/>
+                                </a:rPr>
+                                <m:t>𝑊</m:t>
+                              </m:r>
+                            </m:e>
+                            <m:sup>
+                              <m:r>
+                                <a:rPr lang="fr-FR" sz="1800" b="0" i="1" smtClean="0">
+                                  <a:solidFill>
+                                    <a:srgbClr val="44546A"/>
+                                  </a:solidFill>
+                                  <a:effectLst/>
+                                  <a:latin typeface="Cambria Math" panose="02040503050406030204" pitchFamily="18" charset="0"/>
+                                </a:rPr>
+                                <m:t>𝑖</m:t>
+                              </m:r>
+                            </m:sup>
+                          </m:sSup>
+                          <m:r>
+                            <a:rPr lang="fr-FR" sz="1800" b="0" i="1" smtClean="0">
+                              <a:solidFill>
+                                <a:srgbClr val="44546A"/>
+                              </a:solidFill>
+                              <a:effectLst/>
+                              <a:latin typeface="Cambria Math" panose="02040503050406030204" pitchFamily="18" charset="0"/>
+                            </a:rPr>
+                            <m:t> (</m:t>
+                          </m:r>
+                          <m:r>
+                            <a:rPr lang="fr-FR" sz="1800" b="0" i="1" smtClean="0">
+                              <a:solidFill>
+                                <a:srgbClr val="44546A"/>
+                              </a:solidFill>
+                              <a:effectLst/>
+                              <a:latin typeface="Cambria Math" panose="02040503050406030204" pitchFamily="18" charset="0"/>
+                            </a:rPr>
+                            <m:t>𝑙</m:t>
+                          </m:r>
+                          <m:r>
+                            <a:rPr lang="fr-FR" sz="1800" b="0" i="1" smtClean="0">
+                              <a:solidFill>
+                                <a:srgbClr val="44546A"/>
+                              </a:solidFill>
+                              <a:effectLst/>
+                              <a:latin typeface="Cambria Math" panose="02040503050406030204" pitchFamily="18" charset="0"/>
+                            </a:rPr>
+                            <m:t>)</m:t>
+                          </m:r>
+                        </m:e>
+                      </m:borderBox>
+                    </m:oMath>
+                  </m:oMathPara>
+                </a14:m>
+                <a:endParaRPr lang="fr-FR" sz="1800" dirty="0">
+                  <a:solidFill>
+                    <a:srgbClr val="44546A"/>
+                  </a:solidFill>
+                  <a:effectLst/>
+                  <a:latin typeface="Cambria Math" panose="02040503050406030204" pitchFamily="18" charset="0"/>
+                </a:endParaRPr>
+              </a:p>
+              <a:p>
+                <a:pPr/>
+                <a:endParaRPr lang="fr-FR" sz="1800" dirty="0">
+                  <a:solidFill>
+                    <a:srgbClr val="44546A"/>
+                  </a:solidFill>
+                  <a:effectLst/>
+                  <a:latin typeface="Cambria Math" panose="02040503050406030204" pitchFamily="18" charset="0"/>
+                </a:endParaRPr>
+              </a:p>
+              <a:p>
+                <a:endParaRPr lang="fr-FR" sz="1000" dirty="0"/>
               </a:p>
             </p:txBody>
           </p:sp>
@@ -20273,8 +22577,8 @@
             </p:nvSpPr>
             <p:spPr>
               <a:xfrm>
-                <a:off x="5038090" y="1125322"/>
-                <a:ext cx="6765289" cy="394916"/>
+                <a:off x="4997450" y="73762"/>
+                <a:ext cx="6765289" cy="4889608"/>
               </a:xfrm>
               <a:prstGeom prst="rect">
                 <a:avLst/>
@@ -20282,7 +22586,7 @@
               <a:blipFill>
                 <a:blip r:embed="rId3"/>
                 <a:stretch>
-                  <a:fillRect l="-631" b="-18750"/>
+                  <a:fillRect l="-90"/>
                 </a:stretch>
               </a:blipFill>
             </p:spPr>
@@ -20366,8 +22670,8 @@
           <a:chExt cx="0" cy="0"/>
         </a:xfrm>
       </p:grpSpPr>
-      <mc:AlternateContent xmlns:mc="http://schemas.openxmlformats.org/markup-compatibility/2006">
-        <mc:Choice xmlns:a14="http://schemas.microsoft.com/office/drawing/2010/main" Requires="a14">
+      <mc:AlternateContent xmlns:mc="http://schemas.openxmlformats.org/markup-compatibility/2006" xmlns:a14="http://schemas.microsoft.com/office/drawing/2010/main">
+        <mc:Choice Requires="a14">
           <p:sp>
             <p:nvSpPr>
               <p:cNvPr id="4" name="ZoneTexte 3">
@@ -20383,7 +22687,7 @@
             <p:spPr>
               <a:xfrm>
                 <a:off x="731520" y="571500"/>
-                <a:ext cx="10035540" cy="4643131"/>
+                <a:ext cx="10035540" cy="8305672"/>
               </a:xfrm>
               <a:prstGeom prst="rect">
                 <a:avLst/>
@@ -20425,6 +22729,7 @@
                 </a:endParaRPr>
               </a:p>
               <a:p>
+                <a:pPr/>
                 <a14:m>
                   <m:oMathPara xmlns:m="http://schemas.openxmlformats.org/officeDocument/2006/math">
                     <m:oMathParaPr>
@@ -20512,6 +22817,7 @@
                 </a:endParaRPr>
               </a:p>
               <a:p>
+                <a:pPr/>
                 <a14:m>
                   <m:oMathPara xmlns:m="http://schemas.openxmlformats.org/officeDocument/2006/math">
                     <m:oMathParaPr>
@@ -20886,6 +23192,7 @@
                 </a:endParaRPr>
               </a:p>
               <a:p>
+                <a:pPr/>
                 <a14:m>
                   <m:oMathPara xmlns:m="http://schemas.openxmlformats.org/officeDocument/2006/math">
                     <m:oMathParaPr>
@@ -21034,7 +23341,6 @@
                 </a:endParaRPr>
               </a:p>
               <a:p>
-                <a:pPr/>
                 <a:endParaRPr lang="fr-FR" sz="1400" b="0" dirty="0">
                   <a:latin typeface="Cambria Math" panose="02040503050406030204" pitchFamily="18" charset="0"/>
                   <a:ea typeface="Cambria Math" panose="02040503050406030204" pitchFamily="18" charset="0"/>
@@ -21156,14 +23462,7 @@
                                         <a:latin typeface="Cambria Math" panose="02040503050406030204" pitchFamily="18" charset="0"/>
                                         <a:ea typeface="Cambria Math" panose="02040503050406030204" pitchFamily="18" charset="0"/>
                                       </a:rPr>
-                                      <m:t>1</m:t>
-                                    </m:r>
-                                    <m:r>
-                                      <a:rPr lang="fr-FR" sz="1400" b="0" i="1" smtClean="0">
-                                        <a:latin typeface="Cambria Math" panose="02040503050406030204" pitchFamily="18" charset="0"/>
-                                        <a:ea typeface="Cambria Math" panose="02040503050406030204" pitchFamily="18" charset="0"/>
-                                      </a:rPr>
-                                      <m:t>,0</m:t>
+                                      <m:t>1,0</m:t>
                                     </m:r>
                                   </m:sub>
                                   <m:sup>
@@ -21204,14 +23503,7 @@
                                         <a:latin typeface="Cambria Math" panose="02040503050406030204" pitchFamily="18" charset="0"/>
                                         <a:ea typeface="Cambria Math" panose="02040503050406030204" pitchFamily="18" charset="0"/>
                                       </a:rPr>
-                                      <m:t>0,</m:t>
-                                    </m:r>
-                                    <m:r>
-                                      <a:rPr lang="fr-FR" sz="1400" b="0" i="1" smtClean="0">
-                                        <a:latin typeface="Cambria Math" panose="02040503050406030204" pitchFamily="18" charset="0"/>
-                                        <a:ea typeface="Cambria Math" panose="02040503050406030204" pitchFamily="18" charset="0"/>
-                                      </a:rPr>
-                                      <m:t>1</m:t>
+                                      <m:t>0,1</m:t>
                                     </m:r>
                                   </m:sub>
                                   <m:sup>
@@ -21250,21 +23542,7 @@
                                         <a:latin typeface="Cambria Math" panose="02040503050406030204" pitchFamily="18" charset="0"/>
                                         <a:ea typeface="Cambria Math" panose="02040503050406030204" pitchFamily="18" charset="0"/>
                                       </a:rPr>
-                                      <m:t>1</m:t>
-                                    </m:r>
-                                    <m:r>
-                                      <a:rPr lang="fr-FR" sz="1400" b="0" i="1" smtClean="0">
-                                        <a:latin typeface="Cambria Math" panose="02040503050406030204" pitchFamily="18" charset="0"/>
-                                        <a:ea typeface="Cambria Math" panose="02040503050406030204" pitchFamily="18" charset="0"/>
-                                      </a:rPr>
-                                      <m:t>,</m:t>
-                                    </m:r>
-                                    <m:r>
-                                      <a:rPr lang="fr-FR" sz="1400" b="0" i="1" smtClean="0">
-                                        <a:latin typeface="Cambria Math" panose="02040503050406030204" pitchFamily="18" charset="0"/>
-                                        <a:ea typeface="Cambria Math" panose="02040503050406030204" pitchFamily="18" charset="0"/>
-                                      </a:rPr>
-                                      <m:t>1</m:t>
+                                      <m:t>1,1</m:t>
                                     </m:r>
                                   </m:sub>
                                   <m:sup>
@@ -21752,14 +24030,7 @@
                                   <a:latin typeface="Cambria Math" panose="02040503050406030204" pitchFamily="18" charset="0"/>
                                   <a:ea typeface="Cambria Math" panose="02040503050406030204" pitchFamily="18" charset="0"/>
                                 </a:rPr>
-                                <m:t>−</m:t>
-                              </m:r>
-                              <m:r>
-                                <a:rPr lang="fr-FR" sz="1400" b="0" i="1" smtClean="0">
-                                  <a:latin typeface="Cambria Math" panose="02040503050406030204" pitchFamily="18" charset="0"/>
-                                  <a:ea typeface="Cambria Math" panose="02040503050406030204" pitchFamily="18" charset="0"/>
-                                </a:rPr>
-                                <m:t>4</m:t>
+                                <m:t>−4</m:t>
                               </m:r>
                             </m:e>
                             <m:e>
@@ -21768,14 +24039,7 @@
                                   <a:latin typeface="Cambria Math" panose="02040503050406030204" pitchFamily="18" charset="0"/>
                                   <a:ea typeface="Cambria Math" panose="02040503050406030204" pitchFamily="18" charset="0"/>
                                 </a:rPr>
-                                <m:t>−</m:t>
-                              </m:r>
-                              <m:r>
-                                <a:rPr lang="fr-FR" sz="1400" b="0" i="1" smtClean="0">
-                                  <a:latin typeface="Cambria Math" panose="02040503050406030204" pitchFamily="18" charset="0"/>
-                                  <a:ea typeface="Cambria Math" panose="02040503050406030204" pitchFamily="18" charset="0"/>
-                                </a:rPr>
-                                <m:t>8</m:t>
+                                <m:t>−8</m:t>
                               </m:r>
                             </m:e>
                           </m:mr>
@@ -22700,7 +24964,7 @@
                         <m:begChr m:val="["/>
                         <m:endChr m:val="]"/>
                         <m:ctrlPr>
-                          <a:rPr lang="fr-FR" sz="1400" b="0" i="0" smtClean="0">
+                          <a:rPr lang="fr-FR" sz="1400" b="0" i="1" smtClean="0">
                             <a:latin typeface="Cambria Math" panose="02040503050406030204" pitchFamily="18" charset="0"/>
                             <a:ea typeface="Cambria Math" panose="02040503050406030204" pitchFamily="18" charset="0"/>
                           </a:rPr>
@@ -23112,15 +25376,132 @@
                     <a:latin typeface="Cambria Math" panose="02040503050406030204" pitchFamily="18" charset="0"/>
                     <a:ea typeface="Cambria Math" panose="02040503050406030204" pitchFamily="18" charset="0"/>
                   </a:rPr>
-                  <a:t> colonne). ce qui dans mon cas </a:t>
+                  <a:t> colonne). ce qui dans mon cas vaut </a:t>
                 </a:r>
+                <a14:m>
+                  <m:oMath xmlns:m="http://schemas.openxmlformats.org/officeDocument/2006/math">
+                    <m:r>
+                      <a:rPr lang="fr-FR" sz="1400" b="0" i="0" smtClean="0">
+                        <a:latin typeface="Cambria Math" panose="02040503050406030204" pitchFamily="18" charset="0"/>
+                        <a:ea typeface="Cambria Math" panose="02040503050406030204" pitchFamily="18" charset="0"/>
+                      </a:rPr>
+                      <m:t>[</m:t>
+                    </m:r>
+                    <m:m>
+                      <m:mPr>
+                        <m:mcs>
+                          <m:mc>
+                            <m:mcPr>
+                              <m:count m:val="2"/>
+                              <m:mcJc m:val="center"/>
+                            </m:mcPr>
+                          </m:mc>
+                        </m:mcs>
+                        <m:ctrlPr>
+                          <a:rPr lang="fr-FR" sz="1400" i="1" smtClean="0">
+                            <a:latin typeface="Cambria Math" panose="02040503050406030204" pitchFamily="18" charset="0"/>
+                            <a:ea typeface="Cambria Math" panose="02040503050406030204" pitchFamily="18" charset="0"/>
+                          </a:rPr>
+                        </m:ctrlPr>
+                      </m:mPr>
+                      <m:mr>
+                        <m:e>
+                          <m:r>
+                            <m:rPr>
+                              <m:brk m:alnAt="7"/>
+                            </m:rPr>
+                            <a:rPr lang="fr-FR" sz="1400" b="0" i="1" smtClean="0">
+                              <a:latin typeface="Cambria Math" panose="02040503050406030204" pitchFamily="18" charset="0"/>
+                              <a:ea typeface="Cambria Math" panose="02040503050406030204" pitchFamily="18" charset="0"/>
+                            </a:rPr>
+                            <m:t>3</m:t>
+                          </m:r>
+                        </m:e>
+                        <m:e>
+                          <m:r>
+                            <a:rPr lang="fr-FR" sz="1400" b="0" i="1" smtClean="0">
+                              <a:latin typeface="Cambria Math" panose="02040503050406030204" pitchFamily="18" charset="0"/>
+                              <a:ea typeface="Cambria Math" panose="02040503050406030204" pitchFamily="18" charset="0"/>
+                            </a:rPr>
+                            <m:t>7</m:t>
+                          </m:r>
+                        </m:e>
+                      </m:mr>
+                    </m:m>
+                    <m:r>
+                      <a:rPr lang="fr-FR" sz="1400" b="0" i="1" smtClean="0">
+                        <a:latin typeface="Cambria Math" panose="02040503050406030204" pitchFamily="18" charset="0"/>
+                        <a:ea typeface="Cambria Math" panose="02040503050406030204" pitchFamily="18" charset="0"/>
+                      </a:rPr>
+                      <m:t>.]</m:t>
+                    </m:r>
+                  </m:oMath>
+                </a14:m>
                 <a:r>
-                  <a:rPr lang="fr-FR" sz="1400">
+                  <a:rPr lang="fr-FR" sz="1400" dirty="0">
                     <a:latin typeface="Cambria Math" panose="02040503050406030204" pitchFamily="18" charset="0"/>
                     <a:ea typeface="Cambria Math" panose="02040503050406030204" pitchFamily="18" charset="0"/>
                   </a:rPr>
-                  <a:t>vaut </a:t>
+                  <a:t>. Ah </a:t>
                 </a:r>
+                <a:r>
+                  <a:rPr lang="fr-FR" sz="1400" dirty="0" err="1">
+                    <a:latin typeface="Cambria Math" panose="02040503050406030204" pitchFamily="18" charset="0"/>
+                    <a:ea typeface="Cambria Math" panose="02040503050406030204" pitchFamily="18" charset="0"/>
+                  </a:rPr>
+                  <a:t>ah</a:t>
+                </a:r>
+                <a:r>
+                  <a:rPr lang="fr-FR" sz="1400" dirty="0">
+                    <a:latin typeface="Cambria Math" panose="02040503050406030204" pitchFamily="18" charset="0"/>
+                    <a:ea typeface="Cambria Math" panose="02040503050406030204" pitchFamily="18" charset="0"/>
+                  </a:rPr>
+                  <a:t> ! </a:t>
+                </a:r>
+                <a:r>
+                  <a:rPr lang="fr-FR" sz="1400" dirty="0" err="1">
+                    <a:latin typeface="Cambria Math" panose="02040503050406030204" pitchFamily="18" charset="0"/>
+                    <a:ea typeface="Cambria Math" panose="02040503050406030204" pitchFamily="18" charset="0"/>
+                  </a:rPr>
+                  <a:t>sum</a:t>
+                </a:r>
+                <a:r>
+                  <a:rPr lang="fr-FR" sz="1400" dirty="0">
+                    <a:latin typeface="Cambria Math" panose="02040503050406030204" pitchFamily="18" charset="0"/>
+                    <a:ea typeface="Cambria Math" panose="02040503050406030204" pitchFamily="18" charset="0"/>
+                  </a:rPr>
+                  <a:t> par défaut somme </a:t>
+                </a:r>
+                <a:r>
+                  <a:rPr lang="fr-FR" sz="1400" dirty="0" err="1">
+                    <a:latin typeface="Cambria Math" panose="02040503050406030204" pitchFamily="18" charset="0"/>
+                    <a:ea typeface="Cambria Math" panose="02040503050406030204" pitchFamily="18" charset="0"/>
+                  </a:rPr>
+                  <a:t>ts</a:t>
+                </a:r>
+                <a:r>
+                  <a:rPr lang="fr-FR" sz="1400" dirty="0">
+                    <a:latin typeface="Cambria Math" panose="02040503050406030204" pitchFamily="18" charset="0"/>
+                    <a:ea typeface="Cambria Math" panose="02040503050406030204" pitchFamily="18" charset="0"/>
+                  </a:rPr>
+                  <a:t> ls éléments de la matrice, pas juste selon un axe. Faisons des tests </a:t>
+                </a:r>
+                <a:r>
+                  <a:rPr lang="fr-FR" sz="1400" dirty="0" err="1">
+                    <a:latin typeface="Cambria Math" panose="02040503050406030204" pitchFamily="18" charset="0"/>
+                    <a:ea typeface="Cambria Math" panose="02040503050406030204" pitchFamily="18" charset="0"/>
+                  </a:rPr>
+                  <a:t>pr</a:t>
+                </a:r>
+                <a:r>
+                  <a:rPr lang="fr-FR" sz="1400" dirty="0">
+                    <a:latin typeface="Cambria Math" panose="02040503050406030204" pitchFamily="18" charset="0"/>
+                    <a:ea typeface="Cambria Math" panose="02040503050406030204" pitchFamily="18" charset="0"/>
+                  </a:rPr>
+                  <a:t> déterminer comment obtenir le comportement que je cherche. axis = 1. Ok. Appliquons les modifications que cela implique dans mon code. C’est fait. </a:t>
+                </a:r>
+              </a:p>
+              <a:p>
                 <a:endParaRPr lang="fr-FR" sz="1400" dirty="0">
                   <a:latin typeface="Cambria Math" panose="02040503050406030204" pitchFamily="18" charset="0"/>
                   <a:ea typeface="Cambria Math" panose="02040503050406030204" pitchFamily="18" charset="0"/>
@@ -23132,10 +25513,97 @@
                   <a:ea typeface="Cambria Math" panose="02040503050406030204" pitchFamily="18" charset="0"/>
                 </a:endParaRPr>
               </a:p>
+              <a:p>
+                <a:endParaRPr lang="fr-FR" sz="1400" dirty="0">
+                  <a:latin typeface="Cambria Math" panose="02040503050406030204" pitchFamily="18" charset="0"/>
+                  <a:ea typeface="Cambria Math" panose="02040503050406030204" pitchFamily="18" charset="0"/>
+                </a:endParaRPr>
+              </a:p>
+              <a:p>
+                <a:endParaRPr lang="fr-FR" sz="1400" dirty="0">
+                  <a:latin typeface="Cambria Math" panose="02040503050406030204" pitchFamily="18" charset="0"/>
+                  <a:ea typeface="Cambria Math" panose="02040503050406030204" pitchFamily="18" charset="0"/>
+                </a:endParaRPr>
+              </a:p>
+              <a:p>
+                <a:endParaRPr lang="fr-FR" sz="1400" dirty="0">
+                  <a:latin typeface="Cambria Math" panose="02040503050406030204" pitchFamily="18" charset="0"/>
+                  <a:ea typeface="Cambria Math" panose="02040503050406030204" pitchFamily="18" charset="0"/>
+                </a:endParaRPr>
+              </a:p>
+              <a:p>
+                <a:endParaRPr lang="fr-FR" sz="1400" dirty="0">
+                  <a:latin typeface="Cambria Math" panose="02040503050406030204" pitchFamily="18" charset="0"/>
+                  <a:ea typeface="Cambria Math" panose="02040503050406030204" pitchFamily="18" charset="0"/>
+                </a:endParaRPr>
+              </a:p>
+              <a:p>
+                <a:endParaRPr lang="fr-FR" sz="1400" dirty="0">
+                  <a:latin typeface="Cambria Math" panose="02040503050406030204" pitchFamily="18" charset="0"/>
+                  <a:ea typeface="Cambria Math" panose="02040503050406030204" pitchFamily="18" charset="0"/>
+                </a:endParaRPr>
+              </a:p>
+              <a:p>
+                <a:endParaRPr lang="fr-FR" sz="1400" dirty="0">
+                  <a:latin typeface="Cambria Math" panose="02040503050406030204" pitchFamily="18" charset="0"/>
+                  <a:ea typeface="Cambria Math" panose="02040503050406030204" pitchFamily="18" charset="0"/>
+                </a:endParaRPr>
+              </a:p>
+              <a:p>
+                <a:endParaRPr lang="fr-FR" sz="1400" dirty="0">
+                  <a:latin typeface="Cambria Math" panose="02040503050406030204" pitchFamily="18" charset="0"/>
+                  <a:ea typeface="Cambria Math" panose="02040503050406030204" pitchFamily="18" charset="0"/>
+                </a:endParaRPr>
+              </a:p>
+              <a:p>
+                <a:endParaRPr lang="fr-FR" sz="1400" dirty="0">
+                  <a:latin typeface="Cambria Math" panose="02040503050406030204" pitchFamily="18" charset="0"/>
+                  <a:ea typeface="Cambria Math" panose="02040503050406030204" pitchFamily="18" charset="0"/>
+                </a:endParaRPr>
+              </a:p>
+              <a:p>
+                <a:endParaRPr lang="fr-FR" sz="1400" dirty="0">
+                  <a:latin typeface="Cambria Math" panose="02040503050406030204" pitchFamily="18" charset="0"/>
+                  <a:ea typeface="Cambria Math" panose="02040503050406030204" pitchFamily="18" charset="0"/>
+                </a:endParaRPr>
+              </a:p>
+              <a:p>
+                <a:endParaRPr lang="fr-FR" sz="1400" dirty="0">
+                  <a:latin typeface="Cambria Math" panose="02040503050406030204" pitchFamily="18" charset="0"/>
+                  <a:ea typeface="Cambria Math" panose="02040503050406030204" pitchFamily="18" charset="0"/>
+                </a:endParaRPr>
+              </a:p>
+              <a:p>
+                <a:endParaRPr lang="fr-FR" sz="1400" dirty="0">
+                  <a:latin typeface="Cambria Math" panose="02040503050406030204" pitchFamily="18" charset="0"/>
+                  <a:ea typeface="Cambria Math" panose="02040503050406030204" pitchFamily="18" charset="0"/>
+                </a:endParaRPr>
+              </a:p>
+              <a:p>
+                <a:endParaRPr lang="fr-FR" sz="1400" dirty="0">
+                  <a:latin typeface="Cambria Math" panose="02040503050406030204" pitchFamily="18" charset="0"/>
+                  <a:ea typeface="Cambria Math" panose="02040503050406030204" pitchFamily="18" charset="0"/>
+                </a:endParaRPr>
+              </a:p>
+              <a:p>
+                <a:r>
+                  <a:rPr lang="fr-FR" sz="1400" dirty="0">
+                    <a:latin typeface="Cambria Math" panose="02040503050406030204" pitchFamily="18" charset="0"/>
+                    <a:ea typeface="Cambria Math" panose="02040503050406030204" pitchFamily="18" charset="0"/>
+                  </a:rPr>
+                  <a:t>+</a:t>
+                </a:r>
+              </a:p>
+              <a:p>
+                <a:endParaRPr lang="fr-FR" sz="1400" dirty="0">
+                  <a:latin typeface="Cambria Math" panose="02040503050406030204" pitchFamily="18" charset="0"/>
+                  <a:ea typeface="Cambria Math" panose="02040503050406030204" pitchFamily="18" charset="0"/>
+                </a:endParaRPr>
+              </a:p>
             </p:txBody>
           </p:sp>
         </mc:Choice>
-        <mc:Fallback>
+        <mc:Fallback xmlns="">
           <p:sp>
             <p:nvSpPr>
               <p:cNvPr id="4" name="ZoneTexte 3">
@@ -23153,7 +25621,7 @@
             <p:spPr>
               <a:xfrm>
                 <a:off x="731520" y="571500"/>
-                <a:ext cx="10035540" cy="4643131"/>
+                <a:ext cx="10035540" cy="8305672"/>
               </a:xfrm>
               <a:prstGeom prst="rect">
                 <a:avLst/>
@@ -23161,7 +25629,7 @@
               <a:blipFill>
                 <a:blip r:embed="rId2"/>
                 <a:stretch>
-                  <a:fillRect l="-182" t="-394" r="-61"/>
+                  <a:fillRect l="-182" t="-220" r="-365"/>
                 </a:stretch>
               </a:blipFill>
             </p:spPr>
@@ -23184,6 +25652,555 @@
     <p:extLst>
       <p:ext uri="{BB962C8B-B14F-4D97-AF65-F5344CB8AC3E}">
         <p14:creationId xmlns:p14="http://schemas.microsoft.com/office/powerpoint/2010/main" val="1563685950"/>
+      </p:ext>
+    </p:extLst>
+  </p:cSld>
+  <p:clrMapOvr>
+    <a:masterClrMapping/>
+  </p:clrMapOvr>
+</p:sld>
+</file>
+
+<file path=ppt/slides/slide6.xml><?xml version="1.0" encoding="utf-8"?>
+<p:sld xmlns:a="http://schemas.openxmlformats.org/drawingml/2006/main" xmlns:r="http://schemas.openxmlformats.org/officeDocument/2006/relationships" xmlns:p="http://schemas.openxmlformats.org/presentationml/2006/main">
+  <p:cSld>
+    <p:spTree>
+      <p:nvGrpSpPr>
+        <p:cNvPr id="1" name=""/>
+        <p:cNvGrpSpPr/>
+        <p:nvPr/>
+      </p:nvGrpSpPr>
+      <p:grpSpPr>
+        <a:xfrm>
+          <a:off x="0" y="0"/>
+          <a:ext cx="0" cy="0"/>
+          <a:chOff x="0" y="0"/>
+          <a:chExt cx="0" cy="0"/>
+        </a:xfrm>
+      </p:grpSpPr>
+      <p:sp>
+        <p:nvSpPr>
+          <p:cNvPr id="5" name="ZoneTexte 4">
+            <a:extLst>
+              <a:ext uri="{FF2B5EF4-FFF2-40B4-BE49-F238E27FC236}">
+                <a16:creationId xmlns:a16="http://schemas.microsoft.com/office/drawing/2014/main" id="{C6A1AE18-43B8-C1E2-47A3-EA4A4DE19D4E}"/>
+              </a:ext>
+            </a:extLst>
+          </p:cNvPr>
+          <p:cNvSpPr txBox="1"/>
+          <p:nvPr/>
+        </p:nvSpPr>
+        <p:spPr>
+          <a:xfrm>
+            <a:off x="128335" y="154826"/>
+            <a:ext cx="6753727" cy="6740307"/>
+          </a:xfrm>
+          <a:prstGeom prst="rect">
+            <a:avLst/>
+          </a:prstGeom>
+          <a:noFill/>
+        </p:spPr>
+        <p:txBody>
+          <a:bodyPr wrap="square">
+            <a:spAutoFit/>
+          </a:bodyPr>
+          <a:lstStyle/>
+          <a:p>
+            <a:r>
+              <a:rPr lang="fr-FR" sz="1800" dirty="0">
+                <a:latin typeface="Cambria Math" panose="02040503050406030204" pitchFamily="18" charset="0"/>
+                <a:ea typeface="Cambria Math" panose="02040503050406030204" pitchFamily="18" charset="0"/>
+              </a:rPr>
+              <a:t>Il y a mtn un pb dans le cas scalaire. Corrigeons simplement le test, transformons le un cas vectoriel avec un seul élément (mal dit). Bon, </a:t>
+            </a:r>
+            <a:r>
+              <a:rPr lang="fr-FR" sz="1800" dirty="0" err="1">
+                <a:latin typeface="Cambria Math" panose="02040503050406030204" pitchFamily="18" charset="0"/>
+                <a:ea typeface="Cambria Math" panose="02040503050406030204" pitchFamily="18" charset="0"/>
+              </a:rPr>
+              <a:t>sum</a:t>
+            </a:r>
+            <a:r>
+              <a:rPr lang="fr-FR" sz="1800" dirty="0">
+                <a:latin typeface="Cambria Math" panose="02040503050406030204" pitchFamily="18" charset="0"/>
+                <a:ea typeface="Cambria Math" panose="02040503050406030204" pitchFamily="18" charset="0"/>
+              </a:rPr>
+              <a:t> (avec le paramètre axis=1)ne fonctionne visiblement pas : </a:t>
+            </a:r>
+          </a:p>
+          <a:p>
+            <a:r>
+              <a:rPr lang="fr-FR" sz="1800" dirty="0">
+                <a:latin typeface="Cambria Math" panose="02040503050406030204" pitchFamily="18" charset="0"/>
+                <a:ea typeface="Cambria Math" panose="02040503050406030204" pitchFamily="18" charset="0"/>
+              </a:rPr>
+              <a:t>&gt;&gt;&gt; </a:t>
+            </a:r>
+            <a:r>
+              <a:rPr lang="fr-FR" sz="1800" dirty="0" err="1">
+                <a:latin typeface="Cambria Math" panose="02040503050406030204" pitchFamily="18" charset="0"/>
+                <a:ea typeface="Cambria Math" panose="02040503050406030204" pitchFamily="18" charset="0"/>
+              </a:rPr>
+              <a:t>np.sum</a:t>
+            </a:r>
+            <a:r>
+              <a:rPr lang="fr-FR" sz="1800" dirty="0">
+                <a:latin typeface="Cambria Math" panose="02040503050406030204" pitchFamily="18" charset="0"/>
+                <a:ea typeface="Cambria Math" panose="02040503050406030204" pitchFamily="18" charset="0"/>
+              </a:rPr>
+              <a:t>([1,2], axis=1) </a:t>
+            </a:r>
+          </a:p>
+          <a:p>
+            <a:r>
+              <a:rPr lang="fr-FR" sz="1800" dirty="0" err="1">
+                <a:latin typeface="Cambria Math" panose="02040503050406030204" pitchFamily="18" charset="0"/>
+                <a:ea typeface="Cambria Math" panose="02040503050406030204" pitchFamily="18" charset="0"/>
+              </a:rPr>
+              <a:t>Traceback</a:t>
+            </a:r>
+            <a:r>
+              <a:rPr lang="fr-FR" sz="1800" dirty="0">
+                <a:latin typeface="Cambria Math" panose="02040503050406030204" pitchFamily="18" charset="0"/>
+                <a:ea typeface="Cambria Math" panose="02040503050406030204" pitchFamily="18" charset="0"/>
+              </a:rPr>
+              <a:t> (</a:t>
+            </a:r>
+            <a:r>
+              <a:rPr lang="fr-FR" sz="1800" dirty="0" err="1">
+                <a:latin typeface="Cambria Math" panose="02040503050406030204" pitchFamily="18" charset="0"/>
+                <a:ea typeface="Cambria Math" panose="02040503050406030204" pitchFamily="18" charset="0"/>
+              </a:rPr>
+              <a:t>most</a:t>
+            </a:r>
+            <a:r>
+              <a:rPr lang="fr-FR" sz="1800" dirty="0">
+                <a:latin typeface="Cambria Math" panose="02040503050406030204" pitchFamily="18" charset="0"/>
+                <a:ea typeface="Cambria Math" panose="02040503050406030204" pitchFamily="18" charset="0"/>
+              </a:rPr>
+              <a:t> </a:t>
+            </a:r>
+            <a:r>
+              <a:rPr lang="fr-FR" sz="1800" dirty="0" err="1">
+                <a:latin typeface="Cambria Math" panose="02040503050406030204" pitchFamily="18" charset="0"/>
+                <a:ea typeface="Cambria Math" panose="02040503050406030204" pitchFamily="18" charset="0"/>
+              </a:rPr>
+              <a:t>recent</a:t>
+            </a:r>
+            <a:r>
+              <a:rPr lang="fr-FR" sz="1800" dirty="0">
+                <a:latin typeface="Cambria Math" panose="02040503050406030204" pitchFamily="18" charset="0"/>
+                <a:ea typeface="Cambria Math" panose="02040503050406030204" pitchFamily="18" charset="0"/>
+              </a:rPr>
+              <a:t> call last):</a:t>
+            </a:r>
+          </a:p>
+          <a:p>
+            <a:r>
+              <a:rPr lang="fr-FR" sz="1800" dirty="0">
+                <a:latin typeface="Cambria Math" panose="02040503050406030204" pitchFamily="18" charset="0"/>
+                <a:ea typeface="Cambria Math" panose="02040503050406030204" pitchFamily="18" charset="0"/>
+              </a:rPr>
+              <a:t>  File "&lt;</a:t>
+            </a:r>
+            <a:r>
+              <a:rPr lang="fr-FR" sz="1800" dirty="0" err="1">
+                <a:latin typeface="Cambria Math" panose="02040503050406030204" pitchFamily="18" charset="0"/>
+                <a:ea typeface="Cambria Math" panose="02040503050406030204" pitchFamily="18" charset="0"/>
+              </a:rPr>
+              <a:t>stdin</a:t>
+            </a:r>
+            <a:r>
+              <a:rPr lang="fr-FR" sz="1800" dirty="0">
+                <a:latin typeface="Cambria Math" panose="02040503050406030204" pitchFamily="18" charset="0"/>
+                <a:ea typeface="Cambria Math" panose="02040503050406030204" pitchFamily="18" charset="0"/>
+              </a:rPr>
+              <a:t>&gt;", line 1, in &lt;module&gt;</a:t>
+            </a:r>
+          </a:p>
+          <a:p>
+            <a:r>
+              <a:rPr lang="fr-FR" sz="1800" dirty="0">
+                <a:latin typeface="Cambria Math" panose="02040503050406030204" pitchFamily="18" charset="0"/>
+                <a:ea typeface="Cambria Math" panose="02040503050406030204" pitchFamily="18" charset="0"/>
+              </a:rPr>
+              <a:t>  File "C:\Users\anato\AppData\Local\Programs\Python\Python311\Lib\site-packages\numpy\core\fromnumeric.py", line 2313, in </a:t>
+            </a:r>
+            <a:r>
+              <a:rPr lang="fr-FR" sz="1800" dirty="0" err="1">
+                <a:latin typeface="Cambria Math" panose="02040503050406030204" pitchFamily="18" charset="0"/>
+                <a:ea typeface="Cambria Math" panose="02040503050406030204" pitchFamily="18" charset="0"/>
+              </a:rPr>
+              <a:t>sum</a:t>
+            </a:r>
+            <a:endParaRPr lang="fr-FR" sz="1800" dirty="0">
+              <a:latin typeface="Cambria Math" panose="02040503050406030204" pitchFamily="18" charset="0"/>
+              <a:ea typeface="Cambria Math" panose="02040503050406030204" pitchFamily="18" charset="0"/>
+            </a:endParaRPr>
+          </a:p>
+          <a:p>
+            <a:r>
+              <a:rPr lang="fr-FR" sz="1800" dirty="0">
+                <a:latin typeface="Cambria Math" panose="02040503050406030204" pitchFamily="18" charset="0"/>
+                <a:ea typeface="Cambria Math" panose="02040503050406030204" pitchFamily="18" charset="0"/>
+              </a:rPr>
+              <a:t>    return _</a:t>
+            </a:r>
+            <a:r>
+              <a:rPr lang="fr-FR" sz="1800" dirty="0" err="1">
+                <a:latin typeface="Cambria Math" panose="02040503050406030204" pitchFamily="18" charset="0"/>
+                <a:ea typeface="Cambria Math" panose="02040503050406030204" pitchFamily="18" charset="0"/>
+              </a:rPr>
+              <a:t>wrapreduction</a:t>
+            </a:r>
+            <a:r>
+              <a:rPr lang="fr-FR" sz="1800" dirty="0">
+                <a:latin typeface="Cambria Math" panose="02040503050406030204" pitchFamily="18" charset="0"/>
+                <a:ea typeface="Cambria Math" panose="02040503050406030204" pitchFamily="18" charset="0"/>
+              </a:rPr>
+              <a:t>(a, </a:t>
+            </a:r>
+            <a:r>
+              <a:rPr lang="fr-FR" sz="1800" dirty="0" err="1">
+                <a:latin typeface="Cambria Math" panose="02040503050406030204" pitchFamily="18" charset="0"/>
+                <a:ea typeface="Cambria Math" panose="02040503050406030204" pitchFamily="18" charset="0"/>
+              </a:rPr>
+              <a:t>np.add</a:t>
+            </a:r>
+            <a:r>
+              <a:rPr lang="fr-FR" sz="1800" dirty="0">
+                <a:latin typeface="Cambria Math" panose="02040503050406030204" pitchFamily="18" charset="0"/>
+                <a:ea typeface="Cambria Math" panose="02040503050406030204" pitchFamily="18" charset="0"/>
+              </a:rPr>
+              <a:t>, '</a:t>
+            </a:r>
+            <a:r>
+              <a:rPr lang="fr-FR" sz="1800" dirty="0" err="1">
+                <a:latin typeface="Cambria Math" panose="02040503050406030204" pitchFamily="18" charset="0"/>
+                <a:ea typeface="Cambria Math" panose="02040503050406030204" pitchFamily="18" charset="0"/>
+              </a:rPr>
+              <a:t>sum</a:t>
+            </a:r>
+            <a:r>
+              <a:rPr lang="fr-FR" sz="1800" dirty="0">
+                <a:latin typeface="Cambria Math" panose="02040503050406030204" pitchFamily="18" charset="0"/>
+                <a:ea typeface="Cambria Math" panose="02040503050406030204" pitchFamily="18" charset="0"/>
+              </a:rPr>
+              <a:t>', axis, </a:t>
+            </a:r>
+            <a:r>
+              <a:rPr lang="fr-FR" sz="1800" dirty="0" err="1">
+                <a:latin typeface="Cambria Math" panose="02040503050406030204" pitchFamily="18" charset="0"/>
+                <a:ea typeface="Cambria Math" panose="02040503050406030204" pitchFamily="18" charset="0"/>
+              </a:rPr>
+              <a:t>dtype</a:t>
+            </a:r>
+            <a:r>
+              <a:rPr lang="fr-FR" sz="1800" dirty="0">
+                <a:latin typeface="Cambria Math" panose="02040503050406030204" pitchFamily="18" charset="0"/>
+                <a:ea typeface="Cambria Math" panose="02040503050406030204" pitchFamily="18" charset="0"/>
+              </a:rPr>
+              <a:t>, out, </a:t>
+            </a:r>
+            <a:r>
+              <a:rPr lang="fr-FR" sz="1800" dirty="0" err="1">
+                <a:latin typeface="Cambria Math" panose="02040503050406030204" pitchFamily="18" charset="0"/>
+                <a:ea typeface="Cambria Math" panose="02040503050406030204" pitchFamily="18" charset="0"/>
+              </a:rPr>
+              <a:t>keepdims</a:t>
+            </a:r>
+            <a:r>
+              <a:rPr lang="fr-FR" sz="1800" dirty="0">
+                <a:latin typeface="Cambria Math" panose="02040503050406030204" pitchFamily="18" charset="0"/>
+                <a:ea typeface="Cambria Math" panose="02040503050406030204" pitchFamily="18" charset="0"/>
+              </a:rPr>
+              <a:t>=</a:t>
+            </a:r>
+            <a:r>
+              <a:rPr lang="fr-FR" sz="1800" dirty="0" err="1">
+                <a:latin typeface="Cambria Math" panose="02040503050406030204" pitchFamily="18" charset="0"/>
+                <a:ea typeface="Cambria Math" panose="02040503050406030204" pitchFamily="18" charset="0"/>
+              </a:rPr>
+              <a:t>keepdims</a:t>
+            </a:r>
+            <a:r>
+              <a:rPr lang="fr-FR" sz="1800" dirty="0">
+                <a:latin typeface="Cambria Math" panose="02040503050406030204" pitchFamily="18" charset="0"/>
+                <a:ea typeface="Cambria Math" panose="02040503050406030204" pitchFamily="18" charset="0"/>
+              </a:rPr>
+              <a:t>,</a:t>
+            </a:r>
+          </a:p>
+          <a:p>
+            <a:r>
+              <a:rPr lang="fr-FR" sz="1800" dirty="0">
+                <a:latin typeface="Cambria Math" panose="02040503050406030204" pitchFamily="18" charset="0"/>
+                <a:ea typeface="Cambria Math" panose="02040503050406030204" pitchFamily="18" charset="0"/>
+              </a:rPr>
+              <a:t>           ^^^^^^^^^^^^^^^^^^^^^^^^^^^^^^^^^^^^^^^^^^^^^^^^^^^^^^^^^^^^^^^^^^^^^        </a:t>
+            </a:r>
+          </a:p>
+          <a:p>
+            <a:r>
+              <a:rPr lang="fr-FR" sz="1800" dirty="0">
+                <a:latin typeface="Cambria Math" panose="02040503050406030204" pitchFamily="18" charset="0"/>
+                <a:ea typeface="Cambria Math" panose="02040503050406030204" pitchFamily="18" charset="0"/>
+              </a:rPr>
+              <a:t>  File "C:\Users\anato\AppData\Local\Programs\Python\Python311\Lib\site-packages\numpy\core\fromnumeric.py", line 88, in _</a:t>
+            </a:r>
+            <a:r>
+              <a:rPr lang="fr-FR" sz="1800" dirty="0" err="1">
+                <a:latin typeface="Cambria Math" panose="02040503050406030204" pitchFamily="18" charset="0"/>
+                <a:ea typeface="Cambria Math" panose="02040503050406030204" pitchFamily="18" charset="0"/>
+              </a:rPr>
+              <a:t>wrapreduction</a:t>
+            </a:r>
+            <a:endParaRPr lang="fr-FR" sz="1800" dirty="0">
+              <a:latin typeface="Cambria Math" panose="02040503050406030204" pitchFamily="18" charset="0"/>
+              <a:ea typeface="Cambria Math" panose="02040503050406030204" pitchFamily="18" charset="0"/>
+            </a:endParaRPr>
+          </a:p>
+          <a:p>
+            <a:r>
+              <a:rPr lang="fr-FR" sz="1800" dirty="0">
+                <a:latin typeface="Cambria Math" panose="02040503050406030204" pitchFamily="18" charset="0"/>
+                <a:ea typeface="Cambria Math" panose="02040503050406030204" pitchFamily="18" charset="0"/>
+              </a:rPr>
+              <a:t>    return </a:t>
+            </a:r>
+            <a:r>
+              <a:rPr lang="fr-FR" sz="1800" dirty="0" err="1">
+                <a:latin typeface="Cambria Math" panose="02040503050406030204" pitchFamily="18" charset="0"/>
+                <a:ea typeface="Cambria Math" panose="02040503050406030204" pitchFamily="18" charset="0"/>
+              </a:rPr>
+              <a:t>ufunc.reduce</a:t>
+            </a:r>
+            <a:r>
+              <a:rPr lang="fr-FR" sz="1800" dirty="0">
+                <a:latin typeface="Cambria Math" panose="02040503050406030204" pitchFamily="18" charset="0"/>
+                <a:ea typeface="Cambria Math" panose="02040503050406030204" pitchFamily="18" charset="0"/>
+              </a:rPr>
+              <a:t>(</a:t>
+            </a:r>
+            <a:r>
+              <a:rPr lang="fr-FR" sz="1800" dirty="0" err="1">
+                <a:latin typeface="Cambria Math" panose="02040503050406030204" pitchFamily="18" charset="0"/>
+                <a:ea typeface="Cambria Math" panose="02040503050406030204" pitchFamily="18" charset="0"/>
+              </a:rPr>
+              <a:t>obj</a:t>
+            </a:r>
+            <a:r>
+              <a:rPr lang="fr-FR" sz="1800" dirty="0">
+                <a:latin typeface="Cambria Math" panose="02040503050406030204" pitchFamily="18" charset="0"/>
+                <a:ea typeface="Cambria Math" panose="02040503050406030204" pitchFamily="18" charset="0"/>
+              </a:rPr>
+              <a:t>, axis, </a:t>
+            </a:r>
+            <a:r>
+              <a:rPr lang="fr-FR" sz="1800" dirty="0" err="1">
+                <a:latin typeface="Cambria Math" panose="02040503050406030204" pitchFamily="18" charset="0"/>
+                <a:ea typeface="Cambria Math" panose="02040503050406030204" pitchFamily="18" charset="0"/>
+              </a:rPr>
+              <a:t>dtype</a:t>
+            </a:r>
+            <a:r>
+              <a:rPr lang="fr-FR" sz="1800" dirty="0">
+                <a:latin typeface="Cambria Math" panose="02040503050406030204" pitchFamily="18" charset="0"/>
+                <a:ea typeface="Cambria Math" panose="02040503050406030204" pitchFamily="18" charset="0"/>
+              </a:rPr>
+              <a:t>, out, **</a:t>
+            </a:r>
+            <a:r>
+              <a:rPr lang="fr-FR" sz="1800" dirty="0" err="1">
+                <a:latin typeface="Cambria Math" panose="02040503050406030204" pitchFamily="18" charset="0"/>
+                <a:ea typeface="Cambria Math" panose="02040503050406030204" pitchFamily="18" charset="0"/>
+              </a:rPr>
+              <a:t>passkwargs</a:t>
+            </a:r>
+            <a:r>
+              <a:rPr lang="fr-FR" sz="1800" dirty="0">
+                <a:latin typeface="Cambria Math" panose="02040503050406030204" pitchFamily="18" charset="0"/>
+                <a:ea typeface="Cambria Math" panose="02040503050406030204" pitchFamily="18" charset="0"/>
+              </a:rPr>
+              <a:t>)</a:t>
+            </a:r>
+          </a:p>
+          <a:p>
+            <a:r>
+              <a:rPr lang="fr-FR" sz="1800" dirty="0">
+                <a:latin typeface="Cambria Math" panose="02040503050406030204" pitchFamily="18" charset="0"/>
+                <a:ea typeface="Cambria Math" panose="02040503050406030204" pitchFamily="18" charset="0"/>
+              </a:rPr>
+              <a:t>           ^^^^^^^^^^^^^^^^^^^^^^^^^^^^^^^^^^^^^^^^^^^^^^^^^</a:t>
+            </a:r>
+          </a:p>
+          <a:p>
+            <a:r>
+              <a:rPr lang="fr-FR" sz="1800" dirty="0" err="1">
+                <a:latin typeface="Cambria Math" panose="02040503050406030204" pitchFamily="18" charset="0"/>
+                <a:ea typeface="Cambria Math" panose="02040503050406030204" pitchFamily="18" charset="0"/>
+              </a:rPr>
+              <a:t>numpy.exceptions.AxisError</a:t>
+            </a:r>
+            <a:r>
+              <a:rPr lang="fr-FR" sz="1800" dirty="0">
+                <a:latin typeface="Cambria Math" panose="02040503050406030204" pitchFamily="18" charset="0"/>
+                <a:ea typeface="Cambria Math" panose="02040503050406030204" pitchFamily="18" charset="0"/>
+              </a:rPr>
+              <a:t>: axis 1 </a:t>
+            </a:r>
+            <a:r>
+              <a:rPr lang="fr-FR" sz="1800" dirty="0" err="1">
+                <a:latin typeface="Cambria Math" panose="02040503050406030204" pitchFamily="18" charset="0"/>
+                <a:ea typeface="Cambria Math" panose="02040503050406030204" pitchFamily="18" charset="0"/>
+              </a:rPr>
+              <a:t>is</a:t>
+            </a:r>
+            <a:r>
+              <a:rPr lang="fr-FR" sz="1800" dirty="0">
+                <a:latin typeface="Cambria Math" panose="02040503050406030204" pitchFamily="18" charset="0"/>
+                <a:ea typeface="Cambria Math" panose="02040503050406030204" pitchFamily="18" charset="0"/>
+              </a:rPr>
+              <a:t> out of </a:t>
+            </a:r>
+            <a:r>
+              <a:rPr lang="fr-FR" sz="1800" dirty="0" err="1">
+                <a:latin typeface="Cambria Math" panose="02040503050406030204" pitchFamily="18" charset="0"/>
+                <a:ea typeface="Cambria Math" panose="02040503050406030204" pitchFamily="18" charset="0"/>
+              </a:rPr>
+              <a:t>bounds</a:t>
+            </a:r>
+            <a:r>
+              <a:rPr lang="fr-FR" sz="1800" dirty="0">
+                <a:latin typeface="Cambria Math" panose="02040503050406030204" pitchFamily="18" charset="0"/>
+                <a:ea typeface="Cambria Math" panose="02040503050406030204" pitchFamily="18" charset="0"/>
+              </a:rPr>
+              <a:t> for </a:t>
+            </a:r>
+            <a:r>
+              <a:rPr lang="fr-FR" sz="1800" dirty="0" err="1">
+                <a:latin typeface="Cambria Math" panose="02040503050406030204" pitchFamily="18" charset="0"/>
+                <a:ea typeface="Cambria Math" panose="02040503050406030204" pitchFamily="18" charset="0"/>
+              </a:rPr>
+              <a:t>array</a:t>
+            </a:r>
+            <a:r>
+              <a:rPr lang="fr-FR" sz="1800" dirty="0">
+                <a:latin typeface="Cambria Math" panose="02040503050406030204" pitchFamily="18" charset="0"/>
+                <a:ea typeface="Cambria Math" panose="02040503050406030204" pitchFamily="18" charset="0"/>
+              </a:rPr>
+              <a:t> of dimension 1</a:t>
+            </a:r>
+          </a:p>
+        </p:txBody>
+      </p:sp>
+      <p:sp>
+        <p:nvSpPr>
+          <p:cNvPr id="7" name="ZoneTexte 6">
+            <a:extLst>
+              <a:ext uri="{FF2B5EF4-FFF2-40B4-BE49-F238E27FC236}">
+                <a16:creationId xmlns:a16="http://schemas.microsoft.com/office/drawing/2014/main" id="{13193D3B-E718-21C4-5DF6-307FAF0C55AE}"/>
+              </a:ext>
+            </a:extLst>
+          </p:cNvPr>
+          <p:cNvSpPr txBox="1"/>
+          <p:nvPr/>
+        </p:nvSpPr>
+        <p:spPr>
+          <a:xfrm>
+            <a:off x="7251031" y="154826"/>
+            <a:ext cx="6096000" cy="2308324"/>
+          </a:xfrm>
+          <a:prstGeom prst="rect">
+            <a:avLst/>
+          </a:prstGeom>
+          <a:noFill/>
+        </p:spPr>
+        <p:txBody>
+          <a:bodyPr wrap="square">
+            <a:spAutoFit/>
+          </a:bodyPr>
+          <a:lstStyle/>
+          <a:p>
+            <a:r>
+              <a:rPr lang="fr-FR" dirty="0"/>
+              <a:t>&gt;&gt;&gt; </a:t>
+            </a:r>
+            <a:r>
+              <a:rPr lang="fr-FR" dirty="0" err="1"/>
+              <a:t>np.sum</a:t>
+            </a:r>
+            <a:r>
+              <a:rPr lang="fr-FR" dirty="0"/>
+              <a:t>([[1],[2]], axis=1)</a:t>
+            </a:r>
+          </a:p>
+          <a:p>
+            <a:r>
+              <a:rPr lang="fr-FR" dirty="0" err="1"/>
+              <a:t>array</a:t>
+            </a:r>
+            <a:r>
+              <a:rPr lang="fr-FR" dirty="0"/>
+              <a:t>([1, 2])</a:t>
+            </a:r>
+          </a:p>
+          <a:p>
+            <a:endParaRPr lang="fr-FR" dirty="0"/>
+          </a:p>
+          <a:p>
+            <a:r>
+              <a:rPr lang="en-US" dirty="0"/>
+              <a:t>&gt;&gt;&gt; test</a:t>
+            </a:r>
+          </a:p>
+          <a:p>
+            <a:r>
+              <a:rPr lang="en-US" dirty="0"/>
+              <a:t>array([0.76220851, 0.52874194])</a:t>
+            </a:r>
+          </a:p>
+          <a:p>
+            <a:r>
+              <a:rPr lang="en-US" dirty="0"/>
+              <a:t>&gt;&gt;&gt; test = </a:t>
+            </a:r>
+            <a:r>
+              <a:rPr lang="en-US" dirty="0" err="1"/>
+              <a:t>np.array</a:t>
+            </a:r>
+            <a:r>
+              <a:rPr lang="en-US" dirty="0"/>
+              <a:t>([</a:t>
+            </a:r>
+            <a:r>
+              <a:rPr lang="en-US" dirty="0" err="1"/>
+              <a:t>np.random.rand</a:t>
+            </a:r>
+            <a:r>
+              <a:rPr lang="en-US" dirty="0"/>
+              <a:t>(2)]) </a:t>
+            </a:r>
+          </a:p>
+          <a:p>
+            <a:r>
+              <a:rPr lang="en-US" dirty="0"/>
+              <a:t>&gt;&gt;&gt; test</a:t>
+            </a:r>
+          </a:p>
+          <a:p>
+            <a:r>
+              <a:rPr lang="en-US" dirty="0"/>
+              <a:t>array([[0.05391177, 0.69962059]])</a:t>
+            </a:r>
+            <a:endParaRPr lang="fr-FR" dirty="0"/>
+          </a:p>
+        </p:txBody>
+      </p:sp>
+    </p:spTree>
+    <p:extLst>
+      <p:ext uri="{BB962C8B-B14F-4D97-AF65-F5344CB8AC3E}">
+        <p14:creationId xmlns:p14="http://schemas.microsoft.com/office/powerpoint/2010/main" val="4153704202"/>
       </p:ext>
     </p:extLst>
   </p:cSld>

--- a/Schémas et formules mathématiques.pptx
+++ b/Schémas et formules mathématiques.pptx
@@ -11,6 +11,7 @@
     <p:sldId id="260" r:id="rId5"/>
     <p:sldId id="261" r:id="rId6"/>
     <p:sldId id="262" r:id="rId7"/>
+    <p:sldId id="263" r:id="rId8"/>
   </p:sldIdLst>
   <p:sldSz cx="12192000" cy="6858000"/>
   <p:notesSz cx="6858000" cy="9144000"/>
@@ -306,7 +307,7 @@
           <a:p>
             <a:fld id="{8CC8168F-B74C-4525-A6F8-EBA84798C097}" type="datetimeFigureOut">
               <a:rPr lang="fr-FR" smtClean="0"/>
-              <a:t>31/05/2025</a:t>
+              <a:t>02/06/2025</a:t>
             </a:fld>
             <a:endParaRPr lang="fr-FR"/>
           </a:p>
@@ -504,7 +505,7 @@
           <a:p>
             <a:fld id="{8CC8168F-B74C-4525-A6F8-EBA84798C097}" type="datetimeFigureOut">
               <a:rPr lang="fr-FR" smtClean="0"/>
-              <a:t>31/05/2025</a:t>
+              <a:t>02/06/2025</a:t>
             </a:fld>
             <a:endParaRPr lang="fr-FR"/>
           </a:p>
@@ -712,7 +713,7 @@
           <a:p>
             <a:fld id="{8CC8168F-B74C-4525-A6F8-EBA84798C097}" type="datetimeFigureOut">
               <a:rPr lang="fr-FR" smtClean="0"/>
-              <a:t>31/05/2025</a:t>
+              <a:t>02/06/2025</a:t>
             </a:fld>
             <a:endParaRPr lang="fr-FR"/>
           </a:p>
@@ -910,7 +911,7 @@
           <a:p>
             <a:fld id="{8CC8168F-B74C-4525-A6F8-EBA84798C097}" type="datetimeFigureOut">
               <a:rPr lang="fr-FR" smtClean="0"/>
-              <a:t>31/05/2025</a:t>
+              <a:t>02/06/2025</a:t>
             </a:fld>
             <a:endParaRPr lang="fr-FR"/>
           </a:p>
@@ -1185,7 +1186,7 @@
           <a:p>
             <a:fld id="{8CC8168F-B74C-4525-A6F8-EBA84798C097}" type="datetimeFigureOut">
               <a:rPr lang="fr-FR" smtClean="0"/>
-              <a:t>31/05/2025</a:t>
+              <a:t>02/06/2025</a:t>
             </a:fld>
             <a:endParaRPr lang="fr-FR"/>
           </a:p>
@@ -1450,7 +1451,7 @@
           <a:p>
             <a:fld id="{8CC8168F-B74C-4525-A6F8-EBA84798C097}" type="datetimeFigureOut">
               <a:rPr lang="fr-FR" smtClean="0"/>
-              <a:t>31/05/2025</a:t>
+              <a:t>02/06/2025</a:t>
             </a:fld>
             <a:endParaRPr lang="fr-FR"/>
           </a:p>
@@ -1862,7 +1863,7 @@
           <a:p>
             <a:fld id="{8CC8168F-B74C-4525-A6F8-EBA84798C097}" type="datetimeFigureOut">
               <a:rPr lang="fr-FR" smtClean="0"/>
-              <a:t>31/05/2025</a:t>
+              <a:t>02/06/2025</a:t>
             </a:fld>
             <a:endParaRPr lang="fr-FR"/>
           </a:p>
@@ -2003,7 +2004,7 @@
           <a:p>
             <a:fld id="{8CC8168F-B74C-4525-A6F8-EBA84798C097}" type="datetimeFigureOut">
               <a:rPr lang="fr-FR" smtClean="0"/>
-              <a:t>31/05/2025</a:t>
+              <a:t>02/06/2025</a:t>
             </a:fld>
             <a:endParaRPr lang="fr-FR"/>
           </a:p>
@@ -2116,7 +2117,7 @@
           <a:p>
             <a:fld id="{8CC8168F-B74C-4525-A6F8-EBA84798C097}" type="datetimeFigureOut">
               <a:rPr lang="fr-FR" smtClean="0"/>
-              <a:t>31/05/2025</a:t>
+              <a:t>02/06/2025</a:t>
             </a:fld>
             <a:endParaRPr lang="fr-FR"/>
           </a:p>
@@ -2427,7 +2428,7 @@
           <a:p>
             <a:fld id="{8CC8168F-B74C-4525-A6F8-EBA84798C097}" type="datetimeFigureOut">
               <a:rPr lang="fr-FR" smtClean="0"/>
-              <a:t>31/05/2025</a:t>
+              <a:t>02/06/2025</a:t>
             </a:fld>
             <a:endParaRPr lang="fr-FR"/>
           </a:p>
@@ -2715,7 +2716,7 @@
           <a:p>
             <a:fld id="{8CC8168F-B74C-4525-A6F8-EBA84798C097}" type="datetimeFigureOut">
               <a:rPr lang="fr-FR" smtClean="0"/>
-              <a:t>31/05/2025</a:t>
+              <a:t>02/06/2025</a:t>
             </a:fld>
             <a:endParaRPr lang="fr-FR"/>
           </a:p>
@@ -2956,7 +2957,7 @@
           <a:p>
             <a:fld id="{8CC8168F-B74C-4525-A6F8-EBA84798C097}" type="datetimeFigureOut">
               <a:rPr lang="fr-FR" smtClean="0"/>
-              <a:t>31/05/2025</a:t>
+              <a:t>02/06/2025</a:t>
             </a:fld>
             <a:endParaRPr lang="fr-FR"/>
           </a:p>
@@ -18403,8 +18404,8 @@
           </a:p>
         </p:txBody>
       </p:sp>
-      <mc:AlternateContent xmlns:mc="http://schemas.openxmlformats.org/markup-compatibility/2006">
-        <mc:Choice xmlns:a14="http://schemas.microsoft.com/office/drawing/2010/main" Requires="a14">
+      <mc:AlternateContent xmlns:mc="http://schemas.openxmlformats.org/markup-compatibility/2006" xmlns:a14="http://schemas.microsoft.com/office/drawing/2010/main">
+        <mc:Choice Requires="a14">
           <p:sp>
             <p:nvSpPr>
               <p:cNvPr id="93" name="ZoneTexte 92">
@@ -18628,7 +18629,6 @@
                 <a:endParaRPr lang="fr-FR" b="0" dirty="0"/>
               </a:p>
               <a:p>
-                <a:pPr/>
                 <a14:m>
                   <m:oMath xmlns:m="http://schemas.openxmlformats.org/officeDocument/2006/math">
                     <m:f>
@@ -18809,7 +18809,7 @@
             </p:txBody>
           </p:sp>
         </mc:Choice>
-        <mc:Fallback>
+        <mc:Fallback xmlns="">
           <p:sp>
             <p:nvSpPr>
               <p:cNvPr id="93" name="ZoneTexte 92">
@@ -20047,7 +20047,7 @@
             <p:spPr>
               <a:xfrm>
                 <a:off x="4997450" y="73762"/>
-                <a:ext cx="6765289" cy="4889608"/>
+                <a:ext cx="6765289" cy="5027467"/>
               </a:xfrm>
               <a:prstGeom prst="rect">
                 <a:avLst/>
@@ -21072,6 +21072,16 @@
                               </m:ctrlPr>
                             </m:sSupPr>
                             <m:e>
+                              <m:r>
+                                <a:rPr lang="fr-FR" sz="1800" b="0" i="1" smtClean="0">
+                                  <a:solidFill>
+                                    <a:srgbClr val="44546A"/>
+                                  </a:solidFill>
+                                  <a:effectLst/>
+                                  <a:latin typeface="Cambria Math" panose="02040503050406030204" pitchFamily="18" charset="0"/>
+                                </a:rPr>
+                                <m:t>−</m:t>
+                              </m:r>
                               <m:d>
                                 <m:dPr>
                                   <m:ctrlPr>
@@ -21286,7 +21296,6 @@
                 </a:endParaRPr>
               </a:p>
               <a:p>
-                <a:pPr/>
                 <a:endParaRPr lang="fr-FR" dirty="0">
                   <a:solidFill>
                     <a:srgbClr val="44546A"/>
@@ -21295,7 +21304,6 @@
                 </a:endParaRPr>
               </a:p>
               <a:p>
-                <a:pPr/>
                 <a14:m>
                   <m:oMath xmlns:m="http://schemas.openxmlformats.org/officeDocument/2006/math">
                     <m:borderBox>
@@ -21917,8 +21925,8 @@
                                   </m:ctrlPr>
                                 </m:dPr>
                                 <m:e>
-                                  <m:sSup>
-                                    <m:sSupPr>
+                                  <m:f>
+                                    <m:fPr>
                                       <m:ctrlPr>
                                         <a:rPr lang="x-IV_mathan" i="1">
                                           <a:solidFill>
@@ -21928,8 +21936,8 @@
                                           <a:ea typeface="Cambria Math" panose="02040503050406030204" pitchFamily="18" charset="0"/>
                                         </a:rPr>
                                       </m:ctrlPr>
-                                    </m:sSupPr>
-                                    <m:e>
+                                    </m:fPr>
+                                    <m:num>
                                       <m:r>
                                         <a:rPr lang="x-IV_mathan">
                                           <a:solidFill>
@@ -21938,10 +21946,57 @@
                                           <a:latin typeface="Cambria Math" panose="02040503050406030204" pitchFamily="18" charset="0"/>
                                           <a:ea typeface="Cambria Math" panose="02040503050406030204" pitchFamily="18" charset="0"/>
                                         </a:rPr>
-                                        <m:t>𝐴</m:t>
+                                        <m:t>𝜕</m:t>
                                       </m:r>
-                                    </m:e>
-                                    <m:sup>
+                                      <m:sSub>
+                                        <m:sSubPr>
+                                          <m:ctrlPr>
+                                            <a:rPr lang="x-IV_mathan" i="1">
+                                              <a:solidFill>
+                                                <a:srgbClr val="44546A"/>
+                                              </a:solidFill>
+                                              <a:latin typeface="Cambria Math" panose="02040503050406030204" pitchFamily="18" charset="0"/>
+                                              <a:ea typeface="Cambria Math" panose="02040503050406030204" pitchFamily="18" charset="0"/>
+                                            </a:rPr>
+                                          </m:ctrlPr>
+                                        </m:sSubPr>
+                                        <m:e>
+                                          <m:r>
+                                            <a:rPr lang="x-IV_mathan">
+                                              <a:solidFill>
+                                                <a:srgbClr val="44546A"/>
+                                              </a:solidFill>
+                                              <a:latin typeface="Cambria Math" panose="02040503050406030204" pitchFamily="18" charset="0"/>
+                                              <a:ea typeface="Cambria Math" panose="02040503050406030204" pitchFamily="18" charset="0"/>
+                                            </a:rPr>
+                                            <m:t>𝐶</m:t>
+                                          </m:r>
+                                        </m:e>
+                                        <m:sub>
+                                          <m:r>
+                                            <a:rPr lang="fr-FR" i="1">
+                                              <a:solidFill>
+                                                <a:srgbClr val="44546A"/>
+                                              </a:solidFill>
+                                              <a:latin typeface="Cambria Math" panose="02040503050406030204" pitchFamily="18" charset="0"/>
+                                              <a:ea typeface="Cambria Math" panose="02040503050406030204" pitchFamily="18" charset="0"/>
+                                            </a:rPr>
+                                            <m:t>/</m:t>
+                                          </m:r>
+                                          <m:r>
+                                            <a:rPr lang="fr-FR" i="1">
+                                              <a:solidFill>
+                                                <a:srgbClr val="44546A"/>
+                                              </a:solidFill>
+                                              <a:latin typeface="Cambria Math" panose="02040503050406030204" pitchFamily="18" charset="0"/>
+                                              <a:ea typeface="Cambria Math" panose="02040503050406030204" pitchFamily="18" charset="0"/>
+                                            </a:rPr>
+                                            <m:t>𝑖𝑚𝑎𝑔𝑒</m:t>
+                                          </m:r>
+                                        </m:sub>
+                                      </m:sSub>
+                                    </m:num>
+                                    <m:den>
                                       <m:r>
                                         <a:rPr lang="x-IV_mathan">
                                           <a:solidFill>
@@ -21950,26 +22005,53 @@
                                           <a:latin typeface="Cambria Math" panose="02040503050406030204" pitchFamily="18" charset="0"/>
                                           <a:ea typeface="Cambria Math" panose="02040503050406030204" pitchFamily="18" charset="0"/>
                                         </a:rPr>
-                                        <m:t>𝑖</m:t>
+                                        <m:t>𝜕</m:t>
                                       </m:r>
-                                      <m:r>
-                                        <a:rPr lang="x-IV_mathan">
-                                          <a:solidFill>
-                                            <a:srgbClr val="44546A"/>
-                                          </a:solidFill>
-                                          <a:latin typeface="Cambria Math" panose="02040503050406030204" pitchFamily="18" charset="0"/>
-                                          <a:ea typeface="Cambria Math" panose="02040503050406030204" pitchFamily="18" charset="0"/>
-                                        </a:rPr>
-                                        <m:t>−1</m:t>
-                                      </m:r>
-                                    </m:sup>
-                                  </m:sSup>
+                                      <m:sSup>
+                                        <m:sSupPr>
+                                          <m:ctrlPr>
+                                            <a:rPr lang="x-IV_mathan" i="1">
+                                              <a:solidFill>
+                                                <a:srgbClr val="44546A"/>
+                                              </a:solidFill>
+                                              <a:latin typeface="Cambria Math" panose="02040503050406030204" pitchFamily="18" charset="0"/>
+                                              <a:ea typeface="Cambria Math" panose="02040503050406030204" pitchFamily="18" charset="0"/>
+                                            </a:rPr>
+                                          </m:ctrlPr>
+                                        </m:sSupPr>
+                                        <m:e>
+                                          <m:r>
+                                            <a:rPr lang="fr-FR" i="1">
+                                              <a:solidFill>
+                                                <a:srgbClr val="44546A"/>
+                                              </a:solidFill>
+                                              <a:latin typeface="Cambria Math" panose="02040503050406030204" pitchFamily="18" charset="0"/>
+                                              <a:ea typeface="Cambria Math" panose="02040503050406030204" pitchFamily="18" charset="0"/>
+                                            </a:rPr>
+                                            <m:t>𝐵</m:t>
+                                          </m:r>
+                                        </m:e>
+                                        <m:sup>
+                                          <m:r>
+                                            <a:rPr lang="fr-FR" i="1">
+                                              <a:solidFill>
+                                                <a:srgbClr val="44546A"/>
+                                              </a:solidFill>
+                                              <a:latin typeface="Cambria Math" panose="02040503050406030204" pitchFamily="18" charset="0"/>
+                                              <a:ea typeface="Cambria Math" panose="02040503050406030204" pitchFamily="18" charset="0"/>
+                                            </a:rPr>
+                                            <m:t>𝑖</m:t>
+                                          </m:r>
+                                        </m:sup>
+                                      </m:sSup>
+                                    </m:den>
+                                  </m:f>
                                 </m:e>
                               </m:d>
                             </m:e>
                             <m:sup>
                               <m:r>
-                                <a:rPr lang="x-IV_mathan">
+                                <a:rPr lang="fr-FR" b="0" i="1" smtClean="0">
                                   <a:solidFill>
                                     <a:srgbClr val="44546A"/>
                                   </a:solidFill>
@@ -21991,137 +22073,53 @@
                             </a:rPr>
                             <m:t>∗</m:t>
                           </m:r>
-                          <m:f>
-                            <m:fPr>
+                          <m:sSup>
+                            <m:sSupPr>
                               <m:ctrlPr>
                                 <a:rPr lang="x-IV_mathan" i="1">
                                   <a:solidFill>
                                     <a:srgbClr val="44546A"/>
                                   </a:solidFill>
-                                  <a:effectLst/>
                                   <a:latin typeface="Cambria Math" panose="02040503050406030204" pitchFamily="18" charset="0"/>
                                   <a:ea typeface="Cambria Math" panose="02040503050406030204" pitchFamily="18" charset="0"/>
                                 </a:rPr>
                               </m:ctrlPr>
-                            </m:fPr>
-                            <m:num>
+                            </m:sSupPr>
+                            <m:e>
                               <m:r>
                                 <a:rPr lang="x-IV_mathan">
                                   <a:solidFill>
                                     <a:srgbClr val="44546A"/>
                                   </a:solidFill>
-                                  <a:effectLst/>
                                   <a:latin typeface="Cambria Math" panose="02040503050406030204" pitchFamily="18" charset="0"/>
                                   <a:ea typeface="Cambria Math" panose="02040503050406030204" pitchFamily="18" charset="0"/>
                                 </a:rPr>
-                                <m:t>𝜕</m:t>
-                              </m:r>
-                              <m:sSub>
-                                <m:sSubPr>
-                                  <m:ctrlPr>
-                                    <a:rPr lang="x-IV_mathan" i="1">
-                                      <a:solidFill>
-                                        <a:srgbClr val="44546A"/>
-                                      </a:solidFill>
-                                      <a:effectLst/>
-                                      <a:latin typeface="Cambria Math" panose="02040503050406030204" pitchFamily="18" charset="0"/>
-                                      <a:ea typeface="Cambria Math" panose="02040503050406030204" pitchFamily="18" charset="0"/>
-                                    </a:rPr>
-                                  </m:ctrlPr>
-                                </m:sSubPr>
-                                <m:e>
-                                  <m:r>
-                                    <a:rPr lang="x-IV_mathan">
-                                      <a:solidFill>
-                                        <a:srgbClr val="44546A"/>
-                                      </a:solidFill>
-                                      <a:effectLst/>
-                                      <a:latin typeface="Cambria Math" panose="02040503050406030204" pitchFamily="18" charset="0"/>
-                                      <a:ea typeface="Cambria Math" panose="02040503050406030204" pitchFamily="18" charset="0"/>
-                                    </a:rPr>
-                                    <m:t>𝐶</m:t>
-                                  </m:r>
-                                </m:e>
-                                <m:sub>
-                                  <m:r>
-                                    <a:rPr lang="fr-FR" b="0" i="1" smtClean="0">
-                                      <a:solidFill>
-                                        <a:srgbClr val="44546A"/>
-                                      </a:solidFill>
-                                      <a:effectLst/>
-                                      <a:latin typeface="Cambria Math" panose="02040503050406030204" pitchFamily="18" charset="0"/>
-                                      <a:ea typeface="Cambria Math" panose="02040503050406030204" pitchFamily="18" charset="0"/>
-                                    </a:rPr>
-                                    <m:t>/</m:t>
-                                  </m:r>
-                                  <m:r>
-                                    <a:rPr lang="fr-FR" b="0" i="1" smtClean="0">
-                                      <a:solidFill>
-                                        <a:srgbClr val="44546A"/>
-                                      </a:solidFill>
-                                      <a:effectLst/>
-                                      <a:latin typeface="Cambria Math" panose="02040503050406030204" pitchFamily="18" charset="0"/>
-                                      <a:ea typeface="Cambria Math" panose="02040503050406030204" pitchFamily="18" charset="0"/>
-                                    </a:rPr>
-                                    <m:t>𝑖𝑚𝑎𝑔𝑒</m:t>
-                                  </m:r>
-                                </m:sub>
-                              </m:sSub>
-                            </m:num>
-                            <m:den>
+                                <m:t>𝐴</m:t>
+                              </m:r>
+                            </m:e>
+                            <m:sup>
                               <m:r>
                                 <a:rPr lang="x-IV_mathan">
                                   <a:solidFill>
                                     <a:srgbClr val="44546A"/>
                                   </a:solidFill>
-                                  <a:effectLst/>
                                   <a:latin typeface="Cambria Math" panose="02040503050406030204" pitchFamily="18" charset="0"/>
                                   <a:ea typeface="Cambria Math" panose="02040503050406030204" pitchFamily="18" charset="0"/>
                                 </a:rPr>
-                                <m:t>𝜕</m:t>
-                              </m:r>
-                              <m:sSup>
-                                <m:sSupPr>
-                                  <m:ctrlPr>
-                                    <a:rPr lang="x-IV_mathan" i="1" smtClean="0">
-                                      <a:solidFill>
-                                        <a:srgbClr val="44546A"/>
-                                      </a:solidFill>
-                                      <a:effectLst/>
-                                      <a:latin typeface="Cambria Math" panose="02040503050406030204" pitchFamily="18" charset="0"/>
-                                      <a:ea typeface="Cambria Math" panose="02040503050406030204" pitchFamily="18" charset="0"/>
-                                    </a:rPr>
-                                  </m:ctrlPr>
-                                </m:sSupPr>
-                                <m:e>
-                                  <m:r>
-                                    <a:rPr lang="fr-FR" b="0" i="1" smtClean="0">
-                                      <a:solidFill>
-                                        <a:srgbClr val="44546A"/>
-                                      </a:solidFill>
-                                      <a:effectLst/>
-                                      <a:latin typeface="Cambria Math" panose="02040503050406030204" pitchFamily="18" charset="0"/>
-                                      <a:ea typeface="Cambria Math" panose="02040503050406030204" pitchFamily="18" charset="0"/>
-                                    </a:rPr>
-                                    <m:t>𝐵</m:t>
-                                  </m:r>
-                                </m:e>
-                                <m:sup>
-                                  <m:r>
-                                    <a:rPr lang="fr-FR" b="0" i="1" smtClean="0">
-                                      <a:solidFill>
-                                        <a:srgbClr val="44546A"/>
-                                      </a:solidFill>
-                                      <a:effectLst/>
-                                      <a:latin typeface="Cambria Math" panose="02040503050406030204" pitchFamily="18" charset="0"/>
-                                      <a:ea typeface="Cambria Math" panose="02040503050406030204" pitchFamily="18" charset="0"/>
-                                    </a:rPr>
-                                    <m:t>𝑖</m:t>
-                                  </m:r>
-                                </m:sup>
-                              </m:sSup>
-                            </m:den>
-                          </m:f>
+                                <m:t>𝑖</m:t>
+                              </m:r>
+                              <m:r>
+                                <a:rPr lang="x-IV_mathan">
+                                  <a:solidFill>
+                                    <a:srgbClr val="44546A"/>
+                                  </a:solidFill>
+                                  <a:latin typeface="Cambria Math" panose="02040503050406030204" pitchFamily="18" charset="0"/>
+                                  <a:ea typeface="Cambria Math" panose="02040503050406030204" pitchFamily="18" charset="0"/>
+                                </a:rPr>
+                                <m:t>−1</m:t>
+                              </m:r>
+                            </m:sup>
+                          </m:sSup>
                           <m:r>
                             <a:rPr lang="fr-FR" b="0" i="1" smtClean="0">
                               <a:solidFill>
@@ -22131,7 +22129,7 @@
                               <a:latin typeface="Cambria Math" panose="02040503050406030204" pitchFamily="18" charset="0"/>
                               <a:ea typeface="Cambria Math" panose="02040503050406030204" pitchFamily="18" charset="0"/>
                             </a:rPr>
-                            <m:t> (</m:t>
+                            <m:t>(</m:t>
                           </m:r>
                           <m:r>
                             <a:rPr lang="fr-FR" b="0" i="1" smtClean="0">
@@ -22329,6 +22327,16 @@
                               <a:latin typeface="Cambria Math" panose="02040503050406030204" pitchFamily="18" charset="0"/>
                             </a:rPr>
                             <m:t>=</m:t>
+                          </m:r>
+                          <m:r>
+                            <a:rPr lang="fr-FR" sz="1800" b="0" i="0" smtClean="0">
+                              <a:solidFill>
+                                <a:srgbClr val="44546A"/>
+                              </a:solidFill>
+                              <a:effectLst/>
+                              <a:latin typeface="Cambria Math" panose="02040503050406030204" pitchFamily="18" charset="0"/>
+                            </a:rPr>
+                            <m:t>−</m:t>
                           </m:r>
                           <m:f>
                             <m:fPr>
@@ -22545,7 +22553,6 @@
                 </a:endParaRPr>
               </a:p>
               <a:p>
-                <a:pPr/>
                 <a:endParaRPr lang="fr-FR" sz="1800" dirty="0">
                   <a:solidFill>
                     <a:srgbClr val="44546A"/>
@@ -22578,7 +22585,7 @@
             <p:spPr>
               <a:xfrm>
                 <a:off x="4997450" y="73762"/>
-                <a:ext cx="6765289" cy="4889608"/>
+                <a:ext cx="6765289" cy="5027467"/>
               </a:xfrm>
               <a:prstGeom prst="rect">
                 <a:avLst/>
@@ -26210,6 +26217,711 @@
 </p:sld>
 </file>
 
+<file path=ppt/slides/slide7.xml><?xml version="1.0" encoding="utf-8"?>
+<p:sld xmlns:a="http://schemas.openxmlformats.org/drawingml/2006/main" xmlns:r="http://schemas.openxmlformats.org/officeDocument/2006/relationships" xmlns:p="http://schemas.openxmlformats.org/presentationml/2006/main">
+  <p:cSld>
+    <p:spTree>
+      <p:nvGrpSpPr>
+        <p:cNvPr id="1" name=""/>
+        <p:cNvGrpSpPr/>
+        <p:nvPr/>
+      </p:nvGrpSpPr>
+      <p:grpSpPr>
+        <a:xfrm>
+          <a:off x="0" y="0"/>
+          <a:ext cx="0" cy="0"/>
+          <a:chOff x="0" y="0"/>
+          <a:chExt cx="0" cy="0"/>
+        </a:xfrm>
+      </p:grpSpPr>
+      <mc:AlternateContent xmlns:mc="http://schemas.openxmlformats.org/markup-compatibility/2006">
+        <mc:Choice xmlns:a14="http://schemas.microsoft.com/office/drawing/2010/main" Requires="a14">
+          <p:sp>
+            <p:nvSpPr>
+              <p:cNvPr id="4" name="ZoneTexte 3">
+                <a:extLst>
+                  <a:ext uri="{FF2B5EF4-FFF2-40B4-BE49-F238E27FC236}">
+                    <a16:creationId xmlns:a16="http://schemas.microsoft.com/office/drawing/2014/main" id="{EC1A4314-2128-381B-0296-EE063A3C264C}"/>
+                  </a:ext>
+                </a:extLst>
+              </p:cNvPr>
+              <p:cNvSpPr txBox="1"/>
+              <p:nvPr/>
+            </p:nvSpPr>
+            <p:spPr>
+              <a:xfrm>
+                <a:off x="416052" y="731520"/>
+                <a:ext cx="3943580" cy="1378326"/>
+              </a:xfrm>
+              <a:prstGeom prst="rect">
+                <a:avLst/>
+              </a:prstGeom>
+              <a:noFill/>
+            </p:spPr>
+            <p:txBody>
+              <a:bodyPr wrap="none" lIns="0" tIns="0" rIns="0" bIns="0" rtlCol="0">
+                <a:spAutoFit/>
+              </a:bodyPr>
+              <a:lstStyle/>
+              <a:p>
+                <a14:m>
+                  <m:oMathPara xmlns:m="http://schemas.openxmlformats.org/officeDocument/2006/math">
+                    <m:oMathParaPr>
+                      <m:jc m:val="centerGroup"/>
+                    </m:oMathParaPr>
+                    <m:oMath xmlns:m="http://schemas.openxmlformats.org/officeDocument/2006/math">
+                      <m:f>
+                        <m:fPr>
+                          <m:ctrlPr>
+                            <a:rPr lang="fr-FR" i="1" smtClean="0">
+                              <a:latin typeface="Cambria Math" panose="02040503050406030204" pitchFamily="18" charset="0"/>
+                            </a:rPr>
+                          </m:ctrlPr>
+                        </m:fPr>
+                        <m:num>
+                          <m:r>
+                            <a:rPr lang="fr-FR" i="1">
+                              <a:latin typeface="Cambria Math" panose="02040503050406030204" pitchFamily="18" charset="0"/>
+                            </a:rPr>
+                            <m:t>𝜕</m:t>
+                          </m:r>
+                          <m:sSubSup>
+                            <m:sSubSupPr>
+                              <m:ctrlPr>
+                                <a:rPr lang="fr-FR" i="1">
+                                  <a:latin typeface="Cambria Math" panose="02040503050406030204" pitchFamily="18" charset="0"/>
+                                </a:rPr>
+                              </m:ctrlPr>
+                            </m:sSubSupPr>
+                            <m:e>
+                              <m:r>
+                                <a:rPr lang="fr-FR" i="1">
+                                  <a:latin typeface="Cambria Math" panose="02040503050406030204" pitchFamily="18" charset="0"/>
+                                </a:rPr>
+                                <m:t>𝑎</m:t>
+                              </m:r>
+                            </m:e>
+                            <m:sub>
+                              <m:r>
+                                <a:rPr lang="fr-FR" i="1">
+                                  <a:latin typeface="Cambria Math" panose="02040503050406030204" pitchFamily="18" charset="0"/>
+                                </a:rPr>
+                                <m:t>𝑗</m:t>
+                              </m:r>
+                            </m:sub>
+                            <m:sup>
+                              <m:r>
+                                <a:rPr lang="fr-FR" i="1">
+                                  <a:latin typeface="Cambria Math" panose="02040503050406030204" pitchFamily="18" charset="0"/>
+                                </a:rPr>
+                                <m:t>𝑁</m:t>
+                              </m:r>
+                              <m:r>
+                                <a:rPr lang="fr-FR" i="1">
+                                  <a:latin typeface="Cambria Math" panose="02040503050406030204" pitchFamily="18" charset="0"/>
+                                </a:rPr>
+                                <m:t>−1</m:t>
+                              </m:r>
+                            </m:sup>
+                          </m:sSubSup>
+                        </m:num>
+                        <m:den>
+                          <m:r>
+                            <a:rPr lang="fr-FR" i="1">
+                              <a:latin typeface="Cambria Math" panose="02040503050406030204" pitchFamily="18" charset="0"/>
+                            </a:rPr>
+                            <m:t>𝜕</m:t>
+                          </m:r>
+                          <m:sSubSup>
+                            <m:sSubSupPr>
+                              <m:ctrlPr>
+                                <a:rPr lang="fr-FR" i="1">
+                                  <a:latin typeface="Cambria Math" panose="02040503050406030204" pitchFamily="18" charset="0"/>
+                                </a:rPr>
+                              </m:ctrlPr>
+                            </m:sSubSupPr>
+                            <m:e>
+                              <m:r>
+                                <a:rPr lang="fr-FR" i="1">
+                                  <a:latin typeface="Cambria Math" panose="02040503050406030204" pitchFamily="18" charset="0"/>
+                                </a:rPr>
+                                <m:t>𝑏</m:t>
+                              </m:r>
+                            </m:e>
+                            <m:sub>
+                              <m:r>
+                                <a:rPr lang="fr-FR" i="1">
+                                  <a:latin typeface="Cambria Math" panose="02040503050406030204" pitchFamily="18" charset="0"/>
+                                </a:rPr>
+                                <m:t>𝑗</m:t>
+                              </m:r>
+                            </m:sub>
+                            <m:sup>
+                              <m:r>
+                                <a:rPr lang="fr-FR" i="1">
+                                  <a:latin typeface="Cambria Math" panose="02040503050406030204" pitchFamily="18" charset="0"/>
+                                </a:rPr>
+                                <m:t>𝑁</m:t>
+                              </m:r>
+                              <m:r>
+                                <a:rPr lang="fr-FR" i="1">
+                                  <a:latin typeface="Cambria Math" panose="02040503050406030204" pitchFamily="18" charset="0"/>
+                                </a:rPr>
+                                <m:t>−1</m:t>
+                              </m:r>
+                            </m:sup>
+                          </m:sSubSup>
+                        </m:den>
+                      </m:f>
+                      <m:r>
+                        <a:rPr lang="fr-FR" i="1">
+                          <a:latin typeface="Cambria Math" panose="02040503050406030204" pitchFamily="18" charset="0"/>
+                        </a:rPr>
+                        <m:t>= </m:t>
+                      </m:r>
+                      <m:f>
+                        <m:fPr>
+                          <m:ctrlPr>
+                            <a:rPr lang="fr-FR" i="1">
+                              <a:latin typeface="Cambria Math" panose="02040503050406030204" pitchFamily="18" charset="0"/>
+                            </a:rPr>
+                          </m:ctrlPr>
+                        </m:fPr>
+                        <m:num>
+                          <m:r>
+                            <a:rPr lang="fr-FR" i="1">
+                              <a:latin typeface="Cambria Math" panose="02040503050406030204" pitchFamily="18" charset="0"/>
+                            </a:rPr>
+                            <m:t>𝜕</m:t>
+                          </m:r>
+                          <m:sSubSup>
+                            <m:sSubSupPr>
+                              <m:ctrlPr>
+                                <a:rPr lang="fr-FR" i="1">
+                                  <a:latin typeface="Cambria Math" panose="02040503050406030204" pitchFamily="18" charset="0"/>
+                                </a:rPr>
+                              </m:ctrlPr>
+                            </m:sSubSupPr>
+                            <m:e>
+                              <m:r>
+                                <a:rPr lang="fr-FR" i="1">
+                                  <a:latin typeface="Cambria Math" panose="02040503050406030204" pitchFamily="18" charset="0"/>
+                                </a:rPr>
+                                <m:t>𝑧</m:t>
+                              </m:r>
+                            </m:e>
+                            <m:sub>
+                              <m:r>
+                                <a:rPr lang="fr-FR" i="1">
+                                  <a:latin typeface="Cambria Math" panose="02040503050406030204" pitchFamily="18" charset="0"/>
+                                </a:rPr>
+                                <m:t>𝑗</m:t>
+                              </m:r>
+                            </m:sub>
+                            <m:sup>
+                              <m:r>
+                                <a:rPr lang="fr-FR" i="1">
+                                  <a:latin typeface="Cambria Math" panose="02040503050406030204" pitchFamily="18" charset="0"/>
+                                </a:rPr>
+                                <m:t>𝑁</m:t>
+                              </m:r>
+                              <m:r>
+                                <a:rPr lang="fr-FR" i="1">
+                                  <a:latin typeface="Cambria Math" panose="02040503050406030204" pitchFamily="18" charset="0"/>
+                                </a:rPr>
+                                <m:t>−1</m:t>
+                              </m:r>
+                            </m:sup>
+                          </m:sSubSup>
+                        </m:num>
+                        <m:den>
+                          <m:r>
+                            <a:rPr lang="fr-FR" i="1">
+                              <a:latin typeface="Cambria Math" panose="02040503050406030204" pitchFamily="18" charset="0"/>
+                            </a:rPr>
+                            <m:t>𝜕</m:t>
+                          </m:r>
+                          <m:sSubSup>
+                            <m:sSubSupPr>
+                              <m:ctrlPr>
+                                <a:rPr lang="fr-FR" i="1">
+                                  <a:latin typeface="Cambria Math" panose="02040503050406030204" pitchFamily="18" charset="0"/>
+                                </a:rPr>
+                              </m:ctrlPr>
+                            </m:sSubSupPr>
+                            <m:e>
+                              <m:r>
+                                <a:rPr lang="fr-FR" i="1">
+                                  <a:latin typeface="Cambria Math" panose="02040503050406030204" pitchFamily="18" charset="0"/>
+                                </a:rPr>
+                                <m:t>𝑏</m:t>
+                              </m:r>
+                            </m:e>
+                            <m:sub>
+                              <m:r>
+                                <a:rPr lang="fr-FR" i="1">
+                                  <a:latin typeface="Cambria Math" panose="02040503050406030204" pitchFamily="18" charset="0"/>
+                                </a:rPr>
+                                <m:t>𝑗</m:t>
+                              </m:r>
+                            </m:sub>
+                            <m:sup>
+                              <m:r>
+                                <a:rPr lang="fr-FR" i="1">
+                                  <a:latin typeface="Cambria Math" panose="02040503050406030204" pitchFamily="18" charset="0"/>
+                                </a:rPr>
+                                <m:t>𝑁</m:t>
+                              </m:r>
+                              <m:r>
+                                <a:rPr lang="fr-FR" i="1">
+                                  <a:latin typeface="Cambria Math" panose="02040503050406030204" pitchFamily="18" charset="0"/>
+                                </a:rPr>
+                                <m:t>−1</m:t>
+                              </m:r>
+                            </m:sup>
+                          </m:sSubSup>
+                        </m:den>
+                      </m:f>
+                      <m:r>
+                        <a:rPr lang="fr-FR" i="1">
+                          <a:latin typeface="Cambria Math" panose="02040503050406030204" pitchFamily="18" charset="0"/>
+                        </a:rPr>
+                        <m:t>∗</m:t>
+                      </m:r>
+                      <m:f>
+                        <m:fPr>
+                          <m:ctrlPr>
+                            <a:rPr lang="fr-FR" i="1">
+                              <a:latin typeface="Cambria Math" panose="02040503050406030204" pitchFamily="18" charset="0"/>
+                            </a:rPr>
+                          </m:ctrlPr>
+                        </m:fPr>
+                        <m:num>
+                          <m:r>
+                            <a:rPr lang="fr-FR" i="1">
+                              <a:latin typeface="Cambria Math" panose="02040503050406030204" pitchFamily="18" charset="0"/>
+                            </a:rPr>
+                            <m:t>𝜕</m:t>
+                          </m:r>
+                          <m:sSubSup>
+                            <m:sSubSupPr>
+                              <m:ctrlPr>
+                                <a:rPr lang="fr-FR" i="1">
+                                  <a:latin typeface="Cambria Math" panose="02040503050406030204" pitchFamily="18" charset="0"/>
+                                </a:rPr>
+                              </m:ctrlPr>
+                            </m:sSubSupPr>
+                            <m:e>
+                              <m:r>
+                                <a:rPr lang="fr-FR" i="1">
+                                  <a:latin typeface="Cambria Math" panose="02040503050406030204" pitchFamily="18" charset="0"/>
+                                </a:rPr>
+                                <m:t>𝑎</m:t>
+                              </m:r>
+                            </m:e>
+                            <m:sub>
+                              <m:r>
+                                <a:rPr lang="fr-FR" i="1">
+                                  <a:latin typeface="Cambria Math" panose="02040503050406030204" pitchFamily="18" charset="0"/>
+                                </a:rPr>
+                                <m:t>𝑗</m:t>
+                              </m:r>
+                            </m:sub>
+                            <m:sup>
+                              <m:r>
+                                <a:rPr lang="fr-FR" i="1">
+                                  <a:latin typeface="Cambria Math" panose="02040503050406030204" pitchFamily="18" charset="0"/>
+                                </a:rPr>
+                                <m:t>𝑁</m:t>
+                              </m:r>
+                              <m:r>
+                                <a:rPr lang="fr-FR" i="1">
+                                  <a:latin typeface="Cambria Math" panose="02040503050406030204" pitchFamily="18" charset="0"/>
+                                </a:rPr>
+                                <m:t>−1</m:t>
+                              </m:r>
+                            </m:sup>
+                          </m:sSubSup>
+                        </m:num>
+                        <m:den>
+                          <m:r>
+                            <a:rPr lang="fr-FR" i="1">
+                              <a:latin typeface="Cambria Math" panose="02040503050406030204" pitchFamily="18" charset="0"/>
+                            </a:rPr>
+                            <m:t>𝜕</m:t>
+                          </m:r>
+                          <m:sSubSup>
+                            <m:sSubSupPr>
+                              <m:ctrlPr>
+                                <a:rPr lang="fr-FR" i="1">
+                                  <a:latin typeface="Cambria Math" panose="02040503050406030204" pitchFamily="18" charset="0"/>
+                                </a:rPr>
+                              </m:ctrlPr>
+                            </m:sSubSupPr>
+                            <m:e>
+                              <m:r>
+                                <a:rPr lang="fr-FR" i="1">
+                                  <a:latin typeface="Cambria Math" panose="02040503050406030204" pitchFamily="18" charset="0"/>
+                                </a:rPr>
+                                <m:t>𝑧</m:t>
+                              </m:r>
+                            </m:e>
+                            <m:sub>
+                              <m:r>
+                                <a:rPr lang="fr-FR" i="1">
+                                  <a:latin typeface="Cambria Math" panose="02040503050406030204" pitchFamily="18" charset="0"/>
+                                </a:rPr>
+                                <m:t>𝑗</m:t>
+                              </m:r>
+                            </m:sub>
+                            <m:sup>
+                              <m:r>
+                                <a:rPr lang="fr-FR" i="1">
+                                  <a:latin typeface="Cambria Math" panose="02040503050406030204" pitchFamily="18" charset="0"/>
+                                </a:rPr>
+                                <m:t>𝑁</m:t>
+                              </m:r>
+                              <m:r>
+                                <a:rPr lang="fr-FR" i="1">
+                                  <a:latin typeface="Cambria Math" panose="02040503050406030204" pitchFamily="18" charset="0"/>
+                                </a:rPr>
+                                <m:t>−1</m:t>
+                              </m:r>
+                            </m:sup>
+                          </m:sSubSup>
+                        </m:den>
+                      </m:f>
+                      <m:r>
+                        <a:rPr lang="fr-FR">
+                          <a:latin typeface="Cambria Math" panose="02040503050406030204" pitchFamily="18" charset="0"/>
+                        </a:rPr>
+                        <m:t>=</m:t>
+                      </m:r>
+                      <m:r>
+                        <a:rPr lang="fr-FR" i="1">
+                          <a:latin typeface="Cambria Math" panose="02040503050406030204" pitchFamily="18" charset="0"/>
+                        </a:rPr>
+                        <m:t>−</m:t>
+                      </m:r>
+                      <m:sSup>
+                        <m:sSupPr>
+                          <m:ctrlPr>
+                            <a:rPr lang="fr-FR" i="1">
+                              <a:latin typeface="Cambria Math" panose="02040503050406030204" pitchFamily="18" charset="0"/>
+                            </a:rPr>
+                          </m:ctrlPr>
+                        </m:sSupPr>
+                        <m:e>
+                          <m:r>
+                            <a:rPr lang="fr-FR" i="1">
+                              <a:latin typeface="Cambria Math" panose="02040503050406030204" pitchFamily="18" charset="0"/>
+                            </a:rPr>
+                            <m:t>𝑓</m:t>
+                          </m:r>
+                        </m:e>
+                        <m:sup>
+                          <m:r>
+                            <a:rPr lang="fr-FR" i="1">
+                              <a:latin typeface="Cambria Math" panose="02040503050406030204" pitchFamily="18" charset="0"/>
+                            </a:rPr>
+                            <m:t>′</m:t>
+                          </m:r>
+                        </m:sup>
+                      </m:sSup>
+                      <m:d>
+                        <m:dPr>
+                          <m:ctrlPr>
+                            <a:rPr lang="fr-FR" i="1">
+                              <a:latin typeface="Cambria Math" panose="02040503050406030204" pitchFamily="18" charset="0"/>
+                            </a:rPr>
+                          </m:ctrlPr>
+                        </m:dPr>
+                        <m:e>
+                          <m:sSubSup>
+                            <m:sSubSupPr>
+                              <m:ctrlPr>
+                                <a:rPr lang="fr-FR" i="1">
+                                  <a:latin typeface="Cambria Math" panose="02040503050406030204" pitchFamily="18" charset="0"/>
+                                </a:rPr>
+                              </m:ctrlPr>
+                            </m:sSubSupPr>
+                            <m:e>
+                              <m:r>
+                                <a:rPr lang="fr-FR" i="1">
+                                  <a:latin typeface="Cambria Math" panose="02040503050406030204" pitchFamily="18" charset="0"/>
+                                </a:rPr>
+                                <m:t>𝑧</m:t>
+                              </m:r>
+                            </m:e>
+                            <m:sub>
+                              <m:r>
+                                <a:rPr lang="fr-FR" i="1">
+                                  <a:latin typeface="Cambria Math" panose="02040503050406030204" pitchFamily="18" charset="0"/>
+                                </a:rPr>
+                                <m:t>𝑗</m:t>
+                              </m:r>
+                            </m:sub>
+                            <m:sup>
+                              <m:r>
+                                <a:rPr lang="fr-FR" i="1">
+                                  <a:latin typeface="Cambria Math" panose="02040503050406030204" pitchFamily="18" charset="0"/>
+                                </a:rPr>
+                                <m:t>𝑁</m:t>
+                              </m:r>
+                              <m:r>
+                                <a:rPr lang="fr-FR" i="1">
+                                  <a:latin typeface="Cambria Math" panose="02040503050406030204" pitchFamily="18" charset="0"/>
+                                </a:rPr>
+                                <m:t>−1</m:t>
+                              </m:r>
+                            </m:sup>
+                          </m:sSubSup>
+                        </m:e>
+                      </m:d>
+                    </m:oMath>
+                  </m:oMathPara>
+                </a14:m>
+                <a:endParaRPr lang="fr-FR" dirty="0"/>
+              </a:p>
+              <a:p>
+                <a14:m>
+                  <m:oMathPara xmlns:m="http://schemas.openxmlformats.org/officeDocument/2006/math">
+                    <m:oMathParaPr>
+                      <m:jc m:val="centerGroup"/>
+                    </m:oMathParaPr>
+                    <m:oMath xmlns:m="http://schemas.openxmlformats.org/officeDocument/2006/math">
+                      <m:sSubSup>
+                        <m:sSubSupPr>
+                          <m:ctrlPr>
+                            <a:rPr lang="fr-FR" i="1">
+                              <a:latin typeface="Cambria Math" panose="02040503050406030204" pitchFamily="18" charset="0"/>
+                            </a:rPr>
+                          </m:ctrlPr>
+                        </m:sSubSupPr>
+                        <m:e>
+                          <m:r>
+                            <a:rPr lang="fr-FR" b="0" i="1" smtClean="0">
+                              <a:latin typeface="Cambria Math" panose="02040503050406030204" pitchFamily="18" charset="0"/>
+                            </a:rPr>
+                            <m:t>𝑑</m:t>
+                          </m:r>
+                          <m:r>
+                            <a:rPr lang="fr-FR" i="1">
+                              <a:latin typeface="Cambria Math" panose="02040503050406030204" pitchFamily="18" charset="0"/>
+                            </a:rPr>
+                            <m:t>𝑎</m:t>
+                          </m:r>
+                        </m:e>
+                        <m:sub>
+                          <m:r>
+                            <a:rPr lang="fr-FR" i="1">
+                              <a:latin typeface="Cambria Math" panose="02040503050406030204" pitchFamily="18" charset="0"/>
+                            </a:rPr>
+                            <m:t>𝑗</m:t>
+                          </m:r>
+                        </m:sub>
+                        <m:sup>
+                          <m:r>
+                            <a:rPr lang="fr-FR" i="1">
+                              <a:latin typeface="Cambria Math" panose="02040503050406030204" pitchFamily="18" charset="0"/>
+                            </a:rPr>
+                            <m:t>𝑁</m:t>
+                          </m:r>
+                          <m:r>
+                            <a:rPr lang="fr-FR" i="1">
+                              <a:latin typeface="Cambria Math" panose="02040503050406030204" pitchFamily="18" charset="0"/>
+                            </a:rPr>
+                            <m:t>−1</m:t>
+                          </m:r>
+                        </m:sup>
+                      </m:sSubSup>
+                      <m:r>
+                        <a:rPr lang="fr-FR" b="0" i="1" smtClean="0">
+                          <a:latin typeface="Cambria Math" panose="02040503050406030204" pitchFamily="18" charset="0"/>
+                        </a:rPr>
+                        <m:t>=</m:t>
+                      </m:r>
+                      <m:r>
+                        <a:rPr lang="fr-FR" b="0" i="1" smtClean="0">
+                          <a:latin typeface="Cambria Math" panose="02040503050406030204" pitchFamily="18" charset="0"/>
+                          <a:ea typeface="Cambria Math" panose="02040503050406030204" pitchFamily="18" charset="0"/>
+                        </a:rPr>
+                        <m:t>𝜀</m:t>
+                      </m:r>
+                      <m:r>
+                        <a:rPr lang="fr-FR" b="0" i="1" smtClean="0">
+                          <a:latin typeface="Cambria Math" panose="02040503050406030204" pitchFamily="18" charset="0"/>
+                          <a:ea typeface="Cambria Math" panose="02040503050406030204" pitchFamily="18" charset="0"/>
+                        </a:rPr>
+                        <m:t>∗</m:t>
+                      </m:r>
+                      <m:d>
+                        <m:dPr>
+                          <m:ctrlPr>
+                            <a:rPr lang="fr-FR" b="0" i="1" smtClean="0">
+                              <a:latin typeface="Cambria Math" panose="02040503050406030204" pitchFamily="18" charset="0"/>
+                              <a:ea typeface="Cambria Math" panose="02040503050406030204" pitchFamily="18" charset="0"/>
+                            </a:rPr>
+                          </m:ctrlPr>
+                        </m:dPr>
+                        <m:e>
+                          <m:r>
+                            <a:rPr lang="fr-FR" i="1">
+                              <a:latin typeface="Cambria Math" panose="02040503050406030204" pitchFamily="18" charset="0"/>
+                            </a:rPr>
+                            <m:t>−</m:t>
+                          </m:r>
+                          <m:sSup>
+                            <m:sSupPr>
+                              <m:ctrlPr>
+                                <a:rPr lang="fr-FR" i="1">
+                                  <a:latin typeface="Cambria Math" panose="02040503050406030204" pitchFamily="18" charset="0"/>
+                                </a:rPr>
+                              </m:ctrlPr>
+                            </m:sSupPr>
+                            <m:e>
+                              <m:r>
+                                <a:rPr lang="fr-FR" i="1">
+                                  <a:latin typeface="Cambria Math" panose="02040503050406030204" pitchFamily="18" charset="0"/>
+                                </a:rPr>
+                                <m:t>𝑓</m:t>
+                              </m:r>
+                            </m:e>
+                            <m:sup>
+                              <m:r>
+                                <a:rPr lang="fr-FR" i="1">
+                                  <a:latin typeface="Cambria Math" panose="02040503050406030204" pitchFamily="18" charset="0"/>
+                                </a:rPr>
+                                <m:t>′</m:t>
+                              </m:r>
+                            </m:sup>
+                          </m:sSup>
+                          <m:d>
+                            <m:dPr>
+                              <m:ctrlPr>
+                                <a:rPr lang="fr-FR" i="1">
+                                  <a:latin typeface="Cambria Math" panose="02040503050406030204" pitchFamily="18" charset="0"/>
+                                </a:rPr>
+                              </m:ctrlPr>
+                            </m:dPr>
+                            <m:e>
+                              <m:sSubSup>
+                                <m:sSubSupPr>
+                                  <m:ctrlPr>
+                                    <a:rPr lang="fr-FR" i="1">
+                                      <a:latin typeface="Cambria Math" panose="02040503050406030204" pitchFamily="18" charset="0"/>
+                                    </a:rPr>
+                                  </m:ctrlPr>
+                                </m:sSubSupPr>
+                                <m:e>
+                                  <m:r>
+                                    <a:rPr lang="fr-FR" i="1">
+                                      <a:latin typeface="Cambria Math" panose="02040503050406030204" pitchFamily="18" charset="0"/>
+                                    </a:rPr>
+                                    <m:t>𝑧</m:t>
+                                  </m:r>
+                                </m:e>
+                                <m:sub>
+                                  <m:r>
+                                    <a:rPr lang="fr-FR" i="1">
+                                      <a:latin typeface="Cambria Math" panose="02040503050406030204" pitchFamily="18" charset="0"/>
+                                    </a:rPr>
+                                    <m:t>𝑗</m:t>
+                                  </m:r>
+                                </m:sub>
+                                <m:sup>
+                                  <m:r>
+                                    <a:rPr lang="fr-FR" i="1">
+                                      <a:latin typeface="Cambria Math" panose="02040503050406030204" pitchFamily="18" charset="0"/>
+                                    </a:rPr>
+                                    <m:t>𝑁</m:t>
+                                  </m:r>
+                                  <m:r>
+                                    <a:rPr lang="fr-FR" i="1">
+                                      <a:latin typeface="Cambria Math" panose="02040503050406030204" pitchFamily="18" charset="0"/>
+                                    </a:rPr>
+                                    <m:t>−1</m:t>
+                                  </m:r>
+                                </m:sup>
+                              </m:sSubSup>
+                            </m:e>
+                          </m:d>
+                        </m:e>
+                      </m:d>
+                    </m:oMath>
+                  </m:oMathPara>
+                </a14:m>
+                <a:endParaRPr lang="fr-FR" b="0" dirty="0">
+                  <a:ea typeface="Cambria Math" panose="02040503050406030204" pitchFamily="18" charset="0"/>
+                </a:endParaRPr>
+              </a:p>
+              <a:p>
+                <a:r>
+                  <a:rPr lang="fr-FR" dirty="0"/>
+                  <a:t>calculons cette valeur.</a:t>
+                </a:r>
+              </a:p>
+            </p:txBody>
+          </p:sp>
+        </mc:Choice>
+        <mc:Fallback>
+          <p:sp>
+            <p:nvSpPr>
+              <p:cNvPr id="4" name="ZoneTexte 3">
+                <a:extLst>
+                  <a:ext uri="{FF2B5EF4-FFF2-40B4-BE49-F238E27FC236}">
+                    <a16:creationId xmlns:a16="http://schemas.microsoft.com/office/drawing/2014/main" id="{EC1A4314-2128-381B-0296-EE063A3C264C}"/>
+                  </a:ext>
+                </a:extLst>
+              </p:cNvPr>
+              <p:cNvSpPr txBox="1">
+                <a:spLocks noRot="1" noChangeAspect="1" noMove="1" noResize="1" noEditPoints="1" noAdjustHandles="1" noChangeArrowheads="1" noChangeShapeType="1" noTextEdit="1"/>
+              </p:cNvSpPr>
+              <p:nvPr/>
+            </p:nvSpPr>
+            <p:spPr>
+              <a:xfrm>
+                <a:off x="416052" y="731520"/>
+                <a:ext cx="3943580" cy="1378326"/>
+              </a:xfrm>
+              <a:prstGeom prst="rect">
+                <a:avLst/>
+              </a:prstGeom>
+              <a:blipFill>
+                <a:blip r:embed="rId2"/>
+                <a:stretch>
+                  <a:fillRect l="-3555" b="-9735"/>
+                </a:stretch>
+              </a:blipFill>
+            </p:spPr>
+            <p:txBody>
+              <a:bodyPr/>
+              <a:lstStyle/>
+              <a:p>
+                <a:r>
+                  <a:rPr lang="fr-FR">
+                    <a:noFill/>
+                  </a:rPr>
+                  <a:t> </a:t>
+                </a:r>
+              </a:p>
+            </p:txBody>
+          </p:sp>
+        </mc:Fallback>
+      </mc:AlternateContent>
+    </p:spTree>
+    <p:extLst>
+      <p:ext uri="{BB962C8B-B14F-4D97-AF65-F5344CB8AC3E}">
+        <p14:creationId xmlns:p14="http://schemas.microsoft.com/office/powerpoint/2010/main" val="175519089"/>
+      </p:ext>
+    </p:extLst>
+  </p:cSld>
+  <p:clrMapOvr>
+    <a:masterClrMapping/>
+  </p:clrMapOvr>
+</p:sld>
+</file>
+
 <file path=ppt/theme/theme1.xml><?xml version="1.0" encoding="utf-8"?>
 <a:theme xmlns:a="http://schemas.openxmlformats.org/drawingml/2006/main" name="Thème Office">
   <a:themeElements>
